--- a/01 Classes/Aula 02 Programação Python - Variáveis e Expressões.pptx
+++ b/01 Classes/Aula 02 Programação Python - Variáveis e Expressões.pptx
@@ -5,7 +5,7 @@
     <p:sldMasterId id="2147483648" r:id="rId1"/>
   </p:sldMasterIdLst>
   <p:notesMasterIdLst>
-    <p:notesMasterId r:id="rId30"/>
+    <p:notesMasterId r:id="rId38"/>
   </p:notesMasterIdLst>
   <p:sldIdLst>
     <p:sldId id="256" r:id="rId2"/>
@@ -24,18 +24,26 @@
     <p:sldId id="349" r:id="rId15"/>
     <p:sldId id="350" r:id="rId16"/>
     <p:sldId id="351" r:id="rId17"/>
-    <p:sldId id="364" r:id="rId18"/>
-    <p:sldId id="366" r:id="rId19"/>
-    <p:sldId id="367" r:id="rId20"/>
-    <p:sldId id="368" r:id="rId21"/>
-    <p:sldId id="369" r:id="rId22"/>
-    <p:sldId id="370" r:id="rId23"/>
-    <p:sldId id="365" r:id="rId24"/>
-    <p:sldId id="323" r:id="rId25"/>
-    <p:sldId id="333" r:id="rId26"/>
-    <p:sldId id="334" r:id="rId27"/>
-    <p:sldId id="337" r:id="rId28"/>
-    <p:sldId id="309" r:id="rId29"/>
+    <p:sldId id="371" r:id="rId18"/>
+    <p:sldId id="364" r:id="rId19"/>
+    <p:sldId id="366" r:id="rId20"/>
+    <p:sldId id="367" r:id="rId21"/>
+    <p:sldId id="368" r:id="rId22"/>
+    <p:sldId id="369" r:id="rId23"/>
+    <p:sldId id="370" r:id="rId24"/>
+    <p:sldId id="365" r:id="rId25"/>
+    <p:sldId id="372" r:id="rId26"/>
+    <p:sldId id="373" r:id="rId27"/>
+    <p:sldId id="374" r:id="rId28"/>
+    <p:sldId id="375" r:id="rId29"/>
+    <p:sldId id="376" r:id="rId30"/>
+    <p:sldId id="377" r:id="rId31"/>
+    <p:sldId id="378" r:id="rId32"/>
+    <p:sldId id="323" r:id="rId33"/>
+    <p:sldId id="333" r:id="rId34"/>
+    <p:sldId id="334" r:id="rId35"/>
+    <p:sldId id="337" r:id="rId36"/>
+    <p:sldId id="309" r:id="rId37"/>
   </p:sldIdLst>
   <p:sldSz cx="9144000" cy="5143500" type="screen16x9"/>
   <p:notesSz cx="6858000" cy="9144000"/>
@@ -1034,7 +1042,7 @@
     </p:spTree>
     <p:extLst>
       <p:ext uri="{BB962C8B-B14F-4D97-AF65-F5344CB8AC3E}">
-        <p14:creationId xmlns:p14="http://schemas.microsoft.com/office/powerpoint/2010/main" val="1225189385"/>
+        <p14:creationId xmlns:p14="http://schemas.microsoft.com/office/powerpoint/2010/main" val="245903009"/>
       </p:ext>
     </p:extLst>
   </p:cSld>
@@ -1100,7 +1108,7 @@
     </p:spTree>
     <p:extLst>
       <p:ext uri="{BB962C8B-B14F-4D97-AF65-F5344CB8AC3E}">
-        <p14:creationId xmlns:p14="http://schemas.microsoft.com/office/powerpoint/2010/main" val="630981285"/>
+        <p14:creationId xmlns:p14="http://schemas.microsoft.com/office/powerpoint/2010/main" val="1225189385"/>
       </p:ext>
     </p:extLst>
   </p:cSld>
@@ -1166,7 +1174,7 @@
     </p:spTree>
     <p:extLst>
       <p:ext uri="{BB962C8B-B14F-4D97-AF65-F5344CB8AC3E}">
-        <p14:creationId xmlns:p14="http://schemas.microsoft.com/office/powerpoint/2010/main" val="2914450668"/>
+        <p14:creationId xmlns:p14="http://schemas.microsoft.com/office/powerpoint/2010/main" val="630981285"/>
       </p:ext>
     </p:extLst>
   </p:cSld>
@@ -1232,7 +1240,7 @@
     </p:spTree>
     <p:extLst>
       <p:ext uri="{BB962C8B-B14F-4D97-AF65-F5344CB8AC3E}">
-        <p14:creationId xmlns:p14="http://schemas.microsoft.com/office/powerpoint/2010/main" val="1884954299"/>
+        <p14:creationId xmlns:p14="http://schemas.microsoft.com/office/powerpoint/2010/main" val="2914450668"/>
       </p:ext>
     </p:extLst>
   </p:cSld>
@@ -1364,7 +1372,7 @@
     </p:spTree>
     <p:extLst>
       <p:ext uri="{BB962C8B-B14F-4D97-AF65-F5344CB8AC3E}">
-        <p14:creationId xmlns:p14="http://schemas.microsoft.com/office/powerpoint/2010/main" val="3969518118"/>
+        <p14:creationId xmlns:p14="http://schemas.microsoft.com/office/powerpoint/2010/main" val="1884954299"/>
       </p:ext>
     </p:extLst>
   </p:cSld>
@@ -1430,7 +1438,7 @@
     </p:spTree>
     <p:extLst>
       <p:ext uri="{BB962C8B-B14F-4D97-AF65-F5344CB8AC3E}">
-        <p14:creationId xmlns:p14="http://schemas.microsoft.com/office/powerpoint/2010/main" val="2398461047"/>
+        <p14:creationId xmlns:p14="http://schemas.microsoft.com/office/powerpoint/2010/main" val="3969518118"/>
       </p:ext>
     </p:extLst>
   </p:cSld>
@@ -1496,7 +1504,7 @@
     </p:spTree>
     <p:extLst>
       <p:ext uri="{BB962C8B-B14F-4D97-AF65-F5344CB8AC3E}">
-        <p14:creationId xmlns:p14="http://schemas.microsoft.com/office/powerpoint/2010/main" val="1400667153"/>
+        <p14:creationId xmlns:p14="http://schemas.microsoft.com/office/powerpoint/2010/main" val="2398461047"/>
       </p:ext>
     </p:extLst>
   </p:cSld>
@@ -1562,7 +1570,7 @@
     </p:spTree>
     <p:extLst>
       <p:ext uri="{BB962C8B-B14F-4D97-AF65-F5344CB8AC3E}">
-        <p14:creationId xmlns:p14="http://schemas.microsoft.com/office/powerpoint/2010/main" val="2709569597"/>
+        <p14:creationId xmlns:p14="http://schemas.microsoft.com/office/powerpoint/2010/main" val="1400667153"/>
       </p:ext>
     </p:extLst>
   </p:cSld>
@@ -1628,7 +1636,7 @@
     </p:spTree>
     <p:extLst>
       <p:ext uri="{BB962C8B-B14F-4D97-AF65-F5344CB8AC3E}">
-        <p14:creationId xmlns:p14="http://schemas.microsoft.com/office/powerpoint/2010/main" val="585304384"/>
+        <p14:creationId xmlns:p14="http://schemas.microsoft.com/office/powerpoint/2010/main" val="1731719441"/>
       </p:ext>
     </p:extLst>
   </p:cSld>
@@ -1694,7 +1702,7 @@
     </p:spTree>
     <p:extLst>
       <p:ext uri="{BB962C8B-B14F-4D97-AF65-F5344CB8AC3E}">
-        <p14:creationId xmlns:p14="http://schemas.microsoft.com/office/powerpoint/2010/main" val="2296249050"/>
+        <p14:creationId xmlns:p14="http://schemas.microsoft.com/office/powerpoint/2010/main" val="1526033006"/>
       </p:ext>
     </p:extLst>
   </p:cSld>
@@ -1760,7 +1768,205 @@
     </p:spTree>
     <p:extLst>
       <p:ext uri="{BB962C8B-B14F-4D97-AF65-F5344CB8AC3E}">
-        <p14:creationId xmlns:p14="http://schemas.microsoft.com/office/powerpoint/2010/main" val="4290351292"/>
+        <p14:creationId xmlns:p14="http://schemas.microsoft.com/office/powerpoint/2010/main" val="1915529774"/>
+      </p:ext>
+    </p:extLst>
+  </p:cSld>
+  <p:clrMapOvr>
+    <a:masterClrMapping/>
+  </p:clrMapOvr>
+</p:notes>
+</file>
+
+<file path=ppt/notesSlides/notesSlide27.xml><?xml version="1.0" encoding="utf-8"?>
+<p:notes xmlns:a="http://schemas.openxmlformats.org/drawingml/2006/main" xmlns:r="http://schemas.openxmlformats.org/officeDocument/2006/relationships" xmlns:p="http://schemas.openxmlformats.org/presentationml/2006/main">
+  <p:cSld>
+    <p:spTree>
+      <p:nvGrpSpPr>
+        <p:cNvPr id="1" name=""/>
+        <p:cNvGrpSpPr/>
+        <p:nvPr/>
+      </p:nvGrpSpPr>
+      <p:grpSpPr>
+        <a:xfrm>
+          <a:off x="0" y="0"/>
+          <a:ext cx="0" cy="0"/>
+          <a:chOff x="0" y="0"/>
+          <a:chExt cx="0" cy="0"/>
+        </a:xfrm>
+      </p:grpSpPr>
+      <p:sp>
+        <p:nvSpPr>
+          <p:cNvPr id="2" name="Espaço Reservado para Imagem de Slide 1"/>
+          <p:cNvSpPr>
+            <a:spLocks noGrp="1" noRot="1" noChangeAspect="1"/>
+          </p:cNvSpPr>
+          <p:nvPr>
+            <p:ph type="sldImg"/>
+          </p:nvPr>
+        </p:nvSpPr>
+        <p:spPr>
+          <a:xfrm>
+            <a:off x="381000" y="685800"/>
+            <a:ext cx="6096000" cy="3429000"/>
+          </a:xfrm>
+        </p:spPr>
+      </p:sp>
+      <p:sp>
+        <p:nvSpPr>
+          <p:cNvPr id="3" name="Espaço Reservado para Anotações 2"/>
+          <p:cNvSpPr>
+            <a:spLocks noGrp="1"/>
+          </p:cNvSpPr>
+          <p:nvPr>
+            <p:ph type="body" idx="1"/>
+          </p:nvPr>
+        </p:nvSpPr>
+        <p:spPr/>
+        <p:txBody>
+          <a:bodyPr/>
+          <a:lstStyle/>
+          <a:p>
+            <a:endParaRPr lang="pt-BR" dirty="0"/>
+          </a:p>
+        </p:txBody>
+      </p:sp>
+    </p:spTree>
+    <p:extLst>
+      <p:ext uri="{BB962C8B-B14F-4D97-AF65-F5344CB8AC3E}">
+        <p14:creationId xmlns:p14="http://schemas.microsoft.com/office/powerpoint/2010/main" val="870768390"/>
+      </p:ext>
+    </p:extLst>
+  </p:cSld>
+  <p:clrMapOvr>
+    <a:masterClrMapping/>
+  </p:clrMapOvr>
+</p:notes>
+</file>
+
+<file path=ppt/notesSlides/notesSlide28.xml><?xml version="1.0" encoding="utf-8"?>
+<p:notes xmlns:a="http://schemas.openxmlformats.org/drawingml/2006/main" xmlns:r="http://schemas.openxmlformats.org/officeDocument/2006/relationships" xmlns:p="http://schemas.openxmlformats.org/presentationml/2006/main">
+  <p:cSld>
+    <p:spTree>
+      <p:nvGrpSpPr>
+        <p:cNvPr id="1" name=""/>
+        <p:cNvGrpSpPr/>
+        <p:nvPr/>
+      </p:nvGrpSpPr>
+      <p:grpSpPr>
+        <a:xfrm>
+          <a:off x="0" y="0"/>
+          <a:ext cx="0" cy="0"/>
+          <a:chOff x="0" y="0"/>
+          <a:chExt cx="0" cy="0"/>
+        </a:xfrm>
+      </p:grpSpPr>
+      <p:sp>
+        <p:nvSpPr>
+          <p:cNvPr id="2" name="Espaço Reservado para Imagem de Slide 1"/>
+          <p:cNvSpPr>
+            <a:spLocks noGrp="1" noRot="1" noChangeAspect="1"/>
+          </p:cNvSpPr>
+          <p:nvPr>
+            <p:ph type="sldImg"/>
+          </p:nvPr>
+        </p:nvSpPr>
+        <p:spPr>
+          <a:xfrm>
+            <a:off x="381000" y="685800"/>
+            <a:ext cx="6096000" cy="3429000"/>
+          </a:xfrm>
+        </p:spPr>
+      </p:sp>
+      <p:sp>
+        <p:nvSpPr>
+          <p:cNvPr id="3" name="Espaço Reservado para Anotações 2"/>
+          <p:cNvSpPr>
+            <a:spLocks noGrp="1"/>
+          </p:cNvSpPr>
+          <p:nvPr>
+            <p:ph type="body" idx="1"/>
+          </p:nvPr>
+        </p:nvSpPr>
+        <p:spPr/>
+        <p:txBody>
+          <a:bodyPr/>
+          <a:lstStyle/>
+          <a:p>
+            <a:endParaRPr lang="pt-BR" dirty="0"/>
+          </a:p>
+        </p:txBody>
+      </p:sp>
+    </p:spTree>
+    <p:extLst>
+      <p:ext uri="{BB962C8B-B14F-4D97-AF65-F5344CB8AC3E}">
+        <p14:creationId xmlns:p14="http://schemas.microsoft.com/office/powerpoint/2010/main" val="3878110625"/>
+      </p:ext>
+    </p:extLst>
+  </p:cSld>
+  <p:clrMapOvr>
+    <a:masterClrMapping/>
+  </p:clrMapOvr>
+</p:notes>
+</file>
+
+<file path=ppt/notesSlides/notesSlide29.xml><?xml version="1.0" encoding="utf-8"?>
+<p:notes xmlns:a="http://schemas.openxmlformats.org/drawingml/2006/main" xmlns:r="http://schemas.openxmlformats.org/officeDocument/2006/relationships" xmlns:p="http://schemas.openxmlformats.org/presentationml/2006/main">
+  <p:cSld>
+    <p:spTree>
+      <p:nvGrpSpPr>
+        <p:cNvPr id="1" name=""/>
+        <p:cNvGrpSpPr/>
+        <p:nvPr/>
+      </p:nvGrpSpPr>
+      <p:grpSpPr>
+        <a:xfrm>
+          <a:off x="0" y="0"/>
+          <a:ext cx="0" cy="0"/>
+          <a:chOff x="0" y="0"/>
+          <a:chExt cx="0" cy="0"/>
+        </a:xfrm>
+      </p:grpSpPr>
+      <p:sp>
+        <p:nvSpPr>
+          <p:cNvPr id="2" name="Espaço Reservado para Imagem de Slide 1"/>
+          <p:cNvSpPr>
+            <a:spLocks noGrp="1" noRot="1" noChangeAspect="1"/>
+          </p:cNvSpPr>
+          <p:nvPr>
+            <p:ph type="sldImg"/>
+          </p:nvPr>
+        </p:nvSpPr>
+        <p:spPr>
+          <a:xfrm>
+            <a:off x="381000" y="685800"/>
+            <a:ext cx="6096000" cy="3429000"/>
+          </a:xfrm>
+        </p:spPr>
+      </p:sp>
+      <p:sp>
+        <p:nvSpPr>
+          <p:cNvPr id="3" name="Espaço Reservado para Anotações 2"/>
+          <p:cNvSpPr>
+            <a:spLocks noGrp="1"/>
+          </p:cNvSpPr>
+          <p:nvPr>
+            <p:ph type="body" idx="1"/>
+          </p:nvPr>
+        </p:nvSpPr>
+        <p:spPr/>
+        <p:txBody>
+          <a:bodyPr/>
+          <a:lstStyle/>
+          <a:p>
+            <a:endParaRPr lang="pt-BR" dirty="0"/>
+          </a:p>
+        </p:txBody>
+      </p:sp>
+    </p:spTree>
+    <p:extLst>
+      <p:ext uri="{BB962C8B-B14F-4D97-AF65-F5344CB8AC3E}">
+        <p14:creationId xmlns:p14="http://schemas.microsoft.com/office/powerpoint/2010/main" val="3083138759"/>
       </p:ext>
     </p:extLst>
   </p:cSld>
@@ -1827,6 +2033,336 @@
     <p:extLst>
       <p:ext uri="{BB962C8B-B14F-4D97-AF65-F5344CB8AC3E}">
         <p14:creationId xmlns:p14="http://schemas.microsoft.com/office/powerpoint/2010/main" val="1499055449"/>
+      </p:ext>
+    </p:extLst>
+  </p:cSld>
+  <p:clrMapOvr>
+    <a:masterClrMapping/>
+  </p:clrMapOvr>
+</p:notes>
+</file>
+
+<file path=ppt/notesSlides/notesSlide30.xml><?xml version="1.0" encoding="utf-8"?>
+<p:notes xmlns:a="http://schemas.openxmlformats.org/drawingml/2006/main" xmlns:r="http://schemas.openxmlformats.org/officeDocument/2006/relationships" xmlns:p="http://schemas.openxmlformats.org/presentationml/2006/main">
+  <p:cSld>
+    <p:spTree>
+      <p:nvGrpSpPr>
+        <p:cNvPr id="1" name=""/>
+        <p:cNvGrpSpPr/>
+        <p:nvPr/>
+      </p:nvGrpSpPr>
+      <p:grpSpPr>
+        <a:xfrm>
+          <a:off x="0" y="0"/>
+          <a:ext cx="0" cy="0"/>
+          <a:chOff x="0" y="0"/>
+          <a:chExt cx="0" cy="0"/>
+        </a:xfrm>
+      </p:grpSpPr>
+      <p:sp>
+        <p:nvSpPr>
+          <p:cNvPr id="2" name="Espaço Reservado para Imagem de Slide 1"/>
+          <p:cNvSpPr>
+            <a:spLocks noGrp="1" noRot="1" noChangeAspect="1"/>
+          </p:cNvSpPr>
+          <p:nvPr>
+            <p:ph type="sldImg"/>
+          </p:nvPr>
+        </p:nvSpPr>
+        <p:spPr>
+          <a:xfrm>
+            <a:off x="381000" y="685800"/>
+            <a:ext cx="6096000" cy="3429000"/>
+          </a:xfrm>
+        </p:spPr>
+      </p:sp>
+      <p:sp>
+        <p:nvSpPr>
+          <p:cNvPr id="3" name="Espaço Reservado para Anotações 2"/>
+          <p:cNvSpPr>
+            <a:spLocks noGrp="1"/>
+          </p:cNvSpPr>
+          <p:nvPr>
+            <p:ph type="body" idx="1"/>
+          </p:nvPr>
+        </p:nvSpPr>
+        <p:spPr/>
+        <p:txBody>
+          <a:bodyPr/>
+          <a:lstStyle/>
+          <a:p>
+            <a:endParaRPr lang="pt-BR" dirty="0"/>
+          </a:p>
+        </p:txBody>
+      </p:sp>
+    </p:spTree>
+    <p:extLst>
+      <p:ext uri="{BB962C8B-B14F-4D97-AF65-F5344CB8AC3E}">
+        <p14:creationId xmlns:p14="http://schemas.microsoft.com/office/powerpoint/2010/main" val="2528078872"/>
+      </p:ext>
+    </p:extLst>
+  </p:cSld>
+  <p:clrMapOvr>
+    <a:masterClrMapping/>
+  </p:clrMapOvr>
+</p:notes>
+</file>
+
+<file path=ppt/notesSlides/notesSlide31.xml><?xml version="1.0" encoding="utf-8"?>
+<p:notes xmlns:a="http://schemas.openxmlformats.org/drawingml/2006/main" xmlns:r="http://schemas.openxmlformats.org/officeDocument/2006/relationships" xmlns:p="http://schemas.openxmlformats.org/presentationml/2006/main">
+  <p:cSld>
+    <p:spTree>
+      <p:nvGrpSpPr>
+        <p:cNvPr id="1" name=""/>
+        <p:cNvGrpSpPr/>
+        <p:nvPr/>
+      </p:nvGrpSpPr>
+      <p:grpSpPr>
+        <a:xfrm>
+          <a:off x="0" y="0"/>
+          <a:ext cx="0" cy="0"/>
+          <a:chOff x="0" y="0"/>
+          <a:chExt cx="0" cy="0"/>
+        </a:xfrm>
+      </p:grpSpPr>
+      <p:sp>
+        <p:nvSpPr>
+          <p:cNvPr id="2" name="Espaço Reservado para Imagem de Slide 1"/>
+          <p:cNvSpPr>
+            <a:spLocks noGrp="1" noRot="1" noChangeAspect="1"/>
+          </p:cNvSpPr>
+          <p:nvPr>
+            <p:ph type="sldImg"/>
+          </p:nvPr>
+        </p:nvSpPr>
+        <p:spPr>
+          <a:xfrm>
+            <a:off x="381000" y="685800"/>
+            <a:ext cx="6096000" cy="3429000"/>
+          </a:xfrm>
+        </p:spPr>
+      </p:sp>
+      <p:sp>
+        <p:nvSpPr>
+          <p:cNvPr id="3" name="Espaço Reservado para Anotações 2"/>
+          <p:cNvSpPr>
+            <a:spLocks noGrp="1"/>
+          </p:cNvSpPr>
+          <p:nvPr>
+            <p:ph type="body" idx="1"/>
+          </p:nvPr>
+        </p:nvSpPr>
+        <p:spPr/>
+        <p:txBody>
+          <a:bodyPr/>
+          <a:lstStyle/>
+          <a:p>
+            <a:endParaRPr lang="pt-BR" dirty="0"/>
+          </a:p>
+        </p:txBody>
+      </p:sp>
+    </p:spTree>
+    <p:extLst>
+      <p:ext uri="{BB962C8B-B14F-4D97-AF65-F5344CB8AC3E}">
+        <p14:creationId xmlns:p14="http://schemas.microsoft.com/office/powerpoint/2010/main" val="2709569597"/>
+      </p:ext>
+    </p:extLst>
+  </p:cSld>
+  <p:clrMapOvr>
+    <a:masterClrMapping/>
+  </p:clrMapOvr>
+</p:notes>
+</file>
+
+<file path=ppt/notesSlides/notesSlide32.xml><?xml version="1.0" encoding="utf-8"?>
+<p:notes xmlns:a="http://schemas.openxmlformats.org/drawingml/2006/main" xmlns:r="http://schemas.openxmlformats.org/officeDocument/2006/relationships" xmlns:p="http://schemas.openxmlformats.org/presentationml/2006/main">
+  <p:cSld>
+    <p:spTree>
+      <p:nvGrpSpPr>
+        <p:cNvPr id="1" name=""/>
+        <p:cNvGrpSpPr/>
+        <p:nvPr/>
+      </p:nvGrpSpPr>
+      <p:grpSpPr>
+        <a:xfrm>
+          <a:off x="0" y="0"/>
+          <a:ext cx="0" cy="0"/>
+          <a:chOff x="0" y="0"/>
+          <a:chExt cx="0" cy="0"/>
+        </a:xfrm>
+      </p:grpSpPr>
+      <p:sp>
+        <p:nvSpPr>
+          <p:cNvPr id="2" name="Espaço Reservado para Imagem de Slide 1"/>
+          <p:cNvSpPr>
+            <a:spLocks noGrp="1" noRot="1" noChangeAspect="1"/>
+          </p:cNvSpPr>
+          <p:nvPr>
+            <p:ph type="sldImg"/>
+          </p:nvPr>
+        </p:nvSpPr>
+        <p:spPr>
+          <a:xfrm>
+            <a:off x="381000" y="685800"/>
+            <a:ext cx="6096000" cy="3429000"/>
+          </a:xfrm>
+        </p:spPr>
+      </p:sp>
+      <p:sp>
+        <p:nvSpPr>
+          <p:cNvPr id="3" name="Espaço Reservado para Anotações 2"/>
+          <p:cNvSpPr>
+            <a:spLocks noGrp="1"/>
+          </p:cNvSpPr>
+          <p:nvPr>
+            <p:ph type="body" idx="1"/>
+          </p:nvPr>
+        </p:nvSpPr>
+        <p:spPr/>
+        <p:txBody>
+          <a:bodyPr/>
+          <a:lstStyle/>
+          <a:p>
+            <a:endParaRPr lang="pt-BR" dirty="0"/>
+          </a:p>
+        </p:txBody>
+      </p:sp>
+    </p:spTree>
+    <p:extLst>
+      <p:ext uri="{BB962C8B-B14F-4D97-AF65-F5344CB8AC3E}">
+        <p14:creationId xmlns:p14="http://schemas.microsoft.com/office/powerpoint/2010/main" val="585304384"/>
+      </p:ext>
+    </p:extLst>
+  </p:cSld>
+  <p:clrMapOvr>
+    <a:masterClrMapping/>
+  </p:clrMapOvr>
+</p:notes>
+</file>
+
+<file path=ppt/notesSlides/notesSlide33.xml><?xml version="1.0" encoding="utf-8"?>
+<p:notes xmlns:a="http://schemas.openxmlformats.org/drawingml/2006/main" xmlns:r="http://schemas.openxmlformats.org/officeDocument/2006/relationships" xmlns:p="http://schemas.openxmlformats.org/presentationml/2006/main">
+  <p:cSld>
+    <p:spTree>
+      <p:nvGrpSpPr>
+        <p:cNvPr id="1" name=""/>
+        <p:cNvGrpSpPr/>
+        <p:nvPr/>
+      </p:nvGrpSpPr>
+      <p:grpSpPr>
+        <a:xfrm>
+          <a:off x="0" y="0"/>
+          <a:ext cx="0" cy="0"/>
+          <a:chOff x="0" y="0"/>
+          <a:chExt cx="0" cy="0"/>
+        </a:xfrm>
+      </p:grpSpPr>
+      <p:sp>
+        <p:nvSpPr>
+          <p:cNvPr id="2" name="Espaço Reservado para Imagem de Slide 1"/>
+          <p:cNvSpPr>
+            <a:spLocks noGrp="1" noRot="1" noChangeAspect="1"/>
+          </p:cNvSpPr>
+          <p:nvPr>
+            <p:ph type="sldImg"/>
+          </p:nvPr>
+        </p:nvSpPr>
+        <p:spPr>
+          <a:xfrm>
+            <a:off x="381000" y="685800"/>
+            <a:ext cx="6096000" cy="3429000"/>
+          </a:xfrm>
+        </p:spPr>
+      </p:sp>
+      <p:sp>
+        <p:nvSpPr>
+          <p:cNvPr id="3" name="Espaço Reservado para Anotações 2"/>
+          <p:cNvSpPr>
+            <a:spLocks noGrp="1"/>
+          </p:cNvSpPr>
+          <p:nvPr>
+            <p:ph type="body" idx="1"/>
+          </p:nvPr>
+        </p:nvSpPr>
+        <p:spPr/>
+        <p:txBody>
+          <a:bodyPr/>
+          <a:lstStyle/>
+          <a:p>
+            <a:endParaRPr lang="pt-BR" dirty="0"/>
+          </a:p>
+        </p:txBody>
+      </p:sp>
+    </p:spTree>
+    <p:extLst>
+      <p:ext uri="{BB962C8B-B14F-4D97-AF65-F5344CB8AC3E}">
+        <p14:creationId xmlns:p14="http://schemas.microsoft.com/office/powerpoint/2010/main" val="2296249050"/>
+      </p:ext>
+    </p:extLst>
+  </p:cSld>
+  <p:clrMapOvr>
+    <a:masterClrMapping/>
+  </p:clrMapOvr>
+</p:notes>
+</file>
+
+<file path=ppt/notesSlides/notesSlide34.xml><?xml version="1.0" encoding="utf-8"?>
+<p:notes xmlns:a="http://schemas.openxmlformats.org/drawingml/2006/main" xmlns:r="http://schemas.openxmlformats.org/officeDocument/2006/relationships" xmlns:p="http://schemas.openxmlformats.org/presentationml/2006/main">
+  <p:cSld>
+    <p:spTree>
+      <p:nvGrpSpPr>
+        <p:cNvPr id="1" name=""/>
+        <p:cNvGrpSpPr/>
+        <p:nvPr/>
+      </p:nvGrpSpPr>
+      <p:grpSpPr>
+        <a:xfrm>
+          <a:off x="0" y="0"/>
+          <a:ext cx="0" cy="0"/>
+          <a:chOff x="0" y="0"/>
+          <a:chExt cx="0" cy="0"/>
+        </a:xfrm>
+      </p:grpSpPr>
+      <p:sp>
+        <p:nvSpPr>
+          <p:cNvPr id="2" name="Espaço Reservado para Imagem de Slide 1"/>
+          <p:cNvSpPr>
+            <a:spLocks noGrp="1" noRot="1" noChangeAspect="1"/>
+          </p:cNvSpPr>
+          <p:nvPr>
+            <p:ph type="sldImg"/>
+          </p:nvPr>
+        </p:nvSpPr>
+        <p:spPr>
+          <a:xfrm>
+            <a:off x="381000" y="685800"/>
+            <a:ext cx="6096000" cy="3429000"/>
+          </a:xfrm>
+        </p:spPr>
+      </p:sp>
+      <p:sp>
+        <p:nvSpPr>
+          <p:cNvPr id="3" name="Espaço Reservado para Anotações 2"/>
+          <p:cNvSpPr>
+            <a:spLocks noGrp="1"/>
+          </p:cNvSpPr>
+          <p:nvPr>
+            <p:ph type="body" idx="1"/>
+          </p:nvPr>
+        </p:nvSpPr>
+        <p:spPr/>
+        <p:txBody>
+          <a:bodyPr/>
+          <a:lstStyle/>
+          <a:p>
+            <a:endParaRPr lang="pt-BR" dirty="0"/>
+          </a:p>
+        </p:txBody>
+      </p:sp>
+    </p:spTree>
+    <p:extLst>
+      <p:ext uri="{BB962C8B-B14F-4D97-AF65-F5344CB8AC3E}">
+        <p14:creationId xmlns:p14="http://schemas.microsoft.com/office/powerpoint/2010/main" val="4290351292"/>
       </p:ext>
     </p:extLst>
   </p:cSld>
@@ -7320,7 +7856,7 @@
                   <a:srgbClr val="0070C0"/>
                 </a:solidFill>
               </a:rPr>
-              <a:t>Operadores</a:t>
+              <a:t>Variáveis</a:t>
             </a:r>
             <a:r>
               <a:rPr lang="en-US" b="1" dirty="0">
@@ -7328,7 +7864,7 @@
                   <a:srgbClr val="0070C0"/>
                 </a:solidFill>
               </a:rPr>
-              <a:t> de </a:t>
+              <a:t> </a:t>
             </a:r>
             <a:r>
               <a:rPr lang="en-US" b="1" dirty="0" err="1">
@@ -7336,7 +7872,23 @@
                   <a:srgbClr val="0070C0"/>
                 </a:solidFill>
               </a:rPr>
-              <a:t>Atribuição</a:t>
+              <a:t>Escopo</a:t>
+            </a:r>
+            <a:r>
+              <a:rPr lang="en-US" b="1" dirty="0">
+                <a:solidFill>
+                  <a:srgbClr val="0070C0"/>
+                </a:solidFill>
+              </a:rPr>
+              <a:t> </a:t>
+            </a:r>
+            <a:r>
+              <a:rPr lang="en-US" b="1" dirty="0" err="1">
+                <a:solidFill>
+                  <a:srgbClr val="0070C0"/>
+                </a:solidFill>
+              </a:rPr>
+              <a:t>Exemplo</a:t>
             </a:r>
             <a:endParaRPr lang="en-US" b="1" dirty="0">
               <a:solidFill>
@@ -7359,7 +7911,7 @@
         <p:spPr>
           <a:xfrm>
             <a:off x="142865" y="1071360"/>
-            <a:ext cx="8865056" cy="3847839"/>
+            <a:ext cx="8865056" cy="3976629"/>
           </a:xfrm>
         </p:spPr>
         <p:txBody>
@@ -7372,6 +7924,53 @@
               <a:buNone/>
             </a:pPr>
             <a:r>
+              <a:rPr lang="pt-BR" sz="2400" b="1" dirty="0">
+                <a:solidFill>
+                  <a:srgbClr val="FF0000"/>
+                </a:solidFill>
+                <a:latin typeface="Times New Roman" panose="02020603050405020304" pitchFamily="18" charset="0"/>
+                <a:cs typeface="Times New Roman" panose="02020603050405020304" pitchFamily="18" charset="0"/>
+              </a:rPr>
+              <a:t># Global</a:t>
+            </a:r>
+            <a:r>
+              <a:rPr lang="pt-BR" sz="2400" b="1" dirty="0">
+                <a:solidFill>
+                  <a:schemeClr val="tx1"/>
+                </a:solidFill>
+                <a:latin typeface="Times New Roman" panose="02020603050405020304" pitchFamily="18" charset="0"/>
+                <a:cs typeface="Times New Roman" panose="02020603050405020304" pitchFamily="18" charset="0"/>
+              </a:rPr>
+              <a:t> - Alterando variáveis globais</a:t>
+            </a:r>
+          </a:p>
+          <a:p>
+            <a:pPr marL="0" indent="0" algn="just">
+              <a:buNone/>
+            </a:pPr>
+            <a:endParaRPr lang="pt-BR" sz="2400" b="1" dirty="0">
+              <a:solidFill>
+                <a:srgbClr val="0070C0"/>
+              </a:solidFill>
+              <a:latin typeface="Times New Roman" panose="02020603050405020304" pitchFamily="18" charset="0"/>
+              <a:cs typeface="Times New Roman" panose="02020603050405020304" pitchFamily="18" charset="0"/>
+            </a:endParaRPr>
+          </a:p>
+          <a:p>
+            <a:pPr marL="0" indent="0" algn="just">
+              <a:buNone/>
+            </a:pPr>
+            <a:r>
+              <a:rPr lang="pt-BR" sz="2400" b="1" dirty="0">
+                <a:solidFill>
+                  <a:srgbClr val="0070C0"/>
+                </a:solidFill>
+                <a:latin typeface="Times New Roman" panose="02020603050405020304" pitchFamily="18" charset="0"/>
+                <a:cs typeface="Times New Roman" panose="02020603050405020304" pitchFamily="18" charset="0"/>
+              </a:rPr>
+              <a:t>num </a:t>
+            </a:r>
+            <a:r>
               <a:rPr lang="pt-BR" sz="2400" dirty="0">
                 <a:solidFill>
                   <a:schemeClr val="tx1"/>
@@ -7379,105 +7978,242 @@
                 <a:latin typeface="Times New Roman" panose="02020603050405020304" pitchFamily="18" charset="0"/>
                 <a:cs typeface="Times New Roman" panose="02020603050405020304" pitchFamily="18" charset="0"/>
               </a:rPr>
-              <a:t>São utilizados no momento da atribuição de valores à variáveis e controlam como a atribuição será realizada.</a:t>
-            </a:r>
-          </a:p>
-          <a:p>
-            <a:pPr marL="3223260" lvl="7" indent="0" algn="just">
-              <a:buNone/>
-            </a:pPr>
-            <a:r>
-              <a:rPr lang="pt-BR" sz="2800" b="1" dirty="0">
+              <a:t>= 21</a:t>
+            </a:r>
+          </a:p>
+          <a:p>
+            <a:pPr marL="0" indent="0" algn="just">
+              <a:buNone/>
+            </a:pPr>
+            <a:r>
+              <a:rPr lang="pt-BR" sz="2400" b="1" dirty="0" err="1">
+                <a:solidFill>
+                  <a:schemeClr val="tx1"/>
+                </a:solidFill>
+                <a:latin typeface="Times New Roman" panose="02020603050405020304" pitchFamily="18" charset="0"/>
+                <a:cs typeface="Times New Roman" panose="02020603050405020304" pitchFamily="18" charset="0"/>
+              </a:rPr>
+              <a:t>def</a:t>
+            </a:r>
+            <a:r>
+              <a:rPr lang="pt-BR" sz="2400" dirty="0">
+                <a:solidFill>
+                  <a:schemeClr val="tx1"/>
+                </a:solidFill>
+                <a:latin typeface="Times New Roman" panose="02020603050405020304" pitchFamily="18" charset="0"/>
+                <a:cs typeface="Times New Roman" panose="02020603050405020304" pitchFamily="18" charset="0"/>
+              </a:rPr>
+              <a:t> </a:t>
+            </a:r>
+            <a:r>
+              <a:rPr lang="pt-BR" sz="2400" b="1" dirty="0" err="1">
                 <a:solidFill>
                   <a:srgbClr val="FF0000"/>
                 </a:solidFill>
                 <a:latin typeface="Times New Roman" panose="02020603050405020304" pitchFamily="18" charset="0"/>
                 <a:cs typeface="Times New Roman" panose="02020603050405020304" pitchFamily="18" charset="0"/>
               </a:rPr>
-              <a:t>=</a:t>
-            </a:r>
-          </a:p>
-          <a:p>
-            <a:pPr marL="3223260" lvl="7" indent="0" algn="just">
-              <a:buNone/>
-            </a:pPr>
-            <a:r>
-              <a:rPr lang="pt-BR" sz="2800" b="1" dirty="0">
+              <a:t>imprime_numero</a:t>
+            </a:r>
+            <a:r>
+              <a:rPr lang="pt-BR" sz="2400" dirty="0">
+                <a:solidFill>
+                  <a:schemeClr val="tx1"/>
+                </a:solidFill>
+                <a:latin typeface="Times New Roman" panose="02020603050405020304" pitchFamily="18" charset="0"/>
+                <a:cs typeface="Times New Roman" panose="02020603050405020304" pitchFamily="18" charset="0"/>
+              </a:rPr>
+              <a:t>():</a:t>
+            </a:r>
+          </a:p>
+          <a:p>
+            <a:pPr marL="0" indent="0" algn="just">
+              <a:buNone/>
+            </a:pPr>
+            <a:r>
+              <a:rPr lang="pt-BR" sz="2400" b="1" dirty="0">
                 <a:solidFill>
                   <a:srgbClr val="FF0000"/>
                 </a:solidFill>
                 <a:latin typeface="Times New Roman" panose="02020603050405020304" pitchFamily="18" charset="0"/>
                 <a:cs typeface="Times New Roman" panose="02020603050405020304" pitchFamily="18" charset="0"/>
               </a:rPr>
-              <a:t>+=</a:t>
-            </a:r>
-          </a:p>
-          <a:p>
-            <a:pPr marL="3223260" lvl="7" indent="0" algn="just">
-              <a:buNone/>
-            </a:pPr>
-            <a:r>
-              <a:rPr lang="pt-BR" sz="2800" b="1" dirty="0">
+              <a:t>   global </a:t>
+            </a:r>
+            <a:r>
+              <a:rPr lang="pt-BR" sz="2400" b="1" dirty="0">
+                <a:solidFill>
+                  <a:srgbClr val="0070C0"/>
+                </a:solidFill>
+                <a:latin typeface="Times New Roman" panose="02020603050405020304" pitchFamily="18" charset="0"/>
+                <a:cs typeface="Times New Roman" panose="02020603050405020304" pitchFamily="18" charset="0"/>
+              </a:rPr>
+              <a:t>num</a:t>
+            </a:r>
+          </a:p>
+          <a:p>
+            <a:pPr marL="0" indent="0" algn="just">
+              <a:buNone/>
+            </a:pPr>
+            <a:r>
+              <a:rPr lang="pt-BR" sz="2400" b="1" dirty="0">
+                <a:solidFill>
+                  <a:srgbClr val="0070C0"/>
+                </a:solidFill>
+                <a:latin typeface="Times New Roman" panose="02020603050405020304" pitchFamily="18" charset="0"/>
+                <a:cs typeface="Times New Roman" panose="02020603050405020304" pitchFamily="18" charset="0"/>
+              </a:rPr>
+              <a:t>   num </a:t>
+            </a:r>
+            <a:r>
+              <a:rPr lang="pt-BR" sz="2400" dirty="0">
+                <a:solidFill>
+                  <a:schemeClr val="tx1"/>
+                </a:solidFill>
+                <a:latin typeface="Times New Roman" panose="02020603050405020304" pitchFamily="18" charset="0"/>
+                <a:cs typeface="Times New Roman" panose="02020603050405020304" pitchFamily="18" charset="0"/>
+              </a:rPr>
+              <a:t>= 18</a:t>
+            </a:r>
+          </a:p>
+          <a:p>
+            <a:pPr marL="0" indent="0" algn="just">
+              <a:buNone/>
+            </a:pPr>
+            <a:r>
+              <a:rPr lang="pt-BR" sz="2400" dirty="0">
+                <a:solidFill>
+                  <a:schemeClr val="tx1"/>
+                </a:solidFill>
+                <a:latin typeface="Times New Roman" panose="02020603050405020304" pitchFamily="18" charset="0"/>
+                <a:cs typeface="Times New Roman" panose="02020603050405020304" pitchFamily="18" charset="0"/>
+              </a:rPr>
+              <a:t>   </a:t>
+            </a:r>
+            <a:r>
+              <a:rPr lang="pt-BR" sz="2400" b="1" dirty="0">
+                <a:solidFill>
+                  <a:schemeClr val="tx1"/>
+                </a:solidFill>
+                <a:latin typeface="Times New Roman" panose="02020603050405020304" pitchFamily="18" charset="0"/>
+                <a:cs typeface="Times New Roman" panose="02020603050405020304" pitchFamily="18" charset="0"/>
+              </a:rPr>
+              <a:t>print</a:t>
+            </a:r>
+            <a:r>
+              <a:rPr lang="pt-BR" sz="2400" dirty="0">
+                <a:solidFill>
+                  <a:schemeClr val="tx1"/>
+                </a:solidFill>
+                <a:latin typeface="Times New Roman" panose="02020603050405020304" pitchFamily="18" charset="0"/>
+                <a:cs typeface="Times New Roman" panose="02020603050405020304" pitchFamily="18" charset="0"/>
+              </a:rPr>
+              <a:t>(</a:t>
+            </a:r>
+            <a:r>
+              <a:rPr lang="pt-BR" sz="2400" b="1" dirty="0">
+                <a:solidFill>
+                  <a:srgbClr val="0070C0"/>
+                </a:solidFill>
+                <a:latin typeface="Times New Roman" panose="02020603050405020304" pitchFamily="18" charset="0"/>
+                <a:cs typeface="Times New Roman" panose="02020603050405020304" pitchFamily="18" charset="0"/>
+              </a:rPr>
+              <a:t>num</a:t>
+            </a:r>
+            <a:r>
+              <a:rPr lang="pt-BR" sz="2400" dirty="0">
+                <a:solidFill>
+                  <a:schemeClr val="tx1"/>
+                </a:solidFill>
+                <a:latin typeface="Times New Roman" panose="02020603050405020304" pitchFamily="18" charset="0"/>
+                <a:cs typeface="Times New Roman" panose="02020603050405020304" pitchFamily="18" charset="0"/>
+              </a:rPr>
+              <a:t>) # imprime 18</a:t>
+            </a:r>
+          </a:p>
+          <a:p>
+            <a:pPr marL="0" indent="0" algn="just">
+              <a:buNone/>
+            </a:pPr>
+            <a:r>
+              <a:rPr lang="pt-BR" sz="2400" b="1" dirty="0" err="1">
                 <a:solidFill>
                   <a:srgbClr val="FF0000"/>
                 </a:solidFill>
                 <a:latin typeface="Times New Roman" panose="02020603050405020304" pitchFamily="18" charset="0"/>
                 <a:cs typeface="Times New Roman" panose="02020603050405020304" pitchFamily="18" charset="0"/>
               </a:rPr>
-              <a:t>-=</a:t>
-            </a:r>
-          </a:p>
-          <a:p>
-            <a:pPr marL="3223260" lvl="7" indent="0" algn="just">
-              <a:buNone/>
-            </a:pPr>
-            <a:r>
-              <a:rPr lang="pt-BR" sz="2800" b="1" dirty="0">
-                <a:solidFill>
-                  <a:srgbClr val="FF0000"/>
-                </a:solidFill>
-                <a:latin typeface="Times New Roman" panose="02020603050405020304" pitchFamily="18" charset="0"/>
-                <a:cs typeface="Times New Roman" panose="02020603050405020304" pitchFamily="18" charset="0"/>
-              </a:rPr>
-              <a:t>*=</a:t>
-            </a:r>
-          </a:p>
-          <a:p>
-            <a:pPr marL="3223260" lvl="7" indent="0" algn="just">
-              <a:buNone/>
-            </a:pPr>
-            <a:r>
-              <a:rPr lang="pt-BR" sz="2800" b="1" dirty="0">
-                <a:solidFill>
-                  <a:srgbClr val="FF0000"/>
-                </a:solidFill>
-                <a:latin typeface="Times New Roman" panose="02020603050405020304" pitchFamily="18" charset="0"/>
-                <a:cs typeface="Times New Roman" panose="02020603050405020304" pitchFamily="18" charset="0"/>
-              </a:rPr>
-              <a:t>/=</a:t>
-            </a:r>
-          </a:p>
-          <a:p>
-            <a:pPr marL="3223260" lvl="7" indent="0" algn="just">
-              <a:buNone/>
-            </a:pPr>
-            <a:r>
-              <a:rPr lang="pt-BR" sz="2800" b="1" dirty="0">
-                <a:solidFill>
-                  <a:srgbClr val="FF0000"/>
-                </a:solidFill>
-                <a:latin typeface="Times New Roman" panose="02020603050405020304" pitchFamily="18" charset="0"/>
-                <a:cs typeface="Times New Roman" panose="02020603050405020304" pitchFamily="18" charset="0"/>
-              </a:rPr>
-              <a:t>%=</a:t>
-            </a:r>
+              <a:t>imprime_numero</a:t>
+            </a:r>
+            <a:r>
+              <a:rPr lang="pt-BR" sz="2400" dirty="0">
+                <a:solidFill>
+                  <a:schemeClr val="tx1"/>
+                </a:solidFill>
+                <a:latin typeface="Times New Roman" panose="02020603050405020304" pitchFamily="18" charset="0"/>
+                <a:cs typeface="Times New Roman" panose="02020603050405020304" pitchFamily="18" charset="0"/>
+              </a:rPr>
+              <a:t>()</a:t>
+            </a:r>
+          </a:p>
+          <a:p>
+            <a:pPr marL="0" indent="0" algn="just">
+              <a:buNone/>
+            </a:pPr>
+            <a:r>
+              <a:rPr lang="pt-BR" sz="2400" b="1" dirty="0">
+                <a:solidFill>
+                  <a:schemeClr val="tx1"/>
+                </a:solidFill>
+                <a:latin typeface="Times New Roman" panose="02020603050405020304" pitchFamily="18" charset="0"/>
+                <a:cs typeface="Times New Roman" panose="02020603050405020304" pitchFamily="18" charset="0"/>
+              </a:rPr>
+              <a:t>print</a:t>
+            </a:r>
+            <a:r>
+              <a:rPr lang="pt-BR" sz="2400" dirty="0">
+                <a:solidFill>
+                  <a:schemeClr val="tx1"/>
+                </a:solidFill>
+                <a:latin typeface="Times New Roman" panose="02020603050405020304" pitchFamily="18" charset="0"/>
+                <a:cs typeface="Times New Roman" panose="02020603050405020304" pitchFamily="18" charset="0"/>
+              </a:rPr>
+              <a:t>(</a:t>
+            </a:r>
+            <a:r>
+              <a:rPr lang="pt-BR" sz="2400" b="1" dirty="0">
+                <a:solidFill>
+                  <a:srgbClr val="0070C0"/>
+                </a:solidFill>
+                <a:latin typeface="Times New Roman" panose="02020603050405020304" pitchFamily="18" charset="0"/>
+                <a:cs typeface="Times New Roman" panose="02020603050405020304" pitchFamily="18" charset="0"/>
+              </a:rPr>
+              <a:t>num) </a:t>
+            </a:r>
+            <a:r>
+              <a:rPr lang="pt-BR" sz="2400" dirty="0">
+                <a:solidFill>
+                  <a:schemeClr val="tx1"/>
+                </a:solidFill>
+                <a:latin typeface="Times New Roman" panose="02020603050405020304" pitchFamily="18" charset="0"/>
+                <a:cs typeface="Times New Roman" panose="02020603050405020304" pitchFamily="18" charset="0"/>
+              </a:rPr>
+              <a:t># imprime 18</a:t>
+            </a:r>
+            <a:endParaRPr lang="pt-BR" sz="2400" b="1" dirty="0">
+              <a:solidFill>
+                <a:srgbClr val="0070C0"/>
+              </a:solidFill>
+              <a:latin typeface="Times New Roman" panose="02020603050405020304" pitchFamily="18" charset="0"/>
+              <a:cs typeface="Times New Roman" panose="02020603050405020304" pitchFamily="18" charset="0"/>
+            </a:endParaRPr>
           </a:p>
         </p:txBody>
       </p:sp>
     </p:spTree>
     <p:extLst>
       <p:ext uri="{BB962C8B-B14F-4D97-AF65-F5344CB8AC3E}">
-        <p14:creationId xmlns:p14="http://schemas.microsoft.com/office/powerpoint/2010/main" val="1801264"/>
+        <p14:creationId xmlns:p14="http://schemas.microsoft.com/office/powerpoint/2010/main" val="4145733337"/>
       </p:ext>
     </p:extLst>
   </p:cSld>
@@ -7523,7 +8259,7 @@
         </p:spPr>
         <p:txBody>
           <a:bodyPr>
-            <a:normAutofit/>
+            <a:normAutofit fontScale="90000"/>
           </a:bodyPr>
           <a:lstStyle/>
           <a:p>
@@ -7549,7 +8285,7 @@
                   <a:srgbClr val="0070C0"/>
                 </a:solidFill>
               </a:rPr>
-              <a:t> </a:t>
+              <a:t> de </a:t>
             </a:r>
             <a:r>
               <a:rPr lang="en-US" b="1" dirty="0" err="1">
@@ -7557,7 +8293,7 @@
                   <a:srgbClr val="0070C0"/>
                 </a:solidFill>
               </a:rPr>
-              <a:t>Aritméticos</a:t>
+              <a:t>Atribuição</a:t>
             </a:r>
             <a:endParaRPr lang="en-US" b="1" dirty="0">
               <a:solidFill>
@@ -7579,7 +8315,7 @@
         </p:nvSpPr>
         <p:spPr>
           <a:xfrm>
-            <a:off x="130339" y="1071360"/>
+            <a:off x="142865" y="1071360"/>
             <a:ext cx="8865056" cy="3847839"/>
           </a:xfrm>
         </p:spPr>
@@ -7593,7 +8329,7 @@
               <a:buNone/>
             </a:pPr>
             <a:r>
-              <a:rPr lang="pt-BR" dirty="0">
+              <a:rPr lang="pt-BR" sz="2400" dirty="0">
                 <a:solidFill>
                   <a:schemeClr val="tx1"/>
                 </a:solidFill>
@@ -7615,7 +8351,7 @@
                 <a:latin typeface="Times New Roman" panose="02020603050405020304" pitchFamily="18" charset="0"/>
                 <a:cs typeface="Times New Roman" panose="02020603050405020304" pitchFamily="18" charset="0"/>
               </a:rPr>
-              <a:t>** =&gt; potência</a:t>
+              <a:t>=</a:t>
             </a:r>
           </a:p>
           <a:p>
@@ -7630,7 +8366,7 @@
                 <a:latin typeface="Times New Roman" panose="02020603050405020304" pitchFamily="18" charset="0"/>
                 <a:cs typeface="Times New Roman" panose="02020603050405020304" pitchFamily="18" charset="0"/>
               </a:rPr>
-              <a:t>*/ =&gt; multiplicação; divisão</a:t>
+              <a:t>+=</a:t>
             </a:r>
           </a:p>
           <a:p>
@@ -7645,7 +8381,7 @@
                 <a:latin typeface="Times New Roman" panose="02020603050405020304" pitchFamily="18" charset="0"/>
                 <a:cs typeface="Times New Roman" panose="02020603050405020304" pitchFamily="18" charset="0"/>
               </a:rPr>
-              <a:t>// =&gt; divisão inteira</a:t>
+              <a:t>-=</a:t>
             </a:r>
           </a:p>
           <a:p>
@@ -7660,7 +8396,7 @@
                 <a:latin typeface="Times New Roman" panose="02020603050405020304" pitchFamily="18" charset="0"/>
                 <a:cs typeface="Times New Roman" panose="02020603050405020304" pitchFamily="18" charset="0"/>
               </a:rPr>
-              <a:t>% =&gt; resto da divisão</a:t>
+              <a:t>*=</a:t>
             </a:r>
           </a:p>
           <a:p>
@@ -7675,27 +8411,30 @@
                 <a:latin typeface="Times New Roman" panose="02020603050405020304" pitchFamily="18" charset="0"/>
                 <a:cs typeface="Times New Roman" panose="02020603050405020304" pitchFamily="18" charset="0"/>
               </a:rPr>
-              <a:t>+- =&gt; soma; subtração</a:t>
+              <a:t>/=</a:t>
             </a:r>
           </a:p>
           <a:p>
             <a:pPr marL="3223260" lvl="7" indent="0" algn="just">
               <a:buNone/>
             </a:pPr>
-            <a:endParaRPr lang="pt-BR" sz="2800" b="1" dirty="0">
-              <a:solidFill>
-                <a:srgbClr val="FF0000"/>
-              </a:solidFill>
-              <a:latin typeface="Times New Roman" panose="02020603050405020304" pitchFamily="18" charset="0"/>
-              <a:cs typeface="Times New Roman" panose="02020603050405020304" pitchFamily="18" charset="0"/>
-            </a:endParaRPr>
+            <a:r>
+              <a:rPr lang="pt-BR" sz="2800" b="1" dirty="0">
+                <a:solidFill>
+                  <a:srgbClr val="FF0000"/>
+                </a:solidFill>
+                <a:latin typeface="Times New Roman" panose="02020603050405020304" pitchFamily="18" charset="0"/>
+                <a:cs typeface="Times New Roman" panose="02020603050405020304" pitchFamily="18" charset="0"/>
+              </a:rPr>
+              <a:t>%=</a:t>
+            </a:r>
           </a:p>
         </p:txBody>
       </p:sp>
     </p:spTree>
     <p:extLst>
       <p:ext uri="{BB962C8B-B14F-4D97-AF65-F5344CB8AC3E}">
-        <p14:creationId xmlns:p14="http://schemas.microsoft.com/office/powerpoint/2010/main" val="850952079"/>
+        <p14:creationId xmlns:p14="http://schemas.microsoft.com/office/powerpoint/2010/main" val="1801264"/>
       </p:ext>
     </p:extLst>
   </p:cSld>
@@ -7775,7 +8514,7 @@
                   <a:srgbClr val="0070C0"/>
                 </a:solidFill>
               </a:rPr>
-              <a:t>Relacionais</a:t>
+              <a:t>Aritméticos</a:t>
             </a:r>
             <a:endParaRPr lang="en-US" b="1" dirty="0">
               <a:solidFill>
@@ -7797,7 +8536,7 @@
         </p:nvSpPr>
         <p:spPr>
           <a:xfrm>
-            <a:off x="142865" y="1071360"/>
+            <a:off x="130339" y="1071360"/>
             <a:ext cx="8865056" cy="3847839"/>
           </a:xfrm>
         </p:spPr>
@@ -7811,14 +8550,14 @@
               <a:buNone/>
             </a:pPr>
             <a:r>
-              <a:rPr lang="pt-BR" sz="2400" dirty="0">
-                <a:solidFill>
-                  <a:schemeClr val="tx1"/>
-                </a:solidFill>
-                <a:latin typeface="Times New Roman" panose="02020603050405020304" pitchFamily="18" charset="0"/>
-                <a:cs typeface="Times New Roman" panose="02020603050405020304" pitchFamily="18" charset="0"/>
-              </a:rPr>
-              <a:t>São utilizados para comparar dois valores.</a:t>
+              <a:rPr lang="pt-BR" dirty="0">
+                <a:solidFill>
+                  <a:schemeClr val="tx1"/>
+                </a:solidFill>
+                <a:latin typeface="Times New Roman" panose="02020603050405020304" pitchFamily="18" charset="0"/>
+                <a:cs typeface="Times New Roman" panose="02020603050405020304" pitchFamily="18" charset="0"/>
+              </a:rPr>
+              <a:t>São utilizados no momento da atribuição de valores à variáveis e controlam como a atribuição será realizada.</a:t>
             </a:r>
           </a:p>
           <a:p>
@@ -7833,7 +8572,17 @@
                 <a:latin typeface="Times New Roman" panose="02020603050405020304" pitchFamily="18" charset="0"/>
                 <a:cs typeface="Times New Roman" panose="02020603050405020304" pitchFamily="18" charset="0"/>
               </a:rPr>
-              <a:t>== =&gt; igual a</a:t>
+              <a:t>** </a:t>
+            </a:r>
+            <a:r>
+              <a:rPr lang="pt-BR" sz="2800" b="1" dirty="0">
+                <a:solidFill>
+                  <a:schemeClr val="tx1"/>
+                </a:solidFill>
+                <a:latin typeface="Times New Roman" panose="02020603050405020304" pitchFamily="18" charset="0"/>
+                <a:cs typeface="Times New Roman" panose="02020603050405020304" pitchFamily="18" charset="0"/>
+              </a:rPr>
+              <a:t>( potência )</a:t>
             </a:r>
           </a:p>
           <a:p>
@@ -7848,7 +8597,17 @@
                 <a:latin typeface="Times New Roman" panose="02020603050405020304" pitchFamily="18" charset="0"/>
                 <a:cs typeface="Times New Roman" panose="02020603050405020304" pitchFamily="18" charset="0"/>
               </a:rPr>
-              <a:t>!= =&gt; diferente</a:t>
+              <a:t>*/ </a:t>
+            </a:r>
+            <a:r>
+              <a:rPr lang="pt-BR" sz="2800" b="1" dirty="0">
+                <a:solidFill>
+                  <a:schemeClr val="tx1"/>
+                </a:solidFill>
+                <a:latin typeface="Times New Roman" panose="02020603050405020304" pitchFamily="18" charset="0"/>
+                <a:cs typeface="Times New Roman" panose="02020603050405020304" pitchFamily="18" charset="0"/>
+              </a:rPr>
+              <a:t>( multiplicação; divisão )</a:t>
             </a:r>
           </a:p>
           <a:p>
@@ -7863,7 +8622,17 @@
                 <a:latin typeface="Times New Roman" panose="02020603050405020304" pitchFamily="18" charset="0"/>
                 <a:cs typeface="Times New Roman" panose="02020603050405020304" pitchFamily="18" charset="0"/>
               </a:rPr>
-              <a:t>&gt; =&gt; maior</a:t>
+              <a:t>// </a:t>
+            </a:r>
+            <a:r>
+              <a:rPr lang="pt-BR" sz="2800" b="1" dirty="0">
+                <a:solidFill>
+                  <a:schemeClr val="tx1"/>
+                </a:solidFill>
+                <a:latin typeface="Times New Roman" panose="02020603050405020304" pitchFamily="18" charset="0"/>
+                <a:cs typeface="Times New Roman" panose="02020603050405020304" pitchFamily="18" charset="0"/>
+              </a:rPr>
+              <a:t>( divisão inteira )</a:t>
             </a:r>
           </a:p>
           <a:p>
@@ -7878,7 +8647,17 @@
                 <a:latin typeface="Times New Roman" panose="02020603050405020304" pitchFamily="18" charset="0"/>
                 <a:cs typeface="Times New Roman" panose="02020603050405020304" pitchFamily="18" charset="0"/>
               </a:rPr>
-              <a:t>&lt; =&gt; menor</a:t>
+              <a:t>% </a:t>
+            </a:r>
+            <a:r>
+              <a:rPr lang="pt-BR" sz="2800" b="1" dirty="0">
+                <a:solidFill>
+                  <a:schemeClr val="tx1"/>
+                </a:solidFill>
+                <a:latin typeface="Times New Roman" panose="02020603050405020304" pitchFamily="18" charset="0"/>
+                <a:cs typeface="Times New Roman" panose="02020603050405020304" pitchFamily="18" charset="0"/>
+              </a:rPr>
+              <a:t>( resto da divisão )</a:t>
             </a:r>
           </a:p>
           <a:p>
@@ -7893,30 +8672,37 @@
                 <a:latin typeface="Times New Roman" panose="02020603050405020304" pitchFamily="18" charset="0"/>
                 <a:cs typeface="Times New Roman" panose="02020603050405020304" pitchFamily="18" charset="0"/>
               </a:rPr>
-              <a:t>&gt;= =&gt; maior igual</a:t>
+              <a:t>+- </a:t>
+            </a:r>
+            <a:r>
+              <a:rPr lang="pt-BR" sz="2800" b="1" dirty="0">
+                <a:solidFill>
+                  <a:schemeClr val="tx1"/>
+                </a:solidFill>
+                <a:latin typeface="Times New Roman" panose="02020603050405020304" pitchFamily="18" charset="0"/>
+                <a:cs typeface="Times New Roman" panose="02020603050405020304" pitchFamily="18" charset="0"/>
+              </a:rPr>
+              <a:t>( soma; subtração )</a:t>
             </a:r>
           </a:p>
           <a:p>
             <a:pPr marL="3223260" lvl="7" indent="0" algn="just">
               <a:buNone/>
             </a:pPr>
-            <a:r>
-              <a:rPr lang="pt-BR" sz="2800" b="1" dirty="0">
-                <a:solidFill>
-                  <a:srgbClr val="FF0000"/>
-                </a:solidFill>
-                <a:latin typeface="Times New Roman" panose="02020603050405020304" pitchFamily="18" charset="0"/>
-                <a:cs typeface="Times New Roman" panose="02020603050405020304" pitchFamily="18" charset="0"/>
-              </a:rPr>
-              <a:t>&lt;= =&gt; menor igual</a:t>
-            </a:r>
+            <a:endParaRPr lang="pt-BR" sz="2800" b="1" dirty="0">
+              <a:solidFill>
+                <a:srgbClr val="FF0000"/>
+              </a:solidFill>
+              <a:latin typeface="Times New Roman" panose="02020603050405020304" pitchFamily="18" charset="0"/>
+              <a:cs typeface="Times New Roman" panose="02020603050405020304" pitchFamily="18" charset="0"/>
+            </a:endParaRPr>
           </a:p>
         </p:txBody>
       </p:sp>
     </p:spTree>
     <p:extLst>
       <p:ext uri="{BB962C8B-B14F-4D97-AF65-F5344CB8AC3E}">
-        <p14:creationId xmlns:p14="http://schemas.microsoft.com/office/powerpoint/2010/main" val="30340137"/>
+        <p14:creationId xmlns:p14="http://schemas.microsoft.com/office/powerpoint/2010/main" val="850952079"/>
       </p:ext>
     </p:extLst>
   </p:cSld>
@@ -8471,7 +9257,7 @@
                   <a:srgbClr val="0070C0"/>
                 </a:solidFill>
               </a:rPr>
-              <a:t>Lógicos</a:t>
+              <a:t>Relacionais</a:t>
             </a:r>
             <a:endParaRPr lang="en-US" b="1" dirty="0">
               <a:solidFill>
@@ -8514,7 +9300,7 @@
                 <a:latin typeface="Times New Roman" panose="02020603050405020304" pitchFamily="18" charset="0"/>
                 <a:cs typeface="Times New Roman" panose="02020603050405020304" pitchFamily="18" charset="0"/>
               </a:rPr>
-              <a:t>São utilizados para testar valores.</a:t>
+              <a:t>São utilizados para comparar dois valores.</a:t>
             </a:r>
           </a:p>
           <a:p>
@@ -8522,66 +9308,124 @@
               <a:buNone/>
             </a:pPr>
             <a:r>
-              <a:rPr lang="pt-BR" sz="2800" b="1" dirty="0" err="1">
+              <a:rPr lang="pt-BR" sz="2800" b="1" dirty="0">
                 <a:solidFill>
                   <a:srgbClr val="FF0000"/>
                 </a:solidFill>
                 <a:latin typeface="Times New Roman" panose="02020603050405020304" pitchFamily="18" charset="0"/>
                 <a:cs typeface="Times New Roman" panose="02020603050405020304" pitchFamily="18" charset="0"/>
               </a:rPr>
-              <a:t>and</a:t>
+              <a:t>== </a:t>
             </a:r>
             <a:r>
               <a:rPr lang="pt-BR" sz="2800" b="1" dirty="0">
                 <a:solidFill>
+                  <a:schemeClr val="tx1"/>
+                </a:solidFill>
+                <a:latin typeface="Times New Roman" panose="02020603050405020304" pitchFamily="18" charset="0"/>
+                <a:cs typeface="Times New Roman" panose="02020603050405020304" pitchFamily="18" charset="0"/>
+              </a:rPr>
+              <a:t>( igual a )</a:t>
+            </a:r>
+          </a:p>
+          <a:p>
+            <a:pPr marL="3223260" lvl="7" indent="0" algn="just">
+              <a:buNone/>
+            </a:pPr>
+            <a:r>
+              <a:rPr lang="pt-BR" sz="2800" b="1" dirty="0">
+                <a:solidFill>
                   <a:srgbClr val="FF0000"/>
                 </a:solidFill>
                 <a:latin typeface="Times New Roman" panose="02020603050405020304" pitchFamily="18" charset="0"/>
                 <a:cs typeface="Times New Roman" panose="02020603050405020304" pitchFamily="18" charset="0"/>
               </a:rPr>
-              <a:t> =&gt; </a:t>
-            </a:r>
-            <a:r>
-              <a:rPr lang="pt-BR" sz="2800" b="1" dirty="0" err="1">
+              <a:t>!= </a:t>
+            </a:r>
+            <a:r>
+              <a:rPr lang="pt-BR" sz="2800" b="1" dirty="0">
+                <a:solidFill>
+                  <a:schemeClr val="tx1"/>
+                </a:solidFill>
+                <a:latin typeface="Times New Roman" panose="02020603050405020304" pitchFamily="18" charset="0"/>
+                <a:cs typeface="Times New Roman" panose="02020603050405020304" pitchFamily="18" charset="0"/>
+              </a:rPr>
+              <a:t>( diferente )</a:t>
+            </a:r>
+          </a:p>
+          <a:p>
+            <a:pPr marL="3223260" lvl="7" indent="0" algn="just">
+              <a:buNone/>
+            </a:pPr>
+            <a:r>
+              <a:rPr lang="pt-BR" sz="2800" b="1" dirty="0">
                 <a:solidFill>
                   <a:srgbClr val="FF0000"/>
                 </a:solidFill>
                 <a:latin typeface="Times New Roman" panose="02020603050405020304" pitchFamily="18" charset="0"/>
                 <a:cs typeface="Times New Roman" panose="02020603050405020304" pitchFamily="18" charset="0"/>
               </a:rPr>
-              <a:t>and</a:t>
-            </a:r>
-            <a:endParaRPr lang="pt-BR" sz="2800" b="1" dirty="0">
-              <a:solidFill>
-                <a:srgbClr val="FF0000"/>
-              </a:solidFill>
-              <a:latin typeface="Times New Roman" panose="02020603050405020304" pitchFamily="18" charset="0"/>
-              <a:cs typeface="Times New Roman" panose="02020603050405020304" pitchFamily="18" charset="0"/>
-            </a:endParaRPr>
+              <a:t>&gt; </a:t>
+            </a:r>
+            <a:r>
+              <a:rPr lang="pt-BR" sz="2800" b="1" dirty="0">
+                <a:solidFill>
+                  <a:schemeClr val="tx1"/>
+                </a:solidFill>
+                <a:latin typeface="Times New Roman" panose="02020603050405020304" pitchFamily="18" charset="0"/>
+                <a:cs typeface="Times New Roman" panose="02020603050405020304" pitchFamily="18" charset="0"/>
+              </a:rPr>
+              <a:t>( maior )</a:t>
+            </a:r>
           </a:p>
           <a:p>
             <a:pPr marL="3223260" lvl="7" indent="0" algn="just">
               <a:buNone/>
             </a:pPr>
             <a:r>
-              <a:rPr lang="pt-BR" sz="2800" b="1" dirty="0" err="1">
+              <a:rPr lang="pt-BR" sz="2800" b="1" dirty="0">
                 <a:solidFill>
                   <a:srgbClr val="FF0000"/>
                 </a:solidFill>
                 <a:latin typeface="Times New Roman" panose="02020603050405020304" pitchFamily="18" charset="0"/>
                 <a:cs typeface="Times New Roman" panose="02020603050405020304" pitchFamily="18" charset="0"/>
               </a:rPr>
-              <a:t>or</a:t>
+              <a:t>&lt; </a:t>
             </a:r>
             <a:r>
               <a:rPr lang="pt-BR" sz="2800" b="1" dirty="0">
                 <a:solidFill>
+                  <a:schemeClr val="tx1"/>
+                </a:solidFill>
+                <a:latin typeface="Times New Roman" panose="02020603050405020304" pitchFamily="18" charset="0"/>
+                <a:cs typeface="Times New Roman" panose="02020603050405020304" pitchFamily="18" charset="0"/>
+              </a:rPr>
+              <a:t>( menor )</a:t>
+            </a:r>
+          </a:p>
+          <a:p>
+            <a:pPr marL="3223260" lvl="7" indent="0" algn="just">
+              <a:buNone/>
+            </a:pPr>
+            <a:r>
+              <a:rPr lang="pt-BR" sz="2800" b="1" dirty="0">
+                <a:solidFill>
                   <a:srgbClr val="FF0000"/>
                 </a:solidFill>
                 <a:latin typeface="Times New Roman" panose="02020603050405020304" pitchFamily="18" charset="0"/>
                 <a:cs typeface="Times New Roman" panose="02020603050405020304" pitchFamily="18" charset="0"/>
               </a:rPr>
-              <a:t> =&gt; ou</a:t>
+              <a:t>&gt;= </a:t>
+            </a:r>
+            <a:r>
+              <a:rPr lang="pt-BR" sz="2800" b="1" dirty="0">
+                <a:solidFill>
+                  <a:schemeClr val="tx1"/>
+                </a:solidFill>
+                <a:latin typeface="Times New Roman" panose="02020603050405020304" pitchFamily="18" charset="0"/>
+                <a:cs typeface="Times New Roman" panose="02020603050405020304" pitchFamily="18" charset="0"/>
+              </a:rPr>
+              <a:t>( maior igual )</a:t>
             </a:r>
           </a:p>
           <a:p>
@@ -8589,107 +9433,32 @@
               <a:buNone/>
             </a:pPr>
             <a:r>
-              <a:rPr lang="pt-BR" sz="2800" b="1" dirty="0" err="1">
+              <a:rPr lang="pt-BR" sz="2800" b="1" dirty="0">
                 <a:solidFill>
                   <a:srgbClr val="FF0000"/>
                 </a:solidFill>
                 <a:latin typeface="Times New Roman" panose="02020603050405020304" pitchFamily="18" charset="0"/>
                 <a:cs typeface="Times New Roman" panose="02020603050405020304" pitchFamily="18" charset="0"/>
               </a:rPr>
-              <a:t>not</a:t>
+              <a:t>&lt;= </a:t>
             </a:r>
             <a:r>
               <a:rPr lang="pt-BR" sz="2800" b="1" dirty="0">
                 <a:solidFill>
-                  <a:srgbClr val="FF0000"/>
-                </a:solidFill>
-                <a:latin typeface="Times New Roman" panose="02020603050405020304" pitchFamily="18" charset="0"/>
-                <a:cs typeface="Times New Roman" panose="02020603050405020304" pitchFamily="18" charset="0"/>
-              </a:rPr>
-              <a:t> =&gt; não</a:t>
-            </a:r>
-          </a:p>
-          <a:p>
-            <a:pPr marL="0" lvl="7" indent="0" algn="just">
-              <a:spcBef>
-                <a:spcPts val="600"/>
-              </a:spcBef>
-              <a:buNone/>
-            </a:pPr>
-            <a:endParaRPr lang="pt-BR" sz="2400" dirty="0">
-              <a:solidFill>
-                <a:schemeClr val="tx1"/>
-              </a:solidFill>
-              <a:latin typeface="Times New Roman" panose="02020603050405020304" pitchFamily="18" charset="0"/>
-              <a:cs typeface="Times New Roman" panose="02020603050405020304" pitchFamily="18" charset="0"/>
-            </a:endParaRPr>
-          </a:p>
-          <a:p>
-            <a:pPr marL="0" lvl="7" indent="0" algn="just">
-              <a:spcBef>
-                <a:spcPts val="600"/>
-              </a:spcBef>
-              <a:buNone/>
-            </a:pPr>
-            <a:r>
-              <a:rPr lang="pt-BR" sz="2400" dirty="0">
-                <a:solidFill>
-                  <a:schemeClr val="tx1"/>
-                </a:solidFill>
-                <a:latin typeface="Times New Roman" panose="02020603050405020304" pitchFamily="18" charset="0"/>
-                <a:cs typeface="Times New Roman" panose="02020603050405020304" pitchFamily="18" charset="0"/>
-              </a:rPr>
-              <a:t>Nota: Valores constantes: </a:t>
-            </a:r>
-            <a:r>
-              <a:rPr lang="pt-BR" sz="2400" b="1" dirty="0" err="1">
-                <a:solidFill>
-                  <a:srgbClr val="0070C0"/>
-                </a:solidFill>
-                <a:latin typeface="Times New Roman" panose="02020603050405020304" pitchFamily="18" charset="0"/>
-                <a:cs typeface="Times New Roman" panose="02020603050405020304" pitchFamily="18" charset="0"/>
-              </a:rPr>
-              <a:t>True</a:t>
-            </a:r>
-            <a:r>
-              <a:rPr lang="pt-BR" sz="2400" b="1" dirty="0">
-                <a:solidFill>
-                  <a:srgbClr val="0070C0"/>
-                </a:solidFill>
-                <a:latin typeface="Times New Roman" panose="02020603050405020304" pitchFamily="18" charset="0"/>
-                <a:cs typeface="Times New Roman" panose="02020603050405020304" pitchFamily="18" charset="0"/>
-              </a:rPr>
-              <a:t> e False</a:t>
-            </a:r>
-            <a:r>
-              <a:rPr lang="pt-BR" sz="2400" dirty="0">
-                <a:solidFill>
-                  <a:schemeClr val="tx1"/>
-                </a:solidFill>
-                <a:latin typeface="Times New Roman" panose="02020603050405020304" pitchFamily="18" charset="0"/>
-                <a:cs typeface="Times New Roman" panose="02020603050405020304" pitchFamily="18" charset="0"/>
-              </a:rPr>
-              <a:t>.</a:t>
-            </a:r>
-          </a:p>
-          <a:p>
-            <a:pPr marL="3223260" lvl="7" indent="0" algn="just">
-              <a:buNone/>
-            </a:pPr>
-            <a:endParaRPr lang="pt-BR" sz="2400" b="1" dirty="0">
-              <a:solidFill>
-                <a:schemeClr val="tx1"/>
-              </a:solidFill>
-              <a:latin typeface="Times New Roman" panose="02020603050405020304" pitchFamily="18" charset="0"/>
-              <a:cs typeface="Times New Roman" panose="02020603050405020304" pitchFamily="18" charset="0"/>
-            </a:endParaRPr>
+                  <a:schemeClr val="tx1"/>
+                </a:solidFill>
+                <a:latin typeface="Times New Roman" panose="02020603050405020304" pitchFamily="18" charset="0"/>
+                <a:cs typeface="Times New Roman" panose="02020603050405020304" pitchFamily="18" charset="0"/>
+              </a:rPr>
+              <a:t>( menor igual )</a:t>
+            </a:r>
           </a:p>
         </p:txBody>
       </p:sp>
     </p:spTree>
     <p:extLst>
       <p:ext uri="{BB962C8B-B14F-4D97-AF65-F5344CB8AC3E}">
-        <p14:creationId xmlns:p14="http://schemas.microsoft.com/office/powerpoint/2010/main" val="3168450326"/>
+        <p14:creationId xmlns:p14="http://schemas.microsoft.com/office/powerpoint/2010/main" val="30340137"/>
       </p:ext>
     </p:extLst>
   </p:cSld>
@@ -8769,7 +9538,7 @@
                   <a:srgbClr val="0070C0"/>
                 </a:solidFill>
               </a:rPr>
-              <a:t>Identidade</a:t>
+              <a:t>Lógicos</a:t>
             </a:r>
             <a:endParaRPr lang="en-US" b="1" dirty="0">
               <a:solidFill>
@@ -8812,38 +9581,13 @@
                 <a:latin typeface="Times New Roman" panose="02020603050405020304" pitchFamily="18" charset="0"/>
                 <a:cs typeface="Times New Roman" panose="02020603050405020304" pitchFamily="18" charset="0"/>
               </a:rPr>
-              <a:t>São utilizados para comparar/testar objetos.</a:t>
-            </a:r>
-          </a:p>
-          <a:p>
-            <a:pPr marL="0" indent="0" algn="just">
-              <a:buNone/>
-            </a:pPr>
-            <a:r>
-              <a:rPr lang="pt-BR" sz="2400" b="1" dirty="0">
-                <a:solidFill>
-                  <a:schemeClr val="tx1"/>
-                </a:solidFill>
-                <a:latin typeface="Times New Roman" panose="02020603050405020304" pitchFamily="18" charset="0"/>
-                <a:cs typeface="Times New Roman" panose="02020603050405020304" pitchFamily="18" charset="0"/>
-              </a:rPr>
-              <a:t>			</a:t>
-            </a:r>
-          </a:p>
-          <a:p>
-            <a:pPr marL="0" indent="0" algn="just">
-              <a:buNone/>
-            </a:pPr>
-            <a:r>
-              <a:rPr lang="pt-BR" sz="2400" b="1" dirty="0">
-                <a:solidFill>
-                  <a:schemeClr val="tx1"/>
-                </a:solidFill>
-                <a:latin typeface="Times New Roman" panose="02020603050405020304" pitchFamily="18" charset="0"/>
-                <a:cs typeface="Times New Roman" panose="02020603050405020304" pitchFamily="18" charset="0"/>
-              </a:rPr>
-              <a:t>			</a:t>
-            </a:r>
+              <a:t>São utilizados para testar valores.</a:t>
+            </a:r>
+          </a:p>
+          <a:p>
+            <a:pPr marL="3223260" lvl="7" indent="0" algn="just">
+              <a:buNone/>
+            </a:pPr>
             <a:r>
               <a:rPr lang="pt-BR" sz="2800" b="1" dirty="0" err="1">
                 <a:solidFill>
@@ -8852,7 +9596,7 @@
                 <a:latin typeface="Times New Roman" panose="02020603050405020304" pitchFamily="18" charset="0"/>
                 <a:cs typeface="Times New Roman" panose="02020603050405020304" pitchFamily="18" charset="0"/>
               </a:rPr>
-              <a:t>is</a:t>
+              <a:t>and</a:t>
             </a:r>
             <a:r>
               <a:rPr lang="pt-BR" sz="2800" b="1" dirty="0">
@@ -8862,8 +9606,23 @@
                 <a:latin typeface="Times New Roman" panose="02020603050405020304" pitchFamily="18" charset="0"/>
                 <a:cs typeface="Times New Roman" panose="02020603050405020304" pitchFamily="18" charset="0"/>
               </a:rPr>
-              <a:t> =&gt; </a:t>
-            </a:r>
+              <a:t> </a:t>
+            </a:r>
+            <a:r>
+              <a:rPr lang="pt-BR" sz="2800" b="1" dirty="0">
+                <a:solidFill>
+                  <a:schemeClr val="tx1"/>
+                </a:solidFill>
+                <a:latin typeface="Times New Roman" panose="02020603050405020304" pitchFamily="18" charset="0"/>
+                <a:cs typeface="Times New Roman" panose="02020603050405020304" pitchFamily="18" charset="0"/>
+              </a:rPr>
+              <a:t>( e )</a:t>
+            </a:r>
+          </a:p>
+          <a:p>
+            <a:pPr marL="3223260" lvl="7" indent="0" algn="just">
+              <a:buNone/>
+            </a:pPr>
             <a:r>
               <a:rPr lang="pt-BR" sz="2800" b="1" dirty="0" err="1">
                 <a:solidFill>
@@ -8872,7 +9631,7 @@
                 <a:latin typeface="Times New Roman" panose="02020603050405020304" pitchFamily="18" charset="0"/>
                 <a:cs typeface="Times New Roman" panose="02020603050405020304" pitchFamily="18" charset="0"/>
               </a:rPr>
-              <a:t>true</a:t>
+              <a:t>or</a:t>
             </a:r>
             <a:r>
               <a:rPr lang="pt-BR" sz="2800" b="1" dirty="0">
@@ -8882,8 +9641,23 @@
                 <a:latin typeface="Times New Roman" panose="02020603050405020304" pitchFamily="18" charset="0"/>
                 <a:cs typeface="Times New Roman" panose="02020603050405020304" pitchFamily="18" charset="0"/>
               </a:rPr>
-              <a:t>, variáveis, mesmo </a:t>
-            </a:r>
+              <a:t> </a:t>
+            </a:r>
+            <a:r>
+              <a:rPr lang="pt-BR" sz="2800" b="1" dirty="0">
+                <a:solidFill>
+                  <a:schemeClr val="tx1"/>
+                </a:solidFill>
+                <a:latin typeface="Times New Roman" panose="02020603050405020304" pitchFamily="18" charset="0"/>
+                <a:cs typeface="Times New Roman" panose="02020603050405020304" pitchFamily="18" charset="0"/>
+              </a:rPr>
+              <a:t>( ou )</a:t>
+            </a:r>
+          </a:p>
+          <a:p>
+            <a:pPr marL="3223260" lvl="7" indent="0" algn="just">
+              <a:buNone/>
+            </a:pPr>
             <a:r>
               <a:rPr lang="pt-BR" sz="2800" b="1" dirty="0" err="1">
                 <a:solidFill>
@@ -8892,97 +9666,120 @@
                 <a:latin typeface="Times New Roman" panose="02020603050405020304" pitchFamily="18" charset="0"/>
                 <a:cs typeface="Times New Roman" panose="02020603050405020304" pitchFamily="18" charset="0"/>
               </a:rPr>
-              <a:t>obj</a:t>
-            </a:r>
-            <a:endParaRPr lang="pt-BR" sz="2800" b="1" dirty="0">
+              <a:t>not</a:t>
+            </a:r>
+            <a:r>
+              <a:rPr lang="pt-BR" sz="2800" b="1" dirty="0">
+                <a:solidFill>
+                  <a:srgbClr val="FF0000"/>
+                </a:solidFill>
+                <a:latin typeface="Times New Roman" panose="02020603050405020304" pitchFamily="18" charset="0"/>
+                <a:cs typeface="Times New Roman" panose="02020603050405020304" pitchFamily="18" charset="0"/>
+              </a:rPr>
+              <a:t> </a:t>
+            </a:r>
+            <a:r>
+              <a:rPr lang="pt-BR" sz="2800" b="1" dirty="0">
+                <a:solidFill>
+                  <a:schemeClr val="tx1"/>
+                </a:solidFill>
+                <a:latin typeface="Times New Roman" panose="02020603050405020304" pitchFamily="18" charset="0"/>
+                <a:cs typeface="Times New Roman" panose="02020603050405020304" pitchFamily="18" charset="0"/>
+              </a:rPr>
+              <a:t>( não )</a:t>
+            </a:r>
+          </a:p>
+          <a:p>
+            <a:pPr marL="0" lvl="7" indent="0" algn="just">
+              <a:spcBef>
+                <a:spcPts val="600"/>
+              </a:spcBef>
+              <a:buNone/>
+            </a:pPr>
+            <a:endParaRPr lang="pt-BR" sz="2400" dirty="0">
               <a:solidFill>
-                <a:srgbClr val="FF0000"/>
+                <a:schemeClr val="tx1"/>
               </a:solidFill>
               <a:latin typeface="Times New Roman" panose="02020603050405020304" pitchFamily="18" charset="0"/>
               <a:cs typeface="Times New Roman" panose="02020603050405020304" pitchFamily="18" charset="0"/>
             </a:endParaRPr>
           </a:p>
           <a:p>
-            <a:pPr marL="0" indent="0" algn="just">
-              <a:buNone/>
-            </a:pPr>
-            <a:r>
-              <a:rPr lang="pt-BR" b="1" dirty="0">
-                <a:solidFill>
-                  <a:srgbClr val="FF0000"/>
-                </a:solidFill>
-                <a:latin typeface="Times New Roman" panose="02020603050405020304" pitchFamily="18" charset="0"/>
-                <a:cs typeface="Times New Roman" panose="02020603050405020304" pitchFamily="18" charset="0"/>
-              </a:rPr>
-              <a:t>			</a:t>
-            </a:r>
-            <a:r>
-              <a:rPr lang="pt-BR" sz="2800" b="1" dirty="0" err="1">
-                <a:solidFill>
-                  <a:srgbClr val="FF0000"/>
-                </a:solidFill>
-                <a:latin typeface="Times New Roman" panose="02020603050405020304" pitchFamily="18" charset="0"/>
-                <a:cs typeface="Times New Roman" panose="02020603050405020304" pitchFamily="18" charset="0"/>
-              </a:rPr>
-              <a:t>is</a:t>
-            </a:r>
-            <a:r>
-              <a:rPr lang="pt-BR" sz="2800" b="1" dirty="0">
-                <a:solidFill>
-                  <a:srgbClr val="FF0000"/>
-                </a:solidFill>
-                <a:latin typeface="Times New Roman" panose="02020603050405020304" pitchFamily="18" charset="0"/>
-                <a:cs typeface="Times New Roman" panose="02020603050405020304" pitchFamily="18" charset="0"/>
-              </a:rPr>
-              <a:t> </a:t>
-            </a:r>
-            <a:r>
-              <a:rPr lang="pt-BR" sz="2800" b="1" dirty="0" err="1">
-                <a:solidFill>
-                  <a:srgbClr val="FF0000"/>
-                </a:solidFill>
-                <a:latin typeface="Times New Roman" panose="02020603050405020304" pitchFamily="18" charset="0"/>
-                <a:cs typeface="Times New Roman" panose="02020603050405020304" pitchFamily="18" charset="0"/>
-              </a:rPr>
-              <a:t>not</a:t>
-            </a:r>
-            <a:r>
-              <a:rPr lang="pt-BR" sz="2800" b="1" dirty="0">
-                <a:solidFill>
-                  <a:srgbClr val="FF0000"/>
-                </a:solidFill>
-                <a:latin typeface="Times New Roman" panose="02020603050405020304" pitchFamily="18" charset="0"/>
-                <a:cs typeface="Times New Roman" panose="02020603050405020304" pitchFamily="18" charset="0"/>
-              </a:rPr>
-              <a:t> =&gt; false, variáveis, </a:t>
-            </a:r>
-            <a:r>
-              <a:rPr lang="pt-BR" sz="2800" b="1" dirty="0" err="1">
-                <a:solidFill>
-                  <a:srgbClr val="FF0000"/>
-                </a:solidFill>
-                <a:latin typeface="Times New Roman" panose="02020603050405020304" pitchFamily="18" charset="0"/>
-                <a:cs typeface="Times New Roman" panose="02020603050405020304" pitchFamily="18" charset="0"/>
-              </a:rPr>
-              <a:t>obj</a:t>
-            </a:r>
-            <a:r>
-              <a:rPr lang="pt-BR" sz="2800" b="1" dirty="0">
-                <a:solidFill>
-                  <a:srgbClr val="FF0000"/>
-                </a:solidFill>
-                <a:latin typeface="Times New Roman" panose="02020603050405020304" pitchFamily="18" charset="0"/>
-                <a:cs typeface="Times New Roman" panose="02020603050405020304" pitchFamily="18" charset="0"/>
-              </a:rPr>
-              <a:t> diferentes</a:t>
-            </a:r>
+            <a:pPr marL="0" lvl="7" indent="0" algn="just">
+              <a:spcBef>
+                <a:spcPts val="600"/>
+              </a:spcBef>
+              <a:buNone/>
+            </a:pPr>
+            <a:r>
+              <a:rPr lang="pt-BR" sz="2400" b="1" dirty="0">
+                <a:solidFill>
+                  <a:schemeClr val="tx1"/>
+                </a:solidFill>
+                <a:latin typeface="Times New Roman" panose="02020603050405020304" pitchFamily="18" charset="0"/>
+                <a:cs typeface="Times New Roman" panose="02020603050405020304" pitchFamily="18" charset="0"/>
+              </a:rPr>
+              <a:t>Nota</a:t>
+            </a:r>
+            <a:r>
+              <a:rPr lang="pt-BR" sz="2400" dirty="0">
+                <a:solidFill>
+                  <a:schemeClr val="tx1"/>
+                </a:solidFill>
+                <a:latin typeface="Times New Roman" panose="02020603050405020304" pitchFamily="18" charset="0"/>
+                <a:cs typeface="Times New Roman" panose="02020603050405020304" pitchFamily="18" charset="0"/>
+              </a:rPr>
+              <a:t>: Valores constantes: </a:t>
+            </a:r>
+            <a:r>
+              <a:rPr lang="pt-BR" sz="2400" b="1" dirty="0" err="1">
+                <a:solidFill>
+                  <a:srgbClr val="0070C0"/>
+                </a:solidFill>
+                <a:latin typeface="Times New Roman" panose="02020603050405020304" pitchFamily="18" charset="0"/>
+                <a:cs typeface="Times New Roman" panose="02020603050405020304" pitchFamily="18" charset="0"/>
+              </a:rPr>
+              <a:t>True</a:t>
+            </a:r>
+            <a:r>
+              <a:rPr lang="pt-BR" sz="2400" b="1" dirty="0">
+                <a:solidFill>
+                  <a:srgbClr val="0070C0"/>
+                </a:solidFill>
+                <a:latin typeface="Times New Roman" panose="02020603050405020304" pitchFamily="18" charset="0"/>
+                <a:cs typeface="Times New Roman" panose="02020603050405020304" pitchFamily="18" charset="0"/>
+              </a:rPr>
+              <a:t> e False</a:t>
+            </a:r>
+            <a:r>
+              <a:rPr lang="pt-BR" sz="2400" dirty="0">
+                <a:solidFill>
+                  <a:schemeClr val="tx1"/>
+                </a:solidFill>
+                <a:latin typeface="Times New Roman" panose="02020603050405020304" pitchFamily="18" charset="0"/>
+                <a:cs typeface="Times New Roman" panose="02020603050405020304" pitchFamily="18" charset="0"/>
+              </a:rPr>
+              <a:t>.</a:t>
+            </a:r>
+          </a:p>
+          <a:p>
+            <a:pPr marL="3223260" lvl="7" indent="0" algn="just">
+              <a:buNone/>
+            </a:pPr>
+            <a:endParaRPr lang="pt-BR" sz="2400" b="1" dirty="0">
+              <a:solidFill>
+                <a:schemeClr val="tx1"/>
+              </a:solidFill>
+              <a:latin typeface="Times New Roman" panose="02020603050405020304" pitchFamily="18" charset="0"/>
+              <a:cs typeface="Times New Roman" panose="02020603050405020304" pitchFamily="18" charset="0"/>
+            </a:endParaRPr>
           </a:p>
         </p:txBody>
       </p:sp>
     </p:spTree>
     <p:extLst>
       <p:ext uri="{BB962C8B-B14F-4D97-AF65-F5344CB8AC3E}">
-        <p14:creationId xmlns:p14="http://schemas.microsoft.com/office/powerpoint/2010/main" val="2566816778"/>
+        <p14:creationId xmlns:p14="http://schemas.microsoft.com/office/powerpoint/2010/main" val="3168450326"/>
       </p:ext>
     </p:extLst>
   </p:cSld>
@@ -9062,7 +9859,7 @@
                   <a:srgbClr val="0070C0"/>
                 </a:solidFill>
               </a:rPr>
-              <a:t>Associação</a:t>
+              <a:t>Identidade</a:t>
             </a:r>
             <a:endParaRPr lang="en-US" b="1" dirty="0">
               <a:solidFill>
@@ -9105,7 +9902,7 @@
                 <a:latin typeface="Times New Roman" panose="02020603050405020304" pitchFamily="18" charset="0"/>
                 <a:cs typeface="Times New Roman" panose="02020603050405020304" pitchFamily="18" charset="0"/>
               </a:rPr>
-              <a:t>Servem, para verificar se determinado objeto está associado ou pertence a determinada estrutura de dados.</a:t>
+              <a:t>São utilizados para comparar/testar objetos.</a:t>
             </a:r>
           </a:p>
           <a:p>
@@ -9138,6 +9935,16 @@
               <a:t>			</a:t>
             </a:r>
             <a:r>
+              <a:rPr lang="pt-BR" sz="2800" b="1" dirty="0" err="1">
+                <a:solidFill>
+                  <a:srgbClr val="FF0000"/>
+                </a:solidFill>
+                <a:latin typeface="Times New Roman" panose="02020603050405020304" pitchFamily="18" charset="0"/>
+                <a:cs typeface="Times New Roman" panose="02020603050405020304" pitchFamily="18" charset="0"/>
+              </a:rPr>
+              <a:t>is</a:t>
+            </a:r>
+            <a:r>
               <a:rPr lang="pt-BR" sz="2800" b="1" dirty="0">
                 <a:solidFill>
                   <a:srgbClr val="FF0000"/>
@@ -9145,17 +9952,92 @@
                 <a:latin typeface="Times New Roman" panose="02020603050405020304" pitchFamily="18" charset="0"/>
                 <a:cs typeface="Times New Roman" panose="02020603050405020304" pitchFamily="18" charset="0"/>
               </a:rPr>
-              <a:t>in =&gt; </a:t>
+              <a:t> </a:t>
+            </a:r>
+            <a:r>
+              <a:rPr lang="pt-BR" sz="2800" b="1" dirty="0">
+                <a:solidFill>
+                  <a:schemeClr val="tx1"/>
+                </a:solidFill>
+                <a:latin typeface="Times New Roman" panose="02020603050405020304" pitchFamily="18" charset="0"/>
+                <a:cs typeface="Times New Roman" panose="02020603050405020304" pitchFamily="18" charset="0"/>
+              </a:rPr>
+              <a:t>( </a:t>
+            </a:r>
+            <a:r>
+              <a:rPr lang="pt-BR" b="1" dirty="0" err="1">
+                <a:solidFill>
+                  <a:schemeClr val="tx1"/>
+                </a:solidFill>
+                <a:latin typeface="Times New Roman" panose="02020603050405020304" pitchFamily="18" charset="0"/>
+                <a:cs typeface="Times New Roman" panose="02020603050405020304" pitchFamily="18" charset="0"/>
+              </a:rPr>
+              <a:t>T</a:t>
             </a:r>
             <a:r>
               <a:rPr lang="pt-BR" sz="2800" b="1" dirty="0" err="1">
                 <a:solidFill>
+                  <a:schemeClr val="tx1"/>
+                </a:solidFill>
+                <a:latin typeface="Times New Roman" panose="02020603050405020304" pitchFamily="18" charset="0"/>
+                <a:cs typeface="Times New Roman" panose="02020603050405020304" pitchFamily="18" charset="0"/>
+              </a:rPr>
+              <a:t>rue</a:t>
+            </a:r>
+            <a:r>
+              <a:rPr lang="pt-BR" sz="2800" b="1" dirty="0">
+                <a:solidFill>
+                  <a:schemeClr val="tx1"/>
+                </a:solidFill>
+                <a:latin typeface="Times New Roman" panose="02020603050405020304" pitchFamily="18" charset="0"/>
+                <a:cs typeface="Times New Roman" panose="02020603050405020304" pitchFamily="18" charset="0"/>
+              </a:rPr>
+              <a:t>, variáveis, mesmo </a:t>
+            </a:r>
+            <a:r>
+              <a:rPr lang="pt-BR" sz="2800" b="1" dirty="0" err="1">
+                <a:solidFill>
+                  <a:schemeClr val="tx1"/>
+                </a:solidFill>
+                <a:latin typeface="Times New Roman" panose="02020603050405020304" pitchFamily="18" charset="0"/>
+                <a:cs typeface="Times New Roman" panose="02020603050405020304" pitchFamily="18" charset="0"/>
+              </a:rPr>
+              <a:t>obj</a:t>
+            </a:r>
+            <a:r>
+              <a:rPr lang="pt-BR" sz="2800" b="1" dirty="0">
+                <a:solidFill>
+                  <a:schemeClr val="tx1"/>
+                </a:solidFill>
+                <a:latin typeface="Times New Roman" panose="02020603050405020304" pitchFamily="18" charset="0"/>
+                <a:cs typeface="Times New Roman" panose="02020603050405020304" pitchFamily="18" charset="0"/>
+              </a:rPr>
+              <a:t> )</a:t>
+            </a:r>
+          </a:p>
+          <a:p>
+            <a:pPr marL="0" indent="0" algn="just">
+              <a:buNone/>
+            </a:pPr>
+            <a:r>
+              <a:rPr lang="pt-BR" b="1" dirty="0">
+                <a:solidFill>
                   <a:srgbClr val="FF0000"/>
                 </a:solidFill>
                 <a:latin typeface="Times New Roman" panose="02020603050405020304" pitchFamily="18" charset="0"/>
                 <a:cs typeface="Times New Roman" panose="02020603050405020304" pitchFamily="18" charset="0"/>
               </a:rPr>
-              <a:t>true</a:t>
+              <a:t>			</a:t>
+            </a:r>
+            <a:r>
+              <a:rPr lang="pt-BR" sz="2800" b="1" dirty="0" err="1">
+                <a:solidFill>
+                  <a:srgbClr val="FF0000"/>
+                </a:solidFill>
+                <a:latin typeface="Times New Roman" panose="02020603050405020304" pitchFamily="18" charset="0"/>
+                <a:cs typeface="Times New Roman" panose="02020603050405020304" pitchFamily="18" charset="0"/>
+              </a:rPr>
+              <a:t>is</a:t>
             </a:r>
             <a:r>
               <a:rPr lang="pt-BR" sz="2800" b="1" dirty="0">
@@ -9165,7 +10047,7 @@
                 <a:latin typeface="Times New Roman" panose="02020603050405020304" pitchFamily="18" charset="0"/>
                 <a:cs typeface="Times New Roman" panose="02020603050405020304" pitchFamily="18" charset="0"/>
               </a:rPr>
-              <a:t>, caso </a:t>
+              <a:t> </a:t>
             </a:r>
             <a:r>
               <a:rPr lang="pt-BR" sz="2800" b="1" dirty="0" err="1">
@@ -9175,72 +10057,47 @@
                 <a:latin typeface="Times New Roman" panose="02020603050405020304" pitchFamily="18" charset="0"/>
                 <a:cs typeface="Times New Roman" panose="02020603050405020304" pitchFamily="18" charset="0"/>
               </a:rPr>
+              <a:t>not</a:t>
+            </a:r>
+            <a:r>
+              <a:rPr lang="pt-BR" sz="2800" b="1" dirty="0">
+                <a:solidFill>
+                  <a:srgbClr val="FF0000"/>
+                </a:solidFill>
+                <a:latin typeface="Times New Roman" panose="02020603050405020304" pitchFamily="18" charset="0"/>
+                <a:cs typeface="Times New Roman" panose="02020603050405020304" pitchFamily="18" charset="0"/>
+              </a:rPr>
+              <a:t> </a:t>
+            </a:r>
+            <a:r>
+              <a:rPr lang="pt-BR" sz="2800" b="1" dirty="0">
+                <a:solidFill>
+                  <a:schemeClr val="tx1"/>
+                </a:solidFill>
+                <a:latin typeface="Times New Roman" panose="02020603050405020304" pitchFamily="18" charset="0"/>
+                <a:cs typeface="Times New Roman" panose="02020603050405020304" pitchFamily="18" charset="0"/>
+              </a:rPr>
+              <a:t>( False, variáveis, </a:t>
+            </a:r>
+            <a:r>
+              <a:rPr lang="pt-BR" sz="2800" b="1" dirty="0" err="1">
+                <a:solidFill>
+                  <a:schemeClr val="tx1"/>
+                </a:solidFill>
+                <a:latin typeface="Times New Roman" panose="02020603050405020304" pitchFamily="18" charset="0"/>
+                <a:cs typeface="Times New Roman" panose="02020603050405020304" pitchFamily="18" charset="0"/>
+              </a:rPr>
               <a:t>obj</a:t>
             </a:r>
             <a:r>
               <a:rPr lang="pt-BR" sz="2800" b="1" dirty="0">
                 <a:solidFill>
-                  <a:srgbClr val="FF0000"/>
-                </a:solidFill>
-                <a:latin typeface="Times New Roman" panose="02020603050405020304" pitchFamily="18" charset="0"/>
-                <a:cs typeface="Times New Roman" panose="02020603050405020304" pitchFamily="18" charset="0"/>
-              </a:rPr>
-              <a:t>, encontrado</a:t>
-            </a:r>
-          </a:p>
-          <a:p>
-            <a:pPr marL="0" indent="0" algn="just">
-              <a:buNone/>
-            </a:pPr>
-            <a:r>
-              <a:rPr lang="pt-BR" b="1" dirty="0">
-                <a:solidFill>
-                  <a:srgbClr val="FF0000"/>
-                </a:solidFill>
-                <a:latin typeface="Times New Roman" panose="02020603050405020304" pitchFamily="18" charset="0"/>
-                <a:cs typeface="Times New Roman" panose="02020603050405020304" pitchFamily="18" charset="0"/>
-              </a:rPr>
-              <a:t>			</a:t>
-            </a:r>
-            <a:r>
-              <a:rPr lang="pt-BR" sz="2800" b="1" dirty="0" err="1">
-                <a:solidFill>
-                  <a:srgbClr val="FF0000"/>
-                </a:solidFill>
-                <a:latin typeface="Times New Roman" panose="02020603050405020304" pitchFamily="18" charset="0"/>
-                <a:cs typeface="Times New Roman" panose="02020603050405020304" pitchFamily="18" charset="0"/>
-              </a:rPr>
-              <a:t>not</a:t>
-            </a:r>
-            <a:r>
-              <a:rPr lang="pt-BR" sz="2800" b="1" dirty="0">
-                <a:solidFill>
-                  <a:srgbClr val="FF0000"/>
-                </a:solidFill>
-                <a:latin typeface="Times New Roman" panose="02020603050405020304" pitchFamily="18" charset="0"/>
-                <a:cs typeface="Times New Roman" panose="02020603050405020304" pitchFamily="18" charset="0"/>
-              </a:rPr>
-              <a:t> in =&gt; false, caso </a:t>
-            </a:r>
-            <a:r>
-              <a:rPr lang="pt-BR" sz="2800" b="1" dirty="0" err="1">
-                <a:solidFill>
-                  <a:srgbClr val="FF0000"/>
-                </a:solidFill>
-                <a:latin typeface="Times New Roman" panose="02020603050405020304" pitchFamily="18" charset="0"/>
-                <a:cs typeface="Times New Roman" panose="02020603050405020304" pitchFamily="18" charset="0"/>
-              </a:rPr>
-              <a:t>obj</a:t>
-            </a:r>
-            <a:r>
-              <a:rPr lang="pt-BR" sz="2800" b="1" dirty="0">
-                <a:solidFill>
-                  <a:srgbClr val="FF0000"/>
-                </a:solidFill>
-                <a:latin typeface="Times New Roman" panose="02020603050405020304" pitchFamily="18" charset="0"/>
-                <a:cs typeface="Times New Roman" panose="02020603050405020304" pitchFamily="18" charset="0"/>
-              </a:rPr>
-              <a:t>, não encontrado</a:t>
+                  <a:schemeClr val="tx1"/>
+                </a:solidFill>
+                <a:latin typeface="Times New Roman" panose="02020603050405020304" pitchFamily="18" charset="0"/>
+                <a:cs typeface="Times New Roman" panose="02020603050405020304" pitchFamily="18" charset="0"/>
+              </a:rPr>
+              <a:t> diferentes )</a:t>
             </a:r>
           </a:p>
         </p:txBody>
@@ -9248,7 +10105,7 @@
     </p:spTree>
     <p:extLst>
       <p:ext uri="{BB962C8B-B14F-4D97-AF65-F5344CB8AC3E}">
-        <p14:creationId xmlns:p14="http://schemas.microsoft.com/office/powerpoint/2010/main" val="1250085493"/>
+        <p14:creationId xmlns:p14="http://schemas.microsoft.com/office/powerpoint/2010/main" val="2566816778"/>
       </p:ext>
     </p:extLst>
   </p:cSld>
@@ -9307,12 +10164,28 @@
               <a:t>Python – </a:t>
             </a:r>
             <a:r>
-              <a:rPr lang="en-US" b="1">
+              <a:rPr lang="en-US" b="1" dirty="0" err="1">
                 <a:solidFill>
                   <a:srgbClr val="0070C0"/>
                 </a:solidFill>
               </a:rPr>
-              <a:t>Expressões</a:t>
+              <a:t>Operadores</a:t>
+            </a:r>
+            <a:r>
+              <a:rPr lang="en-US" b="1" dirty="0">
+                <a:solidFill>
+                  <a:srgbClr val="0070C0"/>
+                </a:solidFill>
+              </a:rPr>
+              <a:t> </a:t>
+            </a:r>
+            <a:r>
+              <a:rPr lang="en-US" b="1" dirty="0" err="1">
+                <a:solidFill>
+                  <a:srgbClr val="0070C0"/>
+                </a:solidFill>
+              </a:rPr>
+              <a:t>Associação</a:t>
             </a:r>
             <a:endParaRPr lang="en-US" b="1" dirty="0">
               <a:solidFill>
@@ -9355,27 +10228,107 @@
                 <a:latin typeface="Times New Roman" panose="02020603050405020304" pitchFamily="18" charset="0"/>
                 <a:cs typeface="Times New Roman" panose="02020603050405020304" pitchFamily="18" charset="0"/>
               </a:rPr>
-              <a:t>Uma </a:t>
-            </a:r>
+              <a:t>Servem, para verificar se determinado objeto está associado ou pertence a determinada estrutura de dados.</a:t>
+            </a:r>
+          </a:p>
+          <a:p>
+            <a:pPr marL="0" indent="0" algn="just">
+              <a:buNone/>
+            </a:pPr>
             <a:r>
               <a:rPr lang="pt-BR" sz="2400" b="1" dirty="0">
                 <a:solidFill>
+                  <a:schemeClr val="tx1"/>
+                </a:solidFill>
+                <a:latin typeface="Times New Roman" panose="02020603050405020304" pitchFamily="18" charset="0"/>
+                <a:cs typeface="Times New Roman" panose="02020603050405020304" pitchFamily="18" charset="0"/>
+              </a:rPr>
+              <a:t>			</a:t>
+            </a:r>
+          </a:p>
+          <a:p>
+            <a:pPr marL="0" indent="0" algn="just">
+              <a:buNone/>
+            </a:pPr>
+            <a:r>
+              <a:rPr lang="pt-BR" sz="2400" b="1" dirty="0">
+                <a:solidFill>
+                  <a:schemeClr val="tx1"/>
+                </a:solidFill>
+                <a:latin typeface="Times New Roman" panose="02020603050405020304" pitchFamily="18" charset="0"/>
+                <a:cs typeface="Times New Roman" panose="02020603050405020304" pitchFamily="18" charset="0"/>
+              </a:rPr>
+              <a:t>			</a:t>
+            </a:r>
+            <a:r>
+              <a:rPr lang="pt-BR" sz="2800" b="1" dirty="0">
+                <a:solidFill>
                   <a:srgbClr val="FF0000"/>
                 </a:solidFill>
                 <a:latin typeface="Times New Roman" panose="02020603050405020304" pitchFamily="18" charset="0"/>
                 <a:cs typeface="Times New Roman" panose="02020603050405020304" pitchFamily="18" charset="0"/>
               </a:rPr>
-              <a:t>expressão</a:t>
-            </a:r>
-            <a:r>
-              <a:rPr lang="pt-BR" sz="2400" dirty="0">
-                <a:solidFill>
-                  <a:schemeClr val="tx1"/>
-                </a:solidFill>
-                <a:latin typeface="Times New Roman" panose="02020603050405020304" pitchFamily="18" charset="0"/>
-                <a:cs typeface="Times New Roman" panose="02020603050405020304" pitchFamily="18" charset="0"/>
-              </a:rPr>
-              <a:t> é uma combinação de valores, variáveis, operadores, e uso de funções.</a:t>
+              <a:t>in </a:t>
+            </a:r>
+            <a:r>
+              <a:rPr lang="pt-BR" b="1" dirty="0">
+                <a:solidFill>
+                  <a:schemeClr val="tx1"/>
+                </a:solidFill>
+                <a:latin typeface="Times New Roman" panose="02020603050405020304" pitchFamily="18" charset="0"/>
+                <a:cs typeface="Times New Roman" panose="02020603050405020304" pitchFamily="18" charset="0"/>
+              </a:rPr>
+              <a:t>(</a:t>
+            </a:r>
+            <a:r>
+              <a:rPr lang="pt-BR" sz="2800" b="1" dirty="0">
+                <a:solidFill>
+                  <a:schemeClr val="tx1"/>
+                </a:solidFill>
+                <a:latin typeface="Times New Roman" panose="02020603050405020304" pitchFamily="18" charset="0"/>
+                <a:cs typeface="Times New Roman" panose="02020603050405020304" pitchFamily="18" charset="0"/>
+              </a:rPr>
+              <a:t> </a:t>
+            </a:r>
+            <a:r>
+              <a:rPr lang="pt-BR" sz="2800" b="1" dirty="0" err="1">
+                <a:solidFill>
+                  <a:schemeClr val="tx1"/>
+                </a:solidFill>
+                <a:latin typeface="Times New Roman" panose="02020603050405020304" pitchFamily="18" charset="0"/>
+                <a:cs typeface="Times New Roman" panose="02020603050405020304" pitchFamily="18" charset="0"/>
+              </a:rPr>
+              <a:t>True</a:t>
+            </a:r>
+            <a:r>
+              <a:rPr lang="pt-BR" sz="2800" b="1" dirty="0">
+                <a:solidFill>
+                  <a:schemeClr val="tx1"/>
+                </a:solidFill>
+                <a:latin typeface="Times New Roman" panose="02020603050405020304" pitchFamily="18" charset="0"/>
+                <a:cs typeface="Times New Roman" panose="02020603050405020304" pitchFamily="18" charset="0"/>
+              </a:rPr>
+              <a:t>, caso </a:t>
+            </a:r>
+            <a:r>
+              <a:rPr lang="pt-BR" sz="2800" b="1" dirty="0" err="1">
+                <a:solidFill>
+                  <a:schemeClr val="tx1"/>
+                </a:solidFill>
+                <a:latin typeface="Times New Roman" panose="02020603050405020304" pitchFamily="18" charset="0"/>
+                <a:cs typeface="Times New Roman" panose="02020603050405020304" pitchFamily="18" charset="0"/>
+              </a:rPr>
+              <a:t>obj</a:t>
+            </a:r>
+            <a:r>
+              <a:rPr lang="pt-BR" sz="2800" b="1" dirty="0">
+                <a:solidFill>
+                  <a:schemeClr val="tx1"/>
+                </a:solidFill>
+                <a:latin typeface="Times New Roman" panose="02020603050405020304" pitchFamily="18" charset="0"/>
+                <a:cs typeface="Times New Roman" panose="02020603050405020304" pitchFamily="18" charset="0"/>
+              </a:rPr>
+              <a:t>, encontrado )</a:t>
             </a:r>
           </a:p>
           <a:p>
@@ -9383,174 +10336,64 @@
               <a:buNone/>
             </a:pPr>
             <a:r>
-              <a:rPr lang="pt-BR" sz="2400" b="1" dirty="0">
+              <a:rPr lang="pt-BR" b="1" dirty="0">
                 <a:solidFill>
                   <a:srgbClr val="FF0000"/>
                 </a:solidFill>
                 <a:latin typeface="Times New Roman" panose="02020603050405020304" pitchFamily="18" charset="0"/>
                 <a:cs typeface="Times New Roman" panose="02020603050405020304" pitchFamily="18" charset="0"/>
               </a:rPr>
-              <a:t>Tipos de Expressões (</a:t>
-            </a:r>
-            <a:r>
-              <a:rPr lang="pt-BR" sz="2400" b="1" dirty="0">
-                <a:solidFill>
-                  <a:schemeClr val="tx1"/>
-                </a:solidFill>
-                <a:latin typeface="Times New Roman" panose="02020603050405020304" pitchFamily="18" charset="0"/>
-                <a:cs typeface="Times New Roman" panose="02020603050405020304" pitchFamily="18" charset="0"/>
-              </a:rPr>
-              <a:t>listados na ordem de prioridade</a:t>
-            </a:r>
-            <a:r>
-              <a:rPr lang="pt-BR" sz="2400" b="1" dirty="0">
+              <a:t>			</a:t>
+            </a:r>
+            <a:r>
+              <a:rPr lang="pt-BR" sz="2800" b="1" dirty="0" err="1">
                 <a:solidFill>
                   <a:srgbClr val="FF0000"/>
                 </a:solidFill>
                 <a:latin typeface="Times New Roman" panose="02020603050405020304" pitchFamily="18" charset="0"/>
                 <a:cs typeface="Times New Roman" panose="02020603050405020304" pitchFamily="18" charset="0"/>
               </a:rPr>
-              <a:t>)</a:t>
-            </a:r>
-          </a:p>
-          <a:p>
-            <a:pPr marL="457200" indent="-457200" algn="just">
-              <a:buFont typeface="+mj-lt"/>
-              <a:buAutoNum type="arabicPeriod"/>
-            </a:pPr>
-            <a:r>
-              <a:rPr lang="pt-BR" sz="2400" dirty="0">
-                <a:solidFill>
-                  <a:schemeClr val="tx1"/>
-                </a:solidFill>
-                <a:latin typeface="Times New Roman" panose="02020603050405020304" pitchFamily="18" charset="0"/>
-                <a:cs typeface="Times New Roman" panose="02020603050405020304" pitchFamily="18" charset="0"/>
-              </a:rPr>
-              <a:t>() </a:t>
-            </a:r>
-            <a:r>
-              <a:rPr lang="pt-BR" sz="2400" b="1" dirty="0">
-                <a:solidFill>
-                  <a:schemeClr val="tx1"/>
-                </a:solidFill>
-                <a:latin typeface="Times New Roman" panose="02020603050405020304" pitchFamily="18" charset="0"/>
-                <a:cs typeface="Times New Roman" panose="02020603050405020304" pitchFamily="18" charset="0"/>
-              </a:rPr>
-              <a:t>parênteses</a:t>
-            </a:r>
-          </a:p>
-          <a:p>
-            <a:pPr marL="457200" indent="-457200" algn="just">
-              <a:buFont typeface="+mj-lt"/>
-              <a:buAutoNum type="arabicPeriod"/>
-            </a:pPr>
-            <a:r>
-              <a:rPr lang="pt-BR" sz="2400" b="1" dirty="0">
-                <a:solidFill>
-                  <a:schemeClr val="tx1"/>
-                </a:solidFill>
-                <a:latin typeface="Times New Roman" panose="02020603050405020304" pitchFamily="18" charset="0"/>
-                <a:cs typeface="Times New Roman" panose="02020603050405020304" pitchFamily="18" charset="0"/>
-              </a:rPr>
-              <a:t>Aritméticos (</a:t>
-            </a:r>
-            <a:r>
-              <a:rPr lang="pt-BR" sz="2400" b="1" dirty="0">
+              <a:t>not</a:t>
+            </a:r>
+            <a:r>
+              <a:rPr lang="pt-BR" sz="2800" b="1" dirty="0">
                 <a:solidFill>
                   <a:srgbClr val="FF0000"/>
                 </a:solidFill>
                 <a:latin typeface="Times New Roman" panose="02020603050405020304" pitchFamily="18" charset="0"/>
                 <a:cs typeface="Times New Roman" panose="02020603050405020304" pitchFamily="18" charset="0"/>
               </a:rPr>
-              <a:t>obedecendo a ordem: *; */%//; +-</a:t>
-            </a:r>
-            <a:r>
-              <a:rPr lang="pt-BR" sz="2400" b="1" dirty="0">
-                <a:solidFill>
-                  <a:schemeClr val="tx1"/>
-                </a:solidFill>
-                <a:latin typeface="Times New Roman" panose="02020603050405020304" pitchFamily="18" charset="0"/>
-                <a:cs typeface="Times New Roman" panose="02020603050405020304" pitchFamily="18" charset="0"/>
-              </a:rPr>
-              <a:t>)</a:t>
-            </a:r>
-            <a:endParaRPr lang="pt-BR" sz="2400" dirty="0">
-              <a:solidFill>
-                <a:schemeClr val="tx1"/>
-              </a:solidFill>
-              <a:latin typeface="Times New Roman" panose="02020603050405020304" pitchFamily="18" charset="0"/>
-              <a:cs typeface="Times New Roman" panose="02020603050405020304" pitchFamily="18" charset="0"/>
-            </a:endParaRPr>
-          </a:p>
-          <a:p>
-            <a:pPr marL="457200" indent="-457200" algn="just">
-              <a:buFont typeface="+mj-lt"/>
-              <a:buAutoNum type="arabicPeriod"/>
-            </a:pPr>
-            <a:r>
-              <a:rPr lang="pt-BR" sz="2400" b="1" dirty="0">
-                <a:solidFill>
-                  <a:schemeClr val="tx1"/>
-                </a:solidFill>
-                <a:latin typeface="Times New Roman" panose="02020603050405020304" pitchFamily="18" charset="0"/>
-                <a:cs typeface="Times New Roman" panose="02020603050405020304" pitchFamily="18" charset="0"/>
-              </a:rPr>
-              <a:t>Relacionais</a:t>
-            </a:r>
-            <a:endParaRPr lang="pt-BR" sz="2400" dirty="0">
-              <a:solidFill>
-                <a:schemeClr val="tx1"/>
-              </a:solidFill>
-              <a:latin typeface="Times New Roman" panose="02020603050405020304" pitchFamily="18" charset="0"/>
-              <a:cs typeface="Times New Roman" panose="02020603050405020304" pitchFamily="18" charset="0"/>
-            </a:endParaRPr>
-          </a:p>
-          <a:p>
-            <a:pPr marL="457200" indent="-457200" algn="just">
-              <a:buFont typeface="+mj-lt"/>
-              <a:buAutoNum type="arabicPeriod"/>
-            </a:pPr>
-            <a:r>
-              <a:rPr lang="pt-BR" sz="2400" b="1" dirty="0">
-                <a:solidFill>
-                  <a:schemeClr val="tx1"/>
-                </a:solidFill>
-                <a:latin typeface="Times New Roman" panose="02020603050405020304" pitchFamily="18" charset="0"/>
-                <a:cs typeface="Times New Roman" panose="02020603050405020304" pitchFamily="18" charset="0"/>
-              </a:rPr>
-              <a:t>Lógicos</a:t>
-            </a:r>
-            <a:endParaRPr lang="pt-BR" sz="2400" dirty="0">
-              <a:solidFill>
-                <a:schemeClr val="tx1"/>
-              </a:solidFill>
-              <a:latin typeface="Times New Roman" panose="02020603050405020304" pitchFamily="18" charset="0"/>
-              <a:cs typeface="Times New Roman" panose="02020603050405020304" pitchFamily="18" charset="0"/>
-            </a:endParaRPr>
-          </a:p>
-          <a:p>
-            <a:pPr marL="0" indent="0" algn="just">
-              <a:buNone/>
-            </a:pPr>
-            <a:r>
-              <a:rPr lang="pt-BR" sz="2400" b="1" dirty="0">
-                <a:solidFill>
-                  <a:srgbClr val="FF0000"/>
-                </a:solidFill>
-                <a:latin typeface="Times New Roman" panose="02020603050405020304" pitchFamily="18" charset="0"/>
-                <a:cs typeface="Times New Roman" panose="02020603050405020304" pitchFamily="18" charset="0"/>
-              </a:rPr>
-              <a:t>Nota</a:t>
-            </a:r>
-            <a:r>
-              <a:rPr lang="pt-BR" sz="2400" dirty="0">
-                <a:solidFill>
-                  <a:schemeClr val="tx1"/>
-                </a:solidFill>
-                <a:latin typeface="Times New Roman" panose="02020603050405020304" pitchFamily="18" charset="0"/>
-                <a:cs typeface="Times New Roman" panose="02020603050405020304" pitchFamily="18" charset="0"/>
-              </a:rPr>
-              <a:t>: O computador processa da esquerda para a direita, obedecendo a ordem de prioridade.</a:t>
+              <a:t> in </a:t>
+            </a:r>
+            <a:r>
+              <a:rPr lang="pt-BR" sz="2800" b="1" dirty="0">
+                <a:solidFill>
+                  <a:schemeClr val="tx1"/>
+                </a:solidFill>
+                <a:latin typeface="Times New Roman" panose="02020603050405020304" pitchFamily="18" charset="0"/>
+                <a:cs typeface="Times New Roman" panose="02020603050405020304" pitchFamily="18" charset="0"/>
+              </a:rPr>
+              <a:t>( False, caso </a:t>
+            </a:r>
+            <a:r>
+              <a:rPr lang="pt-BR" sz="2800" b="1" dirty="0" err="1">
+                <a:solidFill>
+                  <a:schemeClr val="tx1"/>
+                </a:solidFill>
+                <a:latin typeface="Times New Roman" panose="02020603050405020304" pitchFamily="18" charset="0"/>
+                <a:cs typeface="Times New Roman" panose="02020603050405020304" pitchFamily="18" charset="0"/>
+              </a:rPr>
+              <a:t>obj</a:t>
+            </a:r>
+            <a:r>
+              <a:rPr lang="pt-BR" sz="2800" b="1" dirty="0">
+                <a:solidFill>
+                  <a:schemeClr val="tx1"/>
+                </a:solidFill>
+                <a:latin typeface="Times New Roman" panose="02020603050405020304" pitchFamily="18" charset="0"/>
+                <a:cs typeface="Times New Roman" panose="02020603050405020304" pitchFamily="18" charset="0"/>
+              </a:rPr>
+              <a:t>, não encontrado )</a:t>
             </a:r>
           </a:p>
         </p:txBody>
@@ -9558,7 +10401,7 @@
     </p:spTree>
     <p:extLst>
       <p:ext uri="{BB962C8B-B14F-4D97-AF65-F5344CB8AC3E}">
-        <p14:creationId xmlns:p14="http://schemas.microsoft.com/office/powerpoint/2010/main" val="1133917437"/>
+        <p14:creationId xmlns:p14="http://schemas.microsoft.com/office/powerpoint/2010/main" val="1250085493"/>
       </p:ext>
     </p:extLst>
   </p:cSld>
@@ -9609,28 +10452,20 @@
           <a:lstStyle/>
           <a:p>
             <a:r>
-              <a:rPr lang="en-US" b="1" dirty="0" err="1">
+              <a:rPr lang="en-US" b="1" dirty="0">
                 <a:solidFill>
                   <a:srgbClr val="0070C0"/>
                 </a:solidFill>
               </a:rPr>
-              <a:t>Leitura</a:t>
-            </a:r>
-            <a:r>
-              <a:rPr lang="en-US" b="1" dirty="0">
+              <a:t>Python – </a:t>
+            </a:r>
+            <a:r>
+              <a:rPr lang="en-US" b="1">
                 <a:solidFill>
                   <a:srgbClr val="0070C0"/>
                 </a:solidFill>
               </a:rPr>
-              <a:t> </a:t>
-            </a:r>
-            <a:r>
-              <a:rPr lang="en-US" b="1" dirty="0" err="1">
-                <a:solidFill>
-                  <a:srgbClr val="0070C0"/>
-                </a:solidFill>
-              </a:rPr>
-              <a:t>Específica</a:t>
+              <a:t>Expressões</a:t>
             </a:r>
             <a:endParaRPr lang="en-US" b="1" dirty="0">
               <a:solidFill>
@@ -9652,8 +10487,8 @@
         </p:nvSpPr>
         <p:spPr>
           <a:xfrm>
-            <a:off x="142865" y="1200151"/>
-            <a:ext cx="8865056" cy="3394472"/>
+            <a:off x="142865" y="1071360"/>
+            <a:ext cx="8865056" cy="3847839"/>
           </a:xfrm>
         </p:spPr>
         <p:txBody>
@@ -9665,45 +10500,183 @@
             <a:pPr marL="0" indent="0" algn="just">
               <a:buNone/>
             </a:pPr>
-            <a:endParaRPr lang="pt-BR" dirty="0">
+            <a:r>
+              <a:rPr lang="pt-BR" sz="2400" dirty="0">
+                <a:solidFill>
+                  <a:schemeClr val="tx1"/>
+                </a:solidFill>
+                <a:latin typeface="Times New Roman" panose="02020603050405020304" pitchFamily="18" charset="0"/>
+                <a:cs typeface="Times New Roman" panose="02020603050405020304" pitchFamily="18" charset="0"/>
+              </a:rPr>
+              <a:t>Uma </a:t>
+            </a:r>
+            <a:r>
+              <a:rPr lang="pt-BR" sz="2400" b="1" dirty="0">
+                <a:solidFill>
+                  <a:srgbClr val="FF0000"/>
+                </a:solidFill>
+                <a:latin typeface="Times New Roman" panose="02020603050405020304" pitchFamily="18" charset="0"/>
+                <a:cs typeface="Times New Roman" panose="02020603050405020304" pitchFamily="18" charset="0"/>
+              </a:rPr>
+              <a:t>expressão</a:t>
+            </a:r>
+            <a:r>
+              <a:rPr lang="pt-BR" sz="2400" dirty="0">
+                <a:solidFill>
+                  <a:schemeClr val="tx1"/>
+                </a:solidFill>
+                <a:latin typeface="Times New Roman" panose="02020603050405020304" pitchFamily="18" charset="0"/>
+                <a:cs typeface="Times New Roman" panose="02020603050405020304" pitchFamily="18" charset="0"/>
+              </a:rPr>
+              <a:t> é uma combinação de valores, variáveis, operadores, e uso de funções.</a:t>
+            </a:r>
+          </a:p>
+          <a:p>
+            <a:pPr marL="0" indent="0" algn="just">
+              <a:buNone/>
+            </a:pPr>
+            <a:r>
+              <a:rPr lang="pt-BR" sz="2400" b="1" dirty="0">
+                <a:solidFill>
+                  <a:srgbClr val="FF0000"/>
+                </a:solidFill>
+                <a:latin typeface="Times New Roman" panose="02020603050405020304" pitchFamily="18" charset="0"/>
+                <a:cs typeface="Times New Roman" panose="02020603050405020304" pitchFamily="18" charset="0"/>
+              </a:rPr>
+              <a:t>Tipos de Expressões (</a:t>
+            </a:r>
+            <a:r>
+              <a:rPr lang="pt-BR" sz="2400" b="1" dirty="0">
+                <a:solidFill>
+                  <a:schemeClr val="tx1"/>
+                </a:solidFill>
+                <a:latin typeface="Times New Roman" panose="02020603050405020304" pitchFamily="18" charset="0"/>
+                <a:cs typeface="Times New Roman" panose="02020603050405020304" pitchFamily="18" charset="0"/>
+              </a:rPr>
+              <a:t>listados na ordem de prioridade</a:t>
+            </a:r>
+            <a:r>
+              <a:rPr lang="pt-BR" sz="2400" b="1" dirty="0">
+                <a:solidFill>
+                  <a:srgbClr val="FF0000"/>
+                </a:solidFill>
+                <a:latin typeface="Times New Roman" panose="02020603050405020304" pitchFamily="18" charset="0"/>
+                <a:cs typeface="Times New Roman" panose="02020603050405020304" pitchFamily="18" charset="0"/>
+              </a:rPr>
+              <a:t>)</a:t>
+            </a:r>
+          </a:p>
+          <a:p>
+            <a:pPr marL="457200" indent="-457200" algn="just">
+              <a:buFont typeface="+mj-lt"/>
+              <a:buAutoNum type="arabicPeriod"/>
+            </a:pPr>
+            <a:r>
+              <a:rPr lang="pt-BR" sz="2400" dirty="0">
+                <a:solidFill>
+                  <a:schemeClr val="tx1"/>
+                </a:solidFill>
+                <a:latin typeface="Times New Roman" panose="02020603050405020304" pitchFamily="18" charset="0"/>
+                <a:cs typeface="Times New Roman" panose="02020603050405020304" pitchFamily="18" charset="0"/>
+              </a:rPr>
+              <a:t>( ) </a:t>
+            </a:r>
+            <a:r>
+              <a:rPr lang="pt-BR" sz="2400" b="1" dirty="0">
+                <a:solidFill>
+                  <a:schemeClr val="tx1"/>
+                </a:solidFill>
+                <a:latin typeface="Times New Roman" panose="02020603050405020304" pitchFamily="18" charset="0"/>
+                <a:cs typeface="Times New Roman" panose="02020603050405020304" pitchFamily="18" charset="0"/>
+              </a:rPr>
+              <a:t>parênteses</a:t>
+            </a:r>
+          </a:p>
+          <a:p>
+            <a:pPr marL="457200" indent="-457200" algn="just">
+              <a:buFont typeface="+mj-lt"/>
+              <a:buAutoNum type="arabicPeriod"/>
+            </a:pPr>
+            <a:r>
+              <a:rPr lang="pt-BR" sz="2400" b="1" dirty="0">
+                <a:solidFill>
+                  <a:schemeClr val="tx1"/>
+                </a:solidFill>
+                <a:latin typeface="Times New Roman" panose="02020603050405020304" pitchFamily="18" charset="0"/>
+                <a:cs typeface="Times New Roman" panose="02020603050405020304" pitchFamily="18" charset="0"/>
+              </a:rPr>
+              <a:t>Aritméticos (</a:t>
+            </a:r>
+            <a:r>
+              <a:rPr lang="pt-BR" sz="2400" b="1" dirty="0">
+                <a:solidFill>
+                  <a:srgbClr val="FF0000"/>
+                </a:solidFill>
+                <a:latin typeface="Times New Roman" panose="02020603050405020304" pitchFamily="18" charset="0"/>
+                <a:cs typeface="Times New Roman" panose="02020603050405020304" pitchFamily="18" charset="0"/>
+              </a:rPr>
+              <a:t>obedecendo a ordem: *; */%//; +-</a:t>
+            </a:r>
+            <a:r>
+              <a:rPr lang="pt-BR" sz="2400" b="1" dirty="0">
+                <a:solidFill>
+                  <a:schemeClr val="tx1"/>
+                </a:solidFill>
+                <a:latin typeface="Times New Roman" panose="02020603050405020304" pitchFamily="18" charset="0"/>
+                <a:cs typeface="Times New Roman" panose="02020603050405020304" pitchFamily="18" charset="0"/>
+              </a:rPr>
+              <a:t>)</a:t>
+            </a:r>
+            <a:endParaRPr lang="pt-BR" sz="2400" dirty="0">
+              <a:solidFill>
+                <a:schemeClr val="tx1"/>
+              </a:solidFill>
               <a:latin typeface="Times New Roman" panose="02020603050405020304" pitchFamily="18" charset="0"/>
               <a:cs typeface="Times New Roman" panose="02020603050405020304" pitchFamily="18" charset="0"/>
             </a:endParaRPr>
           </a:p>
           <a:p>
-            <a:pPr marL="0" indent="0" algn="just">
-              <a:buNone/>
-            </a:pPr>
-            <a:r>
-              <a:rPr lang="pt-BR" dirty="0">
-                <a:latin typeface="Times New Roman" panose="02020603050405020304" pitchFamily="18" charset="0"/>
-                <a:cs typeface="Times New Roman" panose="02020603050405020304" pitchFamily="18" charset="0"/>
-              </a:rPr>
-              <a:t>[1] Site:</a:t>
-            </a:r>
-          </a:p>
-          <a:p>
-            <a:pPr marL="0" indent="0" algn="just">
-              <a:buNone/>
-            </a:pPr>
-            <a:r>
-              <a:rPr lang="pt-BR" dirty="0">
-                <a:latin typeface="Times New Roman" panose="02020603050405020304" pitchFamily="18" charset="0"/>
-                <a:cs typeface="Times New Roman" panose="02020603050405020304" pitchFamily="18" charset="0"/>
-                <a:hlinkClick r:id="rId3"/>
-              </a:rPr>
-              <a:t>https://www.w3schools.com/python/python_variables.asp</a:t>
-            </a:r>
-            <a:endParaRPr lang="pt-BR" dirty="0">
+            <a:pPr marL="457200" indent="-457200" algn="just">
+              <a:buFont typeface="+mj-lt"/>
+              <a:buAutoNum type="arabicPeriod"/>
+            </a:pPr>
+            <a:r>
+              <a:rPr lang="pt-BR" sz="2400" b="1" dirty="0">
+                <a:solidFill>
+                  <a:schemeClr val="tx1"/>
+                </a:solidFill>
+                <a:latin typeface="Times New Roman" panose="02020603050405020304" pitchFamily="18" charset="0"/>
+                <a:cs typeface="Times New Roman" panose="02020603050405020304" pitchFamily="18" charset="0"/>
+              </a:rPr>
+              <a:t>Relacionais</a:t>
+            </a:r>
+            <a:endParaRPr lang="pt-BR" sz="2400" dirty="0">
+              <a:solidFill>
+                <a:schemeClr val="tx1"/>
+              </a:solidFill>
               <a:latin typeface="Times New Roman" panose="02020603050405020304" pitchFamily="18" charset="0"/>
               <a:cs typeface="Times New Roman" panose="02020603050405020304" pitchFamily="18" charset="0"/>
             </a:endParaRPr>
           </a:p>
           <a:p>
-            <a:pPr marL="0" indent="0" algn="just">
-              <a:buNone/>
-            </a:pPr>
-            <a:endParaRPr lang="pt-BR" dirty="0">
+            <a:pPr marL="457200" indent="-457200" algn="just">
+              <a:buFont typeface="+mj-lt"/>
+              <a:buAutoNum type="arabicPeriod"/>
+            </a:pPr>
+            <a:r>
+              <a:rPr lang="pt-BR" sz="2400" b="1" dirty="0">
+                <a:solidFill>
+                  <a:schemeClr val="tx1"/>
+                </a:solidFill>
+                <a:latin typeface="Times New Roman" panose="02020603050405020304" pitchFamily="18" charset="0"/>
+                <a:cs typeface="Times New Roman" panose="02020603050405020304" pitchFamily="18" charset="0"/>
+              </a:rPr>
+              <a:t>Lógicos</a:t>
+            </a:r>
+            <a:endParaRPr lang="pt-BR" sz="2400" dirty="0">
+              <a:solidFill>
+                <a:schemeClr val="tx1"/>
+              </a:solidFill>
               <a:latin typeface="Times New Roman" panose="02020603050405020304" pitchFamily="18" charset="0"/>
               <a:cs typeface="Times New Roman" panose="02020603050405020304" pitchFamily="18" charset="0"/>
             </a:endParaRPr>
@@ -9712,85 +10685,33 @@
             <a:pPr marL="0" indent="0" algn="just">
               <a:buNone/>
             </a:pPr>
-            <a:endParaRPr lang="pt-BR" dirty="0">
-              <a:latin typeface="Times New Roman" panose="02020603050405020304" pitchFamily="18" charset="0"/>
-              <a:cs typeface="Times New Roman" panose="02020603050405020304" pitchFamily="18" charset="0"/>
-            </a:endParaRPr>
-          </a:p>
-          <a:p>
-            <a:pPr marL="0" indent="0" algn="just">
-              <a:buNone/>
-            </a:pPr>
-            <a:r>
-              <a:rPr lang="pt-BR" dirty="0">
-                <a:latin typeface="Times New Roman" panose="02020603050405020304" pitchFamily="18" charset="0"/>
-                <a:cs typeface="Times New Roman" panose="02020603050405020304" pitchFamily="18" charset="0"/>
-              </a:rPr>
-              <a:t>[2] Site: </a:t>
-            </a:r>
-            <a:r>
-              <a:rPr lang="pt-BR" dirty="0">
-                <a:latin typeface="Times New Roman" panose="02020603050405020304" pitchFamily="18" charset="0"/>
-                <a:cs typeface="Times New Roman" panose="02020603050405020304" pitchFamily="18" charset="0"/>
-                <a:hlinkClick r:id="rId4"/>
-              </a:rPr>
-              <a:t>https://docs.python.org/pt-br/3/tutorial/</a:t>
-            </a:r>
-            <a:endParaRPr lang="pt-BR" dirty="0">
-              <a:latin typeface="Times New Roman" panose="02020603050405020304" pitchFamily="18" charset="0"/>
-              <a:cs typeface="Times New Roman" panose="02020603050405020304" pitchFamily="18" charset="0"/>
-            </a:endParaRPr>
-          </a:p>
-          <a:p>
-            <a:pPr marL="0" indent="0" algn="just">
-              <a:buNone/>
-            </a:pPr>
-            <a:endParaRPr lang="pt-BR" dirty="0">
-              <a:latin typeface="Times New Roman" panose="02020603050405020304" pitchFamily="18" charset="0"/>
-              <a:cs typeface="Times New Roman" panose="02020603050405020304" pitchFamily="18" charset="0"/>
-            </a:endParaRPr>
-          </a:p>
-          <a:p>
-            <a:pPr marL="0" indent="0" algn="just">
-              <a:buNone/>
-            </a:pPr>
-            <a:endParaRPr lang="pt-BR" dirty="0">
-              <a:latin typeface="Times New Roman" panose="02020603050405020304" pitchFamily="18" charset="0"/>
-              <a:cs typeface="Times New Roman" panose="02020603050405020304" pitchFamily="18" charset="0"/>
-            </a:endParaRPr>
-          </a:p>
-          <a:p>
-            <a:pPr marL="0" indent="0" algn="just">
-              <a:buNone/>
-            </a:pPr>
-            <a:endParaRPr lang="pt-BR" dirty="0">
-              <a:latin typeface="Times New Roman" panose="02020603050405020304" pitchFamily="18" charset="0"/>
-              <a:cs typeface="Times New Roman" panose="02020603050405020304" pitchFamily="18" charset="0"/>
-            </a:endParaRPr>
-          </a:p>
-          <a:p>
-            <a:pPr marL="0" indent="0" algn="just">
-              <a:buNone/>
-            </a:pPr>
-            <a:endParaRPr lang="pt-BR" dirty="0">
-              <a:latin typeface="Times New Roman" panose="02020603050405020304" pitchFamily="18" charset="0"/>
-              <a:cs typeface="Times New Roman" panose="02020603050405020304" pitchFamily="18" charset="0"/>
-            </a:endParaRPr>
-          </a:p>
-          <a:p>
-            <a:pPr marL="0" indent="0" algn="just">
-              <a:buNone/>
-            </a:pPr>
-            <a:endParaRPr lang="pt-BR" dirty="0">
-              <a:latin typeface="Calibri" panose="020F0502020204030204" pitchFamily="34" charset="0"/>
-            </a:endParaRPr>
+            <a:r>
+              <a:rPr lang="pt-BR" sz="2400" b="1" dirty="0">
+                <a:solidFill>
+                  <a:srgbClr val="FF0000"/>
+                </a:solidFill>
+                <a:latin typeface="Times New Roman" panose="02020603050405020304" pitchFamily="18" charset="0"/>
+                <a:cs typeface="Times New Roman" panose="02020603050405020304" pitchFamily="18" charset="0"/>
+              </a:rPr>
+              <a:t>Nota</a:t>
+            </a:r>
+            <a:r>
+              <a:rPr lang="pt-BR" sz="2400" dirty="0">
+                <a:solidFill>
+                  <a:schemeClr val="tx1"/>
+                </a:solidFill>
+                <a:latin typeface="Times New Roman" panose="02020603050405020304" pitchFamily="18" charset="0"/>
+                <a:cs typeface="Times New Roman" panose="02020603050405020304" pitchFamily="18" charset="0"/>
+              </a:rPr>
+              <a:t>: O computador processa da esquerda para a direita, obedecendo a ordem de prioridade.</a:t>
+            </a:r>
           </a:p>
         </p:txBody>
       </p:sp>
     </p:spTree>
     <p:extLst>
       <p:ext uri="{BB962C8B-B14F-4D97-AF65-F5344CB8AC3E}">
-        <p14:creationId xmlns:p14="http://schemas.microsoft.com/office/powerpoint/2010/main" val="2747596967"/>
+        <p14:creationId xmlns:p14="http://schemas.microsoft.com/office/powerpoint/2010/main" val="1133917437"/>
       </p:ext>
     </p:extLst>
   </p:cSld>
@@ -9841,12 +10762,20 @@
           <a:lstStyle/>
           <a:p>
             <a:r>
+              <a:rPr lang="en-US" b="1" dirty="0">
+                <a:solidFill>
+                  <a:srgbClr val="0070C0"/>
+                </a:solidFill>
+              </a:rPr>
+              <a:t>Python – </a:t>
+            </a:r>
+            <a:r>
               <a:rPr lang="en-US" b="1" dirty="0" err="1">
                 <a:solidFill>
                   <a:srgbClr val="0070C0"/>
                 </a:solidFill>
               </a:rPr>
-              <a:t>Aprenda</a:t>
+              <a:t>Mapa</a:t>
             </a:r>
             <a:r>
               <a:rPr lang="en-US" b="1" dirty="0">
@@ -9854,140 +10783,528 @@
                   <a:srgbClr val="0070C0"/>
                 </a:solidFill>
               </a:rPr>
-              <a:t>+</a:t>
-            </a:r>
+              <a:t> </a:t>
+            </a:r>
+            <a:r>
+              <a:rPr lang="en-US" b="1" dirty="0" err="1">
+                <a:solidFill>
+                  <a:srgbClr val="0070C0"/>
+                </a:solidFill>
+              </a:rPr>
+              <a:t>Programação</a:t>
+            </a:r>
+            <a:endParaRPr lang="en-US" b="1" dirty="0">
+              <a:solidFill>
+                <a:srgbClr val="0070C0"/>
+              </a:solidFill>
+            </a:endParaRPr>
           </a:p>
         </p:txBody>
       </p:sp>
       <p:sp>
         <p:nvSpPr>
-          <p:cNvPr id="8" name="Text Placeholder 2"/>
-          <p:cNvSpPr>
-            <a:spLocks noGrp="1"/>
-          </p:cNvSpPr>
-          <p:nvPr>
-            <p:ph type="body" sz="half" idx="1"/>
-          </p:nvPr>
+          <p:cNvPr id="2" name="CaixaDeTexto 1">
+            <a:extLst>
+              <a:ext uri="{FF2B5EF4-FFF2-40B4-BE49-F238E27FC236}">
+                <a16:creationId xmlns:a16="http://schemas.microsoft.com/office/drawing/2014/main" id="{E8CA4229-7682-1A1E-ED8F-E7137FE92013}"/>
+              </a:ext>
+            </a:extLst>
+          </p:cNvPr>
+          <p:cNvSpPr txBox="1"/>
+          <p:nvPr/>
         </p:nvSpPr>
         <p:spPr>
           <a:xfrm>
-            <a:off x="142865" y="1200151"/>
-            <a:ext cx="8865056" cy="3394472"/>
+            <a:off x="148605" y="1063231"/>
+            <a:ext cx="5242142" cy="2246765"/>
           </a:xfrm>
+          <a:prstGeom prst="rect">
+            <a:avLst/>
+          </a:prstGeom>
+          <a:noFill/>
+          <a:ln w="12700" cap="flat">
+            <a:noFill/>
+            <a:miter lim="400000"/>
+          </a:ln>
         </p:spPr>
+        <p:style>
+          <a:lnRef idx="0">
+            <a:scrgbClr r="0" g="0" b="0"/>
+          </a:lnRef>
+          <a:fillRef idx="0">
+            <a:scrgbClr r="0" g="0" b="0"/>
+          </a:fillRef>
+          <a:effectRef idx="0">
+            <a:scrgbClr r="0" g="0" b="0"/>
+          </a:effectRef>
+          <a:fontRef idx="none"/>
+        </p:style>
         <p:txBody>
-          <a:bodyPr>
-            <a:noAutofit/>
+          <a:bodyPr rot="0" spcFirstLastPara="1" vertOverflow="overflow" horzOverflow="overflow" vert="horz" wrap="square" lIns="45718" tIns="45718" rIns="45718" bIns="45718" numCol="1" spcCol="38100" rtlCol="0" anchor="t">
+            <a:spAutoFit/>
           </a:bodyPr>
           <a:lstStyle/>
           <a:p>
-            <a:pPr marL="0" indent="0" algn="just">
-              <a:buNone/>
-            </a:pPr>
-            <a:endParaRPr lang="pt-BR" sz="2000" dirty="0">
+            <a:pPr marL="457200" indent="-457200" algn="just">
+              <a:buAutoNum type="arabicPeriod"/>
+            </a:pPr>
+            <a:r>
+              <a:rPr lang="pt-BR" sz="2000" dirty="0">
+                <a:solidFill>
+                  <a:schemeClr val="tx1"/>
+                </a:solidFill>
+                <a:latin typeface="Times New Roman" panose="02020603050405020304" pitchFamily="18" charset="0"/>
+                <a:cs typeface="Times New Roman" panose="02020603050405020304" pitchFamily="18" charset="0"/>
+              </a:rPr>
+              <a:t>Operadores</a:t>
+            </a:r>
+          </a:p>
+          <a:p>
+            <a:pPr marL="457200" indent="-457200" algn="just">
+              <a:buAutoNum type="arabicPeriod"/>
+            </a:pPr>
+            <a:r>
+              <a:rPr lang="pt-BR" sz="2000" dirty="0">
+                <a:solidFill>
+                  <a:schemeClr val="tx1"/>
+                </a:solidFill>
+                <a:latin typeface="Times New Roman" panose="02020603050405020304" pitchFamily="18" charset="0"/>
+                <a:cs typeface="Times New Roman" panose="02020603050405020304" pitchFamily="18" charset="0"/>
+              </a:rPr>
+              <a:t>Variáveis/Identificadores (</a:t>
+            </a:r>
+            <a:r>
+              <a:rPr lang="pt-BR" sz="2000" b="1" dirty="0" err="1">
+                <a:solidFill>
+                  <a:srgbClr val="FF0000"/>
+                </a:solidFill>
+                <a:latin typeface="Times New Roman" panose="02020603050405020304" pitchFamily="18" charset="0"/>
+                <a:cs typeface="Times New Roman" panose="02020603050405020304" pitchFamily="18" charset="0"/>
+              </a:rPr>
+              <a:t>type</a:t>
+            </a:r>
+            <a:r>
+              <a:rPr lang="pt-BR" sz="2000" dirty="0">
+                <a:solidFill>
+                  <a:schemeClr val="tx1"/>
+                </a:solidFill>
+                <a:latin typeface="Times New Roman" panose="02020603050405020304" pitchFamily="18" charset="0"/>
+                <a:cs typeface="Times New Roman" panose="02020603050405020304" pitchFamily="18" charset="0"/>
+              </a:rPr>
+              <a:t>)</a:t>
+            </a:r>
+          </a:p>
+          <a:p>
+            <a:pPr marL="457200" indent="-457200" algn="just">
+              <a:buAutoNum type="arabicPeriod"/>
+            </a:pPr>
+            <a:r>
+              <a:rPr lang="pt-BR" sz="2000" dirty="0">
+                <a:solidFill>
+                  <a:schemeClr val="tx1"/>
+                </a:solidFill>
+                <a:latin typeface="Times New Roman" panose="02020603050405020304" pitchFamily="18" charset="0"/>
+                <a:cs typeface="Times New Roman" panose="02020603050405020304" pitchFamily="18" charset="0"/>
+              </a:rPr>
+              <a:t>Tipos de Dados (</a:t>
+            </a:r>
+            <a:r>
+              <a:rPr lang="pt-BR" sz="2000" b="1" dirty="0">
+                <a:solidFill>
+                  <a:schemeClr val="tx1"/>
+                </a:solidFill>
+                <a:latin typeface="Times New Roman" panose="02020603050405020304" pitchFamily="18" charset="0"/>
+                <a:cs typeface="Times New Roman" panose="02020603050405020304" pitchFamily="18" charset="0"/>
+              </a:rPr>
+              <a:t>tipagem dinâmica</a:t>
+            </a:r>
+            <a:r>
+              <a:rPr lang="pt-BR" sz="2000" dirty="0">
+                <a:solidFill>
+                  <a:schemeClr val="tx1"/>
+                </a:solidFill>
+                <a:latin typeface="Times New Roman" panose="02020603050405020304" pitchFamily="18" charset="0"/>
+                <a:cs typeface="Times New Roman" panose="02020603050405020304" pitchFamily="18" charset="0"/>
+              </a:rPr>
+              <a:t>)</a:t>
+            </a:r>
+          </a:p>
+          <a:p>
+            <a:pPr marL="457200" indent="-457200" algn="just">
+              <a:buAutoNum type="arabicPeriod"/>
+            </a:pPr>
+            <a:r>
+              <a:rPr lang="pt-BR" sz="2000" dirty="0">
+                <a:solidFill>
+                  <a:schemeClr val="tx1"/>
+                </a:solidFill>
+                <a:latin typeface="Times New Roman" panose="02020603050405020304" pitchFamily="18" charset="0"/>
+                <a:cs typeface="Times New Roman" panose="02020603050405020304" pitchFamily="18" charset="0"/>
+              </a:rPr>
+              <a:t>Estrutura de Dados: Listas, </a:t>
+            </a:r>
+            <a:r>
+              <a:rPr lang="pt-BR" sz="2000" dirty="0" err="1">
+                <a:solidFill>
+                  <a:schemeClr val="tx1"/>
+                </a:solidFill>
+                <a:latin typeface="Times New Roman" panose="02020603050405020304" pitchFamily="18" charset="0"/>
+                <a:cs typeface="Times New Roman" panose="02020603050405020304" pitchFamily="18" charset="0"/>
+              </a:rPr>
+              <a:t>Tuplas</a:t>
+            </a:r>
+            <a:r>
+              <a:rPr lang="pt-BR" sz="2000" dirty="0">
+                <a:solidFill>
+                  <a:schemeClr val="tx1"/>
+                </a:solidFill>
+                <a:latin typeface="Times New Roman" panose="02020603050405020304" pitchFamily="18" charset="0"/>
+                <a:cs typeface="Times New Roman" panose="02020603050405020304" pitchFamily="18" charset="0"/>
+              </a:rPr>
+              <a:t>, </a:t>
+            </a:r>
+            <a:r>
+              <a:rPr lang="pt-BR" sz="2000" dirty="0" err="1">
+                <a:solidFill>
+                  <a:schemeClr val="tx1"/>
+                </a:solidFill>
+                <a:latin typeface="Times New Roman" panose="02020603050405020304" pitchFamily="18" charset="0"/>
+                <a:cs typeface="Times New Roman" panose="02020603050405020304" pitchFamily="18" charset="0"/>
+              </a:rPr>
+              <a:t>Dics</a:t>
+            </a:r>
+            <a:r>
+              <a:rPr lang="pt-BR" sz="2000" dirty="0">
+                <a:solidFill>
+                  <a:schemeClr val="tx1"/>
+                </a:solidFill>
+                <a:latin typeface="Times New Roman" panose="02020603050405020304" pitchFamily="18" charset="0"/>
+                <a:cs typeface="Times New Roman" panose="02020603050405020304" pitchFamily="18" charset="0"/>
+              </a:rPr>
+              <a:t>, Sets</a:t>
+            </a:r>
+          </a:p>
+          <a:p>
+            <a:pPr marL="457200" indent="-457200" algn="just">
+              <a:buAutoNum type="arabicPeriod"/>
+            </a:pPr>
+            <a:r>
+              <a:rPr lang="pt-BR" sz="2000" dirty="0">
+                <a:solidFill>
+                  <a:schemeClr val="tx1"/>
+                </a:solidFill>
+                <a:latin typeface="Times New Roman" panose="02020603050405020304" pitchFamily="18" charset="0"/>
+                <a:cs typeface="Times New Roman" panose="02020603050405020304" pitchFamily="18" charset="0"/>
+              </a:rPr>
+              <a:t>Entrada / Saídas</a:t>
+            </a:r>
+          </a:p>
+          <a:p>
+            <a:pPr marL="457200" indent="-457200" algn="just">
+              <a:buAutoNum type="arabicPeriod"/>
+            </a:pPr>
+            <a:r>
+              <a:rPr lang="pt-BR" sz="2000" dirty="0">
+                <a:solidFill>
+                  <a:schemeClr val="tx1"/>
+                </a:solidFill>
+                <a:latin typeface="Times New Roman" panose="02020603050405020304" pitchFamily="18" charset="0"/>
+                <a:cs typeface="Times New Roman" panose="02020603050405020304" pitchFamily="18" charset="0"/>
+              </a:rPr>
+              <a:t>Loops: </a:t>
+            </a:r>
+            <a:r>
+              <a:rPr lang="pt-BR" sz="2000" b="1" dirty="0">
+                <a:solidFill>
+                  <a:schemeClr val="tx1"/>
+                </a:solidFill>
+                <a:latin typeface="Times New Roman" panose="02020603050405020304" pitchFamily="18" charset="0"/>
+                <a:cs typeface="Times New Roman" panose="02020603050405020304" pitchFamily="18" charset="0"/>
+              </a:rPr>
+              <a:t>for / </a:t>
+            </a:r>
+            <a:r>
+              <a:rPr lang="pt-BR" sz="2000" b="1" dirty="0" err="1">
+                <a:solidFill>
+                  <a:schemeClr val="tx1"/>
+                </a:solidFill>
+                <a:latin typeface="Times New Roman" panose="02020603050405020304" pitchFamily="18" charset="0"/>
+                <a:cs typeface="Times New Roman" panose="02020603050405020304" pitchFamily="18" charset="0"/>
+              </a:rPr>
+              <a:t>while</a:t>
+            </a:r>
+            <a:endParaRPr lang="pt-BR" sz="2000" b="1" dirty="0">
+              <a:solidFill>
+                <a:schemeClr val="tx1"/>
+              </a:solidFill>
               <a:latin typeface="Times New Roman" panose="02020603050405020304" pitchFamily="18" charset="0"/>
               <a:cs typeface="Times New Roman" panose="02020603050405020304" pitchFamily="18" charset="0"/>
             </a:endParaRPr>
           </a:p>
           <a:p>
-            <a:pPr marL="0" indent="0" algn="just">
-              <a:buNone/>
+            <a:pPr marL="0" marR="0" indent="0" algn="l" defTabSz="457200" rtl="0" fontAlgn="auto" latinLnBrk="0" hangingPunct="0">
+              <a:lnSpc>
+                <a:spcPct val="100000"/>
+              </a:lnSpc>
+              <a:spcBef>
+                <a:spcPts val="0"/>
+              </a:spcBef>
+              <a:spcAft>
+                <a:spcPts val="0"/>
+              </a:spcAft>
+              <a:buClrTx/>
+              <a:buSzTx/>
+              <a:buFontTx/>
+              <a:buNone/>
+            </a:pPr>
+            <a:endParaRPr kumimoji="0" lang="pt-BR" sz="2000" b="0" i="0" u="none" strike="noStrike" cap="none" spc="0" normalizeH="0" baseline="0" dirty="0">
+              <a:ln>
+                <a:noFill/>
+              </a:ln>
+              <a:solidFill>
+                <a:srgbClr val="000000"/>
+              </a:solidFill>
+              <a:effectLst/>
+              <a:uFillTx/>
+              <a:latin typeface="+mj-lt"/>
+              <a:ea typeface="+mj-ea"/>
+              <a:cs typeface="+mj-cs"/>
+              <a:sym typeface="Calibri"/>
+            </a:endParaRPr>
+          </a:p>
+        </p:txBody>
+      </p:sp>
+      <p:sp>
+        <p:nvSpPr>
+          <p:cNvPr id="3" name="CaixaDeTexto 2">
+            <a:extLst>
+              <a:ext uri="{FF2B5EF4-FFF2-40B4-BE49-F238E27FC236}">
+                <a16:creationId xmlns:a16="http://schemas.microsoft.com/office/drawing/2014/main" id="{09B598B0-E094-2699-739E-6A07CD5EE4F7}"/>
+              </a:ext>
+            </a:extLst>
+          </p:cNvPr>
+          <p:cNvSpPr txBox="1"/>
+          <p:nvPr/>
+        </p:nvSpPr>
+        <p:spPr>
+          <a:xfrm>
+            <a:off x="148605" y="2907597"/>
+            <a:ext cx="5242142" cy="2554541"/>
+          </a:xfrm>
+          <a:prstGeom prst="rect">
+            <a:avLst/>
+          </a:prstGeom>
+          <a:noFill/>
+          <a:ln w="12700" cap="flat">
+            <a:noFill/>
+            <a:miter lim="400000"/>
+          </a:ln>
+        </p:spPr>
+        <p:style>
+          <a:lnRef idx="0">
+            <a:scrgbClr r="0" g="0" b="0"/>
+          </a:lnRef>
+          <a:fillRef idx="0">
+            <a:scrgbClr r="0" g="0" b="0"/>
+          </a:fillRef>
+          <a:effectRef idx="0">
+            <a:scrgbClr r="0" g="0" b="0"/>
+          </a:effectRef>
+          <a:fontRef idx="none"/>
+        </p:style>
+        <p:txBody>
+          <a:bodyPr rot="0" spcFirstLastPara="1" vertOverflow="overflow" horzOverflow="overflow" vert="horz" wrap="square" lIns="45718" tIns="45718" rIns="45718" bIns="45718" numCol="1" spcCol="38100" rtlCol="0" anchor="t">
+            <a:spAutoFit/>
+          </a:bodyPr>
+          <a:lstStyle/>
+          <a:p>
+            <a:pPr marL="457200" indent="-457200" algn="just">
+              <a:buFont typeface="+mj-lt"/>
+              <a:buAutoNum type="arabicPeriod" startAt="7"/>
             </a:pPr>
             <a:r>
               <a:rPr lang="pt-BR" sz="2000" dirty="0">
-                <a:latin typeface="Times New Roman" panose="02020603050405020304" pitchFamily="18" charset="0"/>
-                <a:cs typeface="Times New Roman" panose="02020603050405020304" pitchFamily="18" charset="0"/>
-              </a:rPr>
-              <a:t>[1] </a:t>
-            </a:r>
+                <a:solidFill>
+                  <a:schemeClr val="tx1"/>
+                </a:solidFill>
+                <a:latin typeface="Times New Roman" panose="02020603050405020304" pitchFamily="18" charset="0"/>
+                <a:cs typeface="Times New Roman" panose="02020603050405020304" pitchFamily="18" charset="0"/>
+              </a:rPr>
+              <a:t>Funções</a:t>
+            </a:r>
+          </a:p>
+          <a:p>
+            <a:pPr marL="457200" indent="-457200" algn="just">
+              <a:buFont typeface="+mj-lt"/>
+              <a:buAutoNum type="arabicPeriod" startAt="7"/>
+            </a:pPr>
             <a:r>
               <a:rPr lang="pt-BR" sz="2000" dirty="0">
-                <a:latin typeface="Times New Roman" panose="02020603050405020304" pitchFamily="18" charset="0"/>
-                <a:cs typeface="Times New Roman" panose="02020603050405020304" pitchFamily="18" charset="0"/>
-                <a:hlinkClick r:id="rId3"/>
-              </a:rPr>
-              <a:t>https://www.programiz.com/python-programming/variables-constants-literals</a:t>
+                <a:solidFill>
+                  <a:schemeClr val="tx1"/>
+                </a:solidFill>
+                <a:latin typeface="Times New Roman" panose="02020603050405020304" pitchFamily="18" charset="0"/>
+                <a:cs typeface="Times New Roman" panose="02020603050405020304" pitchFamily="18" charset="0"/>
+              </a:rPr>
+              <a:t>Manipulação de Arquivos</a:t>
+            </a:r>
+          </a:p>
+          <a:p>
+            <a:pPr marL="457200" indent="-457200" algn="just">
+              <a:buFont typeface="+mj-lt"/>
+              <a:buAutoNum type="arabicPeriod" startAt="7"/>
+            </a:pPr>
+            <a:r>
+              <a:rPr lang="pt-BR" sz="2000" dirty="0">
+                <a:solidFill>
+                  <a:schemeClr val="tx1"/>
+                </a:solidFill>
+                <a:latin typeface="Times New Roman" panose="02020603050405020304" pitchFamily="18" charset="0"/>
+                <a:cs typeface="Times New Roman" panose="02020603050405020304" pitchFamily="18" charset="0"/>
+              </a:rPr>
+              <a:t>Classes</a:t>
+            </a:r>
+          </a:p>
+          <a:p>
+            <a:pPr marL="457200" indent="-457200" algn="just">
+              <a:buFont typeface="+mj-lt"/>
+              <a:buAutoNum type="arabicPeriod" startAt="7"/>
+            </a:pPr>
+            <a:r>
+              <a:rPr lang="pt-BR" sz="2000" dirty="0">
+                <a:solidFill>
+                  <a:schemeClr val="tx1"/>
+                </a:solidFill>
+                <a:latin typeface="Times New Roman" panose="02020603050405020304" pitchFamily="18" charset="0"/>
+                <a:cs typeface="Times New Roman" panose="02020603050405020304" pitchFamily="18" charset="0"/>
+              </a:rPr>
+              <a:t>Módulos/Pacotes</a:t>
+            </a:r>
+          </a:p>
+          <a:p>
+            <a:pPr marL="457200" indent="-457200" algn="just">
+              <a:buFont typeface="+mj-lt"/>
+              <a:buAutoNum type="arabicPeriod" startAt="7"/>
+            </a:pPr>
+            <a:r>
+              <a:rPr lang="pt-BR" sz="2000" dirty="0">
+                <a:solidFill>
+                  <a:schemeClr val="tx1"/>
+                </a:solidFill>
+                <a:latin typeface="Times New Roman" panose="02020603050405020304" pitchFamily="18" charset="0"/>
+                <a:cs typeface="Times New Roman" panose="02020603050405020304" pitchFamily="18" charset="0"/>
+              </a:rPr>
+              <a:t>Ambientes Virtuais</a:t>
+            </a:r>
+          </a:p>
+          <a:p>
+            <a:pPr marL="457200" indent="-457200" algn="just">
+              <a:buFont typeface="+mj-lt"/>
+              <a:buAutoNum type="arabicPeriod" startAt="7"/>
+            </a:pPr>
+            <a:r>
+              <a:rPr lang="pt-BR" sz="2000" dirty="0">
+                <a:solidFill>
+                  <a:schemeClr val="tx1"/>
+                </a:solidFill>
+                <a:latin typeface="Times New Roman" panose="02020603050405020304" pitchFamily="18" charset="0"/>
+                <a:cs typeface="Times New Roman" panose="02020603050405020304" pitchFamily="18" charset="0"/>
+              </a:rPr>
+              <a:t>Erros e Exceções (</a:t>
+            </a:r>
+            <a:r>
+              <a:rPr lang="pt-BR" sz="2000" dirty="0" err="1">
+                <a:solidFill>
+                  <a:schemeClr val="tx1"/>
+                </a:solidFill>
+                <a:latin typeface="Times New Roman" panose="02020603050405020304" pitchFamily="18" charset="0"/>
+                <a:cs typeface="Times New Roman" panose="02020603050405020304" pitchFamily="18" charset="0"/>
+              </a:rPr>
+              <a:t>try</a:t>
+            </a:r>
+            <a:r>
+              <a:rPr lang="pt-BR" sz="2000" dirty="0">
+                <a:solidFill>
+                  <a:schemeClr val="tx1"/>
+                </a:solidFill>
+                <a:latin typeface="Times New Roman" panose="02020603050405020304" pitchFamily="18" charset="0"/>
+                <a:cs typeface="Times New Roman" panose="02020603050405020304" pitchFamily="18" charset="0"/>
+              </a:rPr>
+              <a:t>: ... </a:t>
+            </a:r>
+            <a:r>
+              <a:rPr lang="pt-BR" sz="2000" dirty="0" err="1">
+                <a:solidFill>
+                  <a:schemeClr val="tx1"/>
+                </a:solidFill>
+                <a:latin typeface="Times New Roman" panose="02020603050405020304" pitchFamily="18" charset="0"/>
+                <a:cs typeface="Times New Roman" panose="02020603050405020304" pitchFamily="18" charset="0"/>
+              </a:rPr>
+              <a:t>excpet</a:t>
+            </a:r>
+            <a:r>
+              <a:rPr lang="pt-BR" sz="2000">
+                <a:solidFill>
+                  <a:schemeClr val="tx1"/>
+                </a:solidFill>
+                <a:latin typeface="Times New Roman" panose="02020603050405020304" pitchFamily="18" charset="0"/>
+                <a:cs typeface="Times New Roman" panose="02020603050405020304" pitchFamily="18" charset="0"/>
+              </a:rPr>
+              <a:t>:  </a:t>
             </a:r>
             <a:endParaRPr lang="pt-BR" sz="2000" dirty="0">
+              <a:solidFill>
+                <a:schemeClr val="tx1"/>
+              </a:solidFill>
               <a:latin typeface="Times New Roman" panose="02020603050405020304" pitchFamily="18" charset="0"/>
               <a:cs typeface="Times New Roman" panose="02020603050405020304" pitchFamily="18" charset="0"/>
             </a:endParaRPr>
           </a:p>
           <a:p>
-            <a:pPr marL="0" indent="0" algn="just">
-              <a:buNone/>
-            </a:pPr>
-            <a:endParaRPr lang="pt-BR" sz="2000" dirty="0">
-              <a:latin typeface="Times New Roman" panose="02020603050405020304" pitchFamily="18" charset="0"/>
-              <a:cs typeface="Times New Roman" panose="02020603050405020304" pitchFamily="18" charset="0"/>
-            </a:endParaRPr>
-          </a:p>
-          <a:p>
-            <a:pPr marL="0" indent="0" algn="just">
-              <a:buNone/>
-            </a:pPr>
-            <a:endParaRPr lang="pt-BR" sz="2000" dirty="0">
-              <a:latin typeface="Times New Roman" panose="02020603050405020304" pitchFamily="18" charset="0"/>
-              <a:cs typeface="Times New Roman" panose="02020603050405020304" pitchFamily="18" charset="0"/>
-            </a:endParaRPr>
-          </a:p>
-          <a:p>
-            <a:pPr marL="0" indent="0" algn="just">
-              <a:buNone/>
+            <a:pPr marL="457200" indent="-457200" algn="just">
+              <a:buFont typeface="+mj-lt"/>
+              <a:buAutoNum type="arabicPeriod" startAt="7"/>
             </a:pPr>
             <a:r>
               <a:rPr lang="pt-BR" sz="2000" dirty="0">
-                <a:latin typeface="Times New Roman" panose="02020603050405020304" pitchFamily="18" charset="0"/>
-                <a:cs typeface="Times New Roman" panose="02020603050405020304" pitchFamily="18" charset="0"/>
-              </a:rPr>
-              <a:t>[2] </a:t>
-            </a:r>
-            <a:r>
-              <a:rPr lang="pt-BR" sz="2000" dirty="0">
-                <a:latin typeface="Times New Roman" panose="02020603050405020304" pitchFamily="18" charset="0"/>
-                <a:cs typeface="Times New Roman" panose="02020603050405020304" pitchFamily="18" charset="0"/>
-                <a:hlinkClick r:id="rId4"/>
-              </a:rPr>
-              <a:t>https://www.programiz.com/python-programming/examples/swap-variables</a:t>
-            </a:r>
-            <a:endParaRPr lang="pt-BR" sz="2000" dirty="0">
-              <a:latin typeface="Times New Roman" panose="02020603050405020304" pitchFamily="18" charset="0"/>
-              <a:cs typeface="Times New Roman" panose="02020603050405020304" pitchFamily="18" charset="0"/>
-            </a:endParaRPr>
-          </a:p>
-          <a:p>
-            <a:pPr marL="0" indent="0" algn="just">
-              <a:buNone/>
-            </a:pPr>
-            <a:endParaRPr lang="pt-BR" sz="2000" dirty="0">
-              <a:latin typeface="Times New Roman" panose="02020603050405020304" pitchFamily="18" charset="0"/>
-              <a:cs typeface="Times New Roman" panose="02020603050405020304" pitchFamily="18" charset="0"/>
-            </a:endParaRPr>
-          </a:p>
-          <a:p>
-            <a:pPr marL="0" indent="0" algn="just">
-              <a:buNone/>
-            </a:pPr>
-            <a:endParaRPr lang="pt-BR" sz="2000" dirty="0">
-              <a:latin typeface="Times New Roman" panose="02020603050405020304" pitchFamily="18" charset="0"/>
-              <a:cs typeface="Times New Roman" panose="02020603050405020304" pitchFamily="18" charset="0"/>
-            </a:endParaRPr>
-          </a:p>
-          <a:p>
-            <a:pPr marL="0" indent="0" algn="just">
-              <a:buNone/>
-            </a:pPr>
-            <a:endParaRPr lang="pt-BR" sz="2000" dirty="0">
-              <a:latin typeface="Times New Roman" panose="02020603050405020304" pitchFamily="18" charset="0"/>
-              <a:cs typeface="Times New Roman" panose="02020603050405020304" pitchFamily="18" charset="0"/>
-            </a:endParaRPr>
-          </a:p>
-          <a:p>
-            <a:pPr marL="0" indent="0" algn="just">
-              <a:buNone/>
-            </a:pPr>
-            <a:endParaRPr lang="pt-BR" sz="2000" dirty="0">
-              <a:latin typeface="Calibri" panose="020F0502020204030204" pitchFamily="34" charset="0"/>
+                <a:solidFill>
+                  <a:schemeClr val="tx1"/>
+                </a:solidFill>
+                <a:latin typeface="Times New Roman" panose="02020603050405020304" pitchFamily="18" charset="0"/>
+                <a:cs typeface="Times New Roman" panose="02020603050405020304" pitchFamily="18" charset="0"/>
+              </a:rPr>
+              <a:t>Conexão com Banco de Dados</a:t>
+            </a:r>
+          </a:p>
+          <a:p>
+            <a:pPr marL="0" marR="0" indent="0" algn="l" defTabSz="457200" rtl="0" fontAlgn="auto" latinLnBrk="0" hangingPunct="0">
+              <a:lnSpc>
+                <a:spcPct val="100000"/>
+              </a:lnSpc>
+              <a:spcBef>
+                <a:spcPts val="0"/>
+              </a:spcBef>
+              <a:spcAft>
+                <a:spcPts val="0"/>
+              </a:spcAft>
+              <a:buClrTx/>
+              <a:buSzTx/>
+              <a:buFontTx/>
+              <a:buNone/>
+            </a:pPr>
+            <a:endParaRPr kumimoji="0" lang="pt-BR" sz="2000" b="0" i="0" u="none" strike="noStrike" cap="none" spc="0" normalizeH="0" baseline="0" dirty="0">
+              <a:ln>
+                <a:noFill/>
+              </a:ln>
+              <a:solidFill>
+                <a:srgbClr val="000000"/>
+              </a:solidFill>
+              <a:effectLst/>
+              <a:uFillTx/>
+              <a:latin typeface="+mj-lt"/>
+              <a:ea typeface="+mj-ea"/>
+              <a:cs typeface="+mj-cs"/>
+              <a:sym typeface="Calibri"/>
             </a:endParaRPr>
           </a:p>
         </p:txBody>
@@ -9995,7 +11312,7 @@
     </p:spTree>
     <p:extLst>
       <p:ext uri="{BB962C8B-B14F-4D97-AF65-F5344CB8AC3E}">
-        <p14:creationId xmlns:p14="http://schemas.microsoft.com/office/powerpoint/2010/main" val="3680270425"/>
+        <p14:creationId xmlns:p14="http://schemas.microsoft.com/office/powerpoint/2010/main" val="1776885007"/>
       </p:ext>
     </p:extLst>
   </p:cSld>
@@ -10046,12 +11363,20 @@
           <a:lstStyle/>
           <a:p>
             <a:r>
+              <a:rPr lang="en-US" b="1" dirty="0">
+                <a:solidFill>
+                  <a:srgbClr val="0070C0"/>
+                </a:solidFill>
+              </a:rPr>
+              <a:t>Python – </a:t>
+            </a:r>
+            <a:r>
               <a:rPr lang="en-US" b="1" dirty="0" err="1">
                 <a:solidFill>
                   <a:srgbClr val="0070C0"/>
                 </a:solidFill>
               </a:rPr>
-              <a:t>Dinâmica</a:t>
+              <a:t>Mapa</a:t>
             </a:r>
             <a:r>
               <a:rPr lang="en-US" b="1" dirty="0">
@@ -10059,7 +11384,7 @@
                   <a:srgbClr val="0070C0"/>
                 </a:solidFill>
               </a:rPr>
-              <a:t>/</a:t>
+              <a:t> </a:t>
             </a:r>
             <a:r>
               <a:rPr lang="en-US" b="1" dirty="0" err="1">
@@ -10067,7 +11392,7 @@
                   <a:srgbClr val="0070C0"/>
                 </a:solidFill>
               </a:rPr>
-              <a:t>Atividades</a:t>
+              <a:t>Programação</a:t>
             </a:r>
             <a:endParaRPr lang="en-US" b="1" dirty="0">
               <a:solidFill>
@@ -10089,8 +11414,8 @@
         </p:nvSpPr>
         <p:spPr>
           <a:xfrm>
-            <a:off x="139472" y="1063230"/>
-            <a:ext cx="8865056" cy="3606305"/>
+            <a:off x="142865" y="1071360"/>
+            <a:ext cx="8865056" cy="3847839"/>
           </a:xfrm>
         </p:spPr>
         <p:txBody>
@@ -10099,53 +11424,368 @@
           </a:bodyPr>
           <a:lstStyle/>
           <a:p>
+            <a:pPr marL="0" indent="0" algn="ctr">
+              <a:buNone/>
+            </a:pPr>
+            <a:r>
+              <a:rPr lang="pt-BR" sz="2400" b="1" dirty="0">
+                <a:solidFill>
+                  <a:srgbClr val="FF0000"/>
+                </a:solidFill>
+                <a:latin typeface="Times New Roman" panose="02020603050405020304" pitchFamily="18" charset="0"/>
+                <a:cs typeface="Times New Roman" panose="02020603050405020304" pitchFamily="18" charset="0"/>
+              </a:rPr>
+              <a:t>Analista de Dados &amp; IA</a:t>
+            </a:r>
+          </a:p>
+          <a:p>
             <a:pPr algn="just">
-              <a:buFontTx/>
-              <a:buChar char="-"/>
-            </a:pPr>
-            <a:r>
-              <a:rPr lang="pt-BR" dirty="0">
-                <a:latin typeface="Times New Roman" panose="02020603050405020304" pitchFamily="18" charset="0"/>
-                <a:cs typeface="Times New Roman" panose="02020603050405020304" pitchFamily="18" charset="0"/>
-              </a:rPr>
-              <a:t>Exercícios de Fixação</a:t>
-            </a:r>
+              <a:buFont typeface="Wingdings" panose="05000000000000000000" pitchFamily="2" charset="2"/>
+              <a:buChar char="ü"/>
+            </a:pPr>
+            <a:r>
+              <a:rPr lang="pt-BR" sz="2000" dirty="0" err="1">
+                <a:solidFill>
+                  <a:schemeClr val="tx1"/>
+                </a:solidFill>
+                <a:latin typeface="Times New Roman" panose="02020603050405020304" pitchFamily="18" charset="0"/>
+                <a:cs typeface="Times New Roman" panose="02020603050405020304" pitchFamily="18" charset="0"/>
+              </a:rPr>
+              <a:t>Numpy</a:t>
+            </a:r>
+            <a:r>
+              <a:rPr lang="pt-BR" sz="2000" dirty="0">
+                <a:solidFill>
+                  <a:schemeClr val="tx1"/>
+                </a:solidFill>
+                <a:latin typeface="Times New Roman" panose="02020603050405020304" pitchFamily="18" charset="0"/>
+                <a:cs typeface="Times New Roman" panose="02020603050405020304" pitchFamily="18" charset="0"/>
+              </a:rPr>
+              <a:t>				Pandas</a:t>
+            </a:r>
+          </a:p>
+          <a:p>
+            <a:pPr algn="just">
+              <a:buFont typeface="Wingdings" panose="05000000000000000000" pitchFamily="2" charset="2"/>
+              <a:buChar char="ü"/>
+            </a:pPr>
+            <a:r>
+              <a:rPr lang="pt-BR" sz="2000" dirty="0" err="1">
+                <a:solidFill>
+                  <a:schemeClr val="tx1"/>
+                </a:solidFill>
+                <a:latin typeface="Times New Roman" panose="02020603050405020304" pitchFamily="18" charset="0"/>
+                <a:cs typeface="Times New Roman" panose="02020603050405020304" pitchFamily="18" charset="0"/>
+              </a:rPr>
+              <a:t>Matplotlib</a:t>
+            </a:r>
+            <a:r>
+              <a:rPr lang="pt-BR" sz="2000" dirty="0">
+                <a:solidFill>
+                  <a:schemeClr val="tx1"/>
+                </a:solidFill>
+                <a:latin typeface="Times New Roman" panose="02020603050405020304" pitchFamily="18" charset="0"/>
+                <a:cs typeface="Times New Roman" panose="02020603050405020304" pitchFamily="18" charset="0"/>
+              </a:rPr>
+              <a:t>			</a:t>
+            </a:r>
+            <a:r>
+              <a:rPr lang="pt-BR" sz="2000" dirty="0" err="1">
+                <a:solidFill>
+                  <a:schemeClr val="tx1"/>
+                </a:solidFill>
+                <a:latin typeface="Times New Roman" panose="02020603050405020304" pitchFamily="18" charset="0"/>
+                <a:cs typeface="Times New Roman" panose="02020603050405020304" pitchFamily="18" charset="0"/>
+              </a:rPr>
+              <a:t>Seabom</a:t>
+            </a:r>
+            <a:endParaRPr lang="pt-BR" sz="2000" dirty="0">
+              <a:solidFill>
+                <a:schemeClr val="tx1"/>
+              </a:solidFill>
+              <a:latin typeface="Times New Roman" panose="02020603050405020304" pitchFamily="18" charset="0"/>
+              <a:cs typeface="Times New Roman" panose="02020603050405020304" pitchFamily="18" charset="0"/>
+            </a:endParaRPr>
+          </a:p>
+          <a:p>
+            <a:pPr algn="just">
+              <a:buFont typeface="Wingdings" panose="05000000000000000000" pitchFamily="2" charset="2"/>
+              <a:buChar char="ü"/>
+            </a:pPr>
+            <a:r>
+              <a:rPr lang="pt-BR" sz="2000" dirty="0" err="1">
+                <a:solidFill>
+                  <a:schemeClr val="tx1"/>
+                </a:solidFill>
+                <a:latin typeface="Times New Roman" panose="02020603050405020304" pitchFamily="18" charset="0"/>
+                <a:cs typeface="Times New Roman" panose="02020603050405020304" pitchFamily="18" charset="0"/>
+              </a:rPr>
+              <a:t>Scikit</a:t>
+            </a:r>
+            <a:r>
+              <a:rPr lang="pt-BR" sz="2000" dirty="0">
+                <a:solidFill>
+                  <a:schemeClr val="tx1"/>
+                </a:solidFill>
+                <a:latin typeface="Times New Roman" panose="02020603050405020304" pitchFamily="18" charset="0"/>
+                <a:cs typeface="Times New Roman" panose="02020603050405020304" pitchFamily="18" charset="0"/>
+              </a:rPr>
+              <a:t> </a:t>
+            </a:r>
+            <a:r>
+              <a:rPr lang="pt-BR" sz="2000" dirty="0" err="1">
+                <a:solidFill>
+                  <a:schemeClr val="tx1"/>
+                </a:solidFill>
+                <a:latin typeface="Times New Roman" panose="02020603050405020304" pitchFamily="18" charset="0"/>
+                <a:cs typeface="Times New Roman" panose="02020603050405020304" pitchFamily="18" charset="0"/>
+              </a:rPr>
+              <a:t>Learn</a:t>
+            </a:r>
+            <a:r>
+              <a:rPr lang="pt-BR" sz="2000" dirty="0">
+                <a:solidFill>
+                  <a:schemeClr val="tx1"/>
+                </a:solidFill>
+                <a:latin typeface="Times New Roman" panose="02020603050405020304" pitchFamily="18" charset="0"/>
+                <a:cs typeface="Times New Roman" panose="02020603050405020304" pitchFamily="18" charset="0"/>
+              </a:rPr>
+              <a:t>			</a:t>
+            </a:r>
+            <a:r>
+              <a:rPr lang="pt-BR" sz="2000" dirty="0" err="1">
+                <a:solidFill>
+                  <a:schemeClr val="tx1"/>
+                </a:solidFill>
+                <a:latin typeface="Times New Roman" panose="02020603050405020304" pitchFamily="18" charset="0"/>
+                <a:cs typeface="Times New Roman" panose="02020603050405020304" pitchFamily="18" charset="0"/>
+              </a:rPr>
+              <a:t>TensorFlow</a:t>
+            </a:r>
+            <a:endParaRPr lang="pt-BR" sz="2000" dirty="0">
+              <a:solidFill>
+                <a:schemeClr val="tx1"/>
+              </a:solidFill>
+              <a:latin typeface="Times New Roman" panose="02020603050405020304" pitchFamily="18" charset="0"/>
+              <a:cs typeface="Times New Roman" panose="02020603050405020304" pitchFamily="18" charset="0"/>
+            </a:endParaRPr>
+          </a:p>
+          <a:p>
+            <a:pPr algn="just">
+              <a:buFont typeface="Wingdings" panose="05000000000000000000" pitchFamily="2" charset="2"/>
+              <a:buChar char="ü"/>
+            </a:pPr>
+            <a:r>
+              <a:rPr lang="pt-BR" sz="2000" dirty="0" err="1">
+                <a:solidFill>
+                  <a:schemeClr val="tx1"/>
+                </a:solidFill>
+                <a:latin typeface="Times New Roman" panose="02020603050405020304" pitchFamily="18" charset="0"/>
+                <a:cs typeface="Times New Roman" panose="02020603050405020304" pitchFamily="18" charset="0"/>
+              </a:rPr>
+              <a:t>Keras</a:t>
+            </a:r>
+            <a:r>
+              <a:rPr lang="pt-BR" sz="2000" dirty="0">
+                <a:solidFill>
+                  <a:schemeClr val="tx1"/>
+                </a:solidFill>
+                <a:latin typeface="Times New Roman" panose="02020603050405020304" pitchFamily="18" charset="0"/>
+                <a:cs typeface="Times New Roman" panose="02020603050405020304" pitchFamily="18" charset="0"/>
+              </a:rPr>
+              <a:t>				</a:t>
+            </a:r>
+            <a:r>
+              <a:rPr lang="pt-BR" sz="2000" dirty="0" err="1">
+                <a:solidFill>
+                  <a:schemeClr val="tx1"/>
+                </a:solidFill>
+                <a:latin typeface="Times New Roman" panose="02020603050405020304" pitchFamily="18" charset="0"/>
+                <a:cs typeface="Times New Roman" panose="02020603050405020304" pitchFamily="18" charset="0"/>
+              </a:rPr>
+              <a:t>PyTorch</a:t>
+            </a:r>
+            <a:endParaRPr lang="pt-BR" sz="2000" dirty="0">
+              <a:solidFill>
+                <a:schemeClr val="tx1"/>
+              </a:solidFill>
+              <a:latin typeface="Times New Roman" panose="02020603050405020304" pitchFamily="18" charset="0"/>
+              <a:cs typeface="Times New Roman" panose="02020603050405020304" pitchFamily="18" charset="0"/>
+            </a:endParaRPr>
+          </a:p>
+          <a:p>
+            <a:pPr algn="just">
+              <a:buFont typeface="Wingdings" panose="05000000000000000000" pitchFamily="2" charset="2"/>
+              <a:buChar char="ü"/>
+            </a:pPr>
+            <a:r>
+              <a:rPr lang="pt-BR" sz="2000" dirty="0" err="1">
+                <a:solidFill>
+                  <a:schemeClr val="tx1"/>
+                </a:solidFill>
+                <a:latin typeface="Times New Roman" panose="02020603050405020304" pitchFamily="18" charset="0"/>
+                <a:cs typeface="Times New Roman" panose="02020603050405020304" pitchFamily="18" charset="0"/>
+              </a:rPr>
+              <a:t>Theano</a:t>
+            </a:r>
+            <a:r>
+              <a:rPr lang="pt-BR" sz="2000" dirty="0">
+                <a:solidFill>
+                  <a:schemeClr val="tx1"/>
+                </a:solidFill>
+                <a:latin typeface="Times New Roman" panose="02020603050405020304" pitchFamily="18" charset="0"/>
+                <a:cs typeface="Times New Roman" panose="02020603050405020304" pitchFamily="18" charset="0"/>
+              </a:rPr>
+              <a:t>				</a:t>
+            </a:r>
+            <a:r>
+              <a:rPr lang="pt-BR" sz="2000" dirty="0" err="1">
+                <a:solidFill>
+                  <a:schemeClr val="tx1"/>
+                </a:solidFill>
+                <a:latin typeface="Times New Roman" panose="02020603050405020304" pitchFamily="18" charset="0"/>
+                <a:cs typeface="Times New Roman" panose="02020603050405020304" pitchFamily="18" charset="0"/>
+              </a:rPr>
+              <a:t>MxNet</a:t>
+            </a:r>
+            <a:endParaRPr lang="pt-BR" sz="2000" dirty="0">
+              <a:solidFill>
+                <a:schemeClr val="tx1"/>
+              </a:solidFill>
+              <a:latin typeface="Times New Roman" panose="02020603050405020304" pitchFamily="18" charset="0"/>
+              <a:cs typeface="Times New Roman" panose="02020603050405020304" pitchFamily="18" charset="0"/>
+            </a:endParaRPr>
+          </a:p>
+          <a:p>
+            <a:pPr algn="just">
+              <a:buFont typeface="Wingdings" panose="05000000000000000000" pitchFamily="2" charset="2"/>
+              <a:buChar char="ü"/>
+            </a:pPr>
+            <a:r>
+              <a:rPr lang="pt-BR" sz="2000" dirty="0" err="1">
+                <a:solidFill>
+                  <a:schemeClr val="tx1"/>
+                </a:solidFill>
+                <a:latin typeface="Times New Roman" panose="02020603050405020304" pitchFamily="18" charset="0"/>
+                <a:cs typeface="Times New Roman" panose="02020603050405020304" pitchFamily="18" charset="0"/>
+              </a:rPr>
+              <a:t>Caffe</a:t>
+            </a:r>
+            <a:r>
+              <a:rPr lang="pt-BR" sz="2000" dirty="0">
+                <a:solidFill>
+                  <a:schemeClr val="tx1"/>
+                </a:solidFill>
+                <a:latin typeface="Times New Roman" panose="02020603050405020304" pitchFamily="18" charset="0"/>
+                <a:cs typeface="Times New Roman" panose="02020603050405020304" pitchFamily="18" charset="0"/>
+              </a:rPr>
+              <a:t>					CNTK</a:t>
+            </a:r>
+          </a:p>
+          <a:p>
+            <a:pPr algn="just">
+              <a:buFont typeface="Wingdings" panose="05000000000000000000" pitchFamily="2" charset="2"/>
+              <a:buChar char="ü"/>
+            </a:pPr>
+            <a:r>
+              <a:rPr lang="pt-BR" sz="2000" dirty="0" err="1">
+                <a:solidFill>
+                  <a:schemeClr val="tx1"/>
+                </a:solidFill>
+                <a:latin typeface="Times New Roman" panose="02020603050405020304" pitchFamily="18" charset="0"/>
+                <a:cs typeface="Times New Roman" panose="02020603050405020304" pitchFamily="18" charset="0"/>
+              </a:rPr>
+              <a:t>Pillow</a:t>
+            </a:r>
+            <a:r>
+              <a:rPr lang="pt-BR" sz="2000" dirty="0">
+                <a:solidFill>
+                  <a:schemeClr val="tx1"/>
+                </a:solidFill>
+                <a:latin typeface="Times New Roman" panose="02020603050405020304" pitchFamily="18" charset="0"/>
+                <a:cs typeface="Times New Roman" panose="02020603050405020304" pitchFamily="18" charset="0"/>
+              </a:rPr>
+              <a:t>				</a:t>
+            </a:r>
+            <a:r>
+              <a:rPr lang="pt-BR" sz="2000" dirty="0" err="1">
+                <a:solidFill>
+                  <a:schemeClr val="tx1"/>
+                </a:solidFill>
+                <a:latin typeface="Times New Roman" panose="02020603050405020304" pitchFamily="18" charset="0"/>
+                <a:cs typeface="Times New Roman" panose="02020603050405020304" pitchFamily="18" charset="0"/>
+              </a:rPr>
+              <a:t>OpenCV</a:t>
+            </a:r>
+            <a:endParaRPr lang="pt-BR" sz="2000" dirty="0">
+              <a:solidFill>
+                <a:schemeClr val="tx1"/>
+              </a:solidFill>
+              <a:latin typeface="Times New Roman" panose="02020603050405020304" pitchFamily="18" charset="0"/>
+              <a:cs typeface="Times New Roman" panose="02020603050405020304" pitchFamily="18" charset="0"/>
+            </a:endParaRPr>
+          </a:p>
+          <a:p>
+            <a:pPr algn="just">
+              <a:buFont typeface="Wingdings" panose="05000000000000000000" pitchFamily="2" charset="2"/>
+              <a:buChar char="ü"/>
+            </a:pPr>
+            <a:r>
+              <a:rPr lang="pt-BR" sz="2000" dirty="0" err="1">
+                <a:solidFill>
+                  <a:schemeClr val="tx1"/>
+                </a:solidFill>
+                <a:latin typeface="Times New Roman" panose="02020603050405020304" pitchFamily="18" charset="0"/>
+                <a:cs typeface="Times New Roman" panose="02020603050405020304" pitchFamily="18" charset="0"/>
+              </a:rPr>
+              <a:t>ApacheSpark</a:t>
+            </a:r>
+            <a:r>
+              <a:rPr lang="pt-BR" sz="2000" dirty="0">
+                <a:solidFill>
+                  <a:schemeClr val="tx1"/>
+                </a:solidFill>
+                <a:latin typeface="Times New Roman" panose="02020603050405020304" pitchFamily="18" charset="0"/>
+                <a:cs typeface="Times New Roman" panose="02020603050405020304" pitchFamily="18" charset="0"/>
+              </a:rPr>
+              <a:t>			</a:t>
+            </a:r>
+            <a:r>
+              <a:rPr lang="pt-BR" sz="2000" dirty="0" err="1">
+                <a:solidFill>
+                  <a:schemeClr val="tx1"/>
+                </a:solidFill>
+                <a:latin typeface="Times New Roman" panose="02020603050405020304" pitchFamily="18" charset="0"/>
+                <a:cs typeface="Times New Roman" panose="02020603050405020304" pitchFamily="18" charset="0"/>
+              </a:rPr>
+              <a:t>Hadoop</a:t>
+            </a:r>
+            <a:endParaRPr lang="pt-BR" sz="2000" dirty="0">
+              <a:solidFill>
+                <a:schemeClr val="tx1"/>
+              </a:solidFill>
+              <a:latin typeface="Times New Roman" panose="02020603050405020304" pitchFamily="18" charset="0"/>
+              <a:cs typeface="Times New Roman" panose="02020603050405020304" pitchFamily="18" charset="0"/>
+            </a:endParaRPr>
           </a:p>
           <a:p>
             <a:pPr marL="0" indent="0" algn="just">
               <a:buNone/>
             </a:pPr>
-            <a:r>
-              <a:rPr lang="pt-BR" dirty="0">
-                <a:latin typeface="Times New Roman" panose="02020603050405020304" pitchFamily="18" charset="0"/>
-                <a:cs typeface="Times New Roman" panose="02020603050405020304" pitchFamily="18" charset="0"/>
-              </a:rPr>
-              <a:t>	</a:t>
-            </a:r>
-            <a:r>
-              <a:rPr lang="pt-BR" b="1" dirty="0">
-                <a:solidFill>
-                  <a:srgbClr val="FF0000"/>
-                </a:solidFill>
-                <a:latin typeface="Times New Roman" panose="02020603050405020304" pitchFamily="18" charset="0"/>
-                <a:cs typeface="Times New Roman" panose="02020603050405020304" pitchFamily="18" charset="0"/>
-              </a:rPr>
-              <a:t>Desafios em Sala de Aula</a:t>
-            </a:r>
-            <a:r>
-              <a:rPr lang="pt-BR" dirty="0">
-                <a:latin typeface="Times New Roman" panose="02020603050405020304" pitchFamily="18" charset="0"/>
-                <a:cs typeface="Times New Roman" panose="02020603050405020304" pitchFamily="18" charset="0"/>
-              </a:rPr>
-              <a:t>.</a:t>
-            </a:r>
+            <a:endParaRPr lang="pt-BR" sz="2000" dirty="0">
+              <a:solidFill>
+                <a:schemeClr val="tx1"/>
+              </a:solidFill>
+              <a:latin typeface="Times New Roman" panose="02020603050405020304" pitchFamily="18" charset="0"/>
+              <a:cs typeface="Times New Roman" panose="02020603050405020304" pitchFamily="18" charset="0"/>
+            </a:endParaRPr>
           </a:p>
         </p:txBody>
       </p:sp>
     </p:spTree>
     <p:extLst>
       <p:ext uri="{BB962C8B-B14F-4D97-AF65-F5344CB8AC3E}">
-        <p14:creationId xmlns:p14="http://schemas.microsoft.com/office/powerpoint/2010/main" val="2470652989"/>
+        <p14:creationId xmlns:p14="http://schemas.microsoft.com/office/powerpoint/2010/main" val="3445025676"/>
       </p:ext>
     </p:extLst>
   </p:cSld>
@@ -10196,12 +11836,20 @@
           <a:lstStyle/>
           <a:p>
             <a:r>
+              <a:rPr lang="en-US" b="1" dirty="0">
+                <a:solidFill>
+                  <a:srgbClr val="0070C0"/>
+                </a:solidFill>
+              </a:rPr>
+              <a:t>Python – </a:t>
+            </a:r>
+            <a:r>
               <a:rPr lang="en-US" b="1" dirty="0" err="1">
                 <a:solidFill>
                   <a:srgbClr val="0070C0"/>
                 </a:solidFill>
               </a:rPr>
-              <a:t>Referências</a:t>
+              <a:t>Mapa</a:t>
             </a:r>
             <a:r>
               <a:rPr lang="en-US" b="1" dirty="0">
@@ -10217,7 +11865,1589 @@
                   <a:srgbClr val="0070C0"/>
                 </a:solidFill>
               </a:rPr>
-              <a:t>Bibliográficas</a:t>
+              <a:t>Programação</a:t>
+            </a:r>
+            <a:endParaRPr lang="en-US" b="1" dirty="0">
+              <a:solidFill>
+                <a:srgbClr val="0070C0"/>
+              </a:solidFill>
+            </a:endParaRPr>
+          </a:p>
+        </p:txBody>
+      </p:sp>
+      <p:sp>
+        <p:nvSpPr>
+          <p:cNvPr id="8" name="Text Placeholder 2"/>
+          <p:cNvSpPr>
+            <a:spLocks noGrp="1"/>
+          </p:cNvSpPr>
+          <p:nvPr>
+            <p:ph type="body" sz="half" idx="1"/>
+          </p:nvPr>
+        </p:nvSpPr>
+        <p:spPr>
+          <a:xfrm>
+            <a:off x="142865" y="1071360"/>
+            <a:ext cx="8865056" cy="3847839"/>
+          </a:xfrm>
+        </p:spPr>
+        <p:txBody>
+          <a:bodyPr>
+            <a:noAutofit/>
+          </a:bodyPr>
+          <a:lstStyle/>
+          <a:p>
+            <a:pPr marL="0" indent="0" algn="ctr">
+              <a:buNone/>
+            </a:pPr>
+            <a:r>
+              <a:rPr lang="pt-BR" sz="2400" b="1" dirty="0">
+                <a:solidFill>
+                  <a:srgbClr val="FF0000"/>
+                </a:solidFill>
+                <a:latin typeface="Times New Roman" panose="02020603050405020304" pitchFamily="18" charset="0"/>
+                <a:cs typeface="Times New Roman" panose="02020603050405020304" pitchFamily="18" charset="0"/>
+              </a:rPr>
+              <a:t>Desenvolvimento</a:t>
+            </a:r>
+            <a:r>
+              <a:rPr lang="pt-BR" sz="2400" dirty="0">
+                <a:solidFill>
+                  <a:schemeClr val="tx1"/>
+                </a:solidFill>
+                <a:latin typeface="Times New Roman" panose="02020603050405020304" pitchFamily="18" charset="0"/>
+                <a:cs typeface="Times New Roman" panose="02020603050405020304" pitchFamily="18" charset="0"/>
+              </a:rPr>
+              <a:t> </a:t>
+            </a:r>
+            <a:r>
+              <a:rPr lang="pt-BR" sz="2400" b="1" dirty="0">
+                <a:solidFill>
+                  <a:srgbClr val="FF0000"/>
+                </a:solidFill>
+                <a:latin typeface="Times New Roman" panose="02020603050405020304" pitchFamily="18" charset="0"/>
+                <a:cs typeface="Times New Roman" panose="02020603050405020304" pitchFamily="18" charset="0"/>
+              </a:rPr>
+              <a:t>Web</a:t>
+            </a:r>
+          </a:p>
+          <a:p>
+            <a:pPr algn="just">
+              <a:buFont typeface="Wingdings" panose="05000000000000000000" pitchFamily="2" charset="2"/>
+              <a:buChar char="ü"/>
+            </a:pPr>
+            <a:r>
+              <a:rPr lang="pt-BR" sz="2000" dirty="0">
+                <a:solidFill>
+                  <a:schemeClr val="tx1"/>
+                </a:solidFill>
+                <a:latin typeface="Times New Roman" panose="02020603050405020304" pitchFamily="18" charset="0"/>
+                <a:cs typeface="Times New Roman" panose="02020603050405020304" pitchFamily="18" charset="0"/>
+              </a:rPr>
+              <a:t>Django</a:t>
+            </a:r>
+          </a:p>
+          <a:p>
+            <a:pPr algn="just">
+              <a:buFont typeface="Wingdings" panose="05000000000000000000" pitchFamily="2" charset="2"/>
+              <a:buChar char="ü"/>
+            </a:pPr>
+            <a:r>
+              <a:rPr lang="pt-BR" sz="2000" dirty="0" err="1">
+                <a:solidFill>
+                  <a:schemeClr val="tx1"/>
+                </a:solidFill>
+                <a:latin typeface="Times New Roman" panose="02020603050405020304" pitchFamily="18" charset="0"/>
+                <a:cs typeface="Times New Roman" panose="02020603050405020304" pitchFamily="18" charset="0"/>
+              </a:rPr>
+              <a:t>Flask</a:t>
+            </a:r>
+            <a:endParaRPr lang="pt-BR" sz="2000" dirty="0">
+              <a:solidFill>
+                <a:schemeClr val="tx1"/>
+              </a:solidFill>
+              <a:latin typeface="Times New Roman" panose="02020603050405020304" pitchFamily="18" charset="0"/>
+              <a:cs typeface="Times New Roman" panose="02020603050405020304" pitchFamily="18" charset="0"/>
+            </a:endParaRPr>
+          </a:p>
+          <a:p>
+            <a:pPr algn="just">
+              <a:buFont typeface="Wingdings" panose="05000000000000000000" pitchFamily="2" charset="2"/>
+              <a:buChar char="ü"/>
+            </a:pPr>
+            <a:r>
+              <a:rPr lang="pt-BR" sz="2000" dirty="0" err="1">
+                <a:solidFill>
+                  <a:schemeClr val="tx1"/>
+                </a:solidFill>
+                <a:latin typeface="Times New Roman" panose="02020603050405020304" pitchFamily="18" charset="0"/>
+                <a:cs typeface="Times New Roman" panose="02020603050405020304" pitchFamily="18" charset="0"/>
+              </a:rPr>
+              <a:t>Brython</a:t>
+            </a:r>
+            <a:endParaRPr lang="pt-BR" sz="2000" dirty="0">
+              <a:solidFill>
+                <a:schemeClr val="tx1"/>
+              </a:solidFill>
+              <a:latin typeface="Times New Roman" panose="02020603050405020304" pitchFamily="18" charset="0"/>
+              <a:cs typeface="Times New Roman" panose="02020603050405020304" pitchFamily="18" charset="0"/>
+            </a:endParaRPr>
+          </a:p>
+          <a:p>
+            <a:pPr algn="just">
+              <a:buFont typeface="Wingdings" panose="05000000000000000000" pitchFamily="2" charset="2"/>
+              <a:buChar char="ü"/>
+            </a:pPr>
+            <a:r>
+              <a:rPr lang="pt-BR" sz="2000" dirty="0" err="1">
+                <a:solidFill>
+                  <a:schemeClr val="tx1"/>
+                </a:solidFill>
+                <a:latin typeface="Times New Roman" panose="02020603050405020304" pitchFamily="18" charset="0"/>
+                <a:cs typeface="Times New Roman" panose="02020603050405020304" pitchFamily="18" charset="0"/>
+              </a:rPr>
+              <a:t>CherryPy</a:t>
+            </a:r>
+            <a:endParaRPr lang="pt-BR" sz="2000" dirty="0">
+              <a:solidFill>
+                <a:schemeClr val="tx1"/>
+              </a:solidFill>
+              <a:latin typeface="Times New Roman" panose="02020603050405020304" pitchFamily="18" charset="0"/>
+              <a:cs typeface="Times New Roman" panose="02020603050405020304" pitchFamily="18" charset="0"/>
+            </a:endParaRPr>
+          </a:p>
+          <a:p>
+            <a:pPr algn="just">
+              <a:buFont typeface="Wingdings" panose="05000000000000000000" pitchFamily="2" charset="2"/>
+              <a:buChar char="ü"/>
+            </a:pPr>
+            <a:r>
+              <a:rPr lang="pt-BR" sz="2000" dirty="0" err="1">
+                <a:solidFill>
+                  <a:schemeClr val="tx1"/>
+                </a:solidFill>
+                <a:latin typeface="Times New Roman" panose="02020603050405020304" pitchFamily="18" charset="0"/>
+                <a:cs typeface="Times New Roman" panose="02020603050405020304" pitchFamily="18" charset="0"/>
+              </a:rPr>
+              <a:t>Pyramid</a:t>
+            </a:r>
+            <a:endParaRPr lang="pt-BR" sz="2000" dirty="0">
+              <a:solidFill>
+                <a:schemeClr val="tx1"/>
+              </a:solidFill>
+              <a:latin typeface="Times New Roman" panose="02020603050405020304" pitchFamily="18" charset="0"/>
+              <a:cs typeface="Times New Roman" panose="02020603050405020304" pitchFamily="18" charset="0"/>
+            </a:endParaRPr>
+          </a:p>
+          <a:p>
+            <a:pPr algn="just">
+              <a:buFont typeface="Wingdings" panose="05000000000000000000" pitchFamily="2" charset="2"/>
+              <a:buChar char="ü"/>
+            </a:pPr>
+            <a:r>
+              <a:rPr lang="pt-BR" sz="2000" dirty="0" err="1">
+                <a:solidFill>
+                  <a:schemeClr val="tx1"/>
+                </a:solidFill>
+                <a:latin typeface="Times New Roman" panose="02020603050405020304" pitchFamily="18" charset="0"/>
+                <a:cs typeface="Times New Roman" panose="02020603050405020304" pitchFamily="18" charset="0"/>
+              </a:rPr>
+              <a:t>TurboGears</a:t>
+            </a:r>
+            <a:endParaRPr lang="pt-BR" sz="2000" dirty="0">
+              <a:solidFill>
+                <a:schemeClr val="tx1"/>
+              </a:solidFill>
+              <a:latin typeface="Times New Roman" panose="02020603050405020304" pitchFamily="18" charset="0"/>
+              <a:cs typeface="Times New Roman" panose="02020603050405020304" pitchFamily="18" charset="0"/>
+            </a:endParaRPr>
+          </a:p>
+          <a:p>
+            <a:pPr algn="just">
+              <a:buFont typeface="Wingdings" panose="05000000000000000000" pitchFamily="2" charset="2"/>
+              <a:buChar char="ü"/>
+            </a:pPr>
+            <a:r>
+              <a:rPr lang="pt-BR" sz="2000" dirty="0">
+                <a:solidFill>
+                  <a:schemeClr val="tx1"/>
+                </a:solidFill>
+                <a:latin typeface="Times New Roman" panose="02020603050405020304" pitchFamily="18" charset="0"/>
+                <a:cs typeface="Times New Roman" panose="02020603050405020304" pitchFamily="18" charset="0"/>
+              </a:rPr>
+              <a:t>Web2Py</a:t>
+            </a:r>
+          </a:p>
+          <a:p>
+            <a:pPr algn="just">
+              <a:buFont typeface="Wingdings" panose="05000000000000000000" pitchFamily="2" charset="2"/>
+              <a:buChar char="ü"/>
+            </a:pPr>
+            <a:r>
+              <a:rPr lang="pt-BR" sz="2000" dirty="0" err="1">
+                <a:solidFill>
+                  <a:schemeClr val="tx1"/>
+                </a:solidFill>
+                <a:latin typeface="Times New Roman" panose="02020603050405020304" pitchFamily="18" charset="0"/>
+                <a:cs typeface="Times New Roman" panose="02020603050405020304" pitchFamily="18" charset="0"/>
+              </a:rPr>
+              <a:t>Bottle</a:t>
+            </a:r>
+            <a:endParaRPr lang="pt-BR" sz="2000" dirty="0">
+              <a:solidFill>
+                <a:schemeClr val="tx1"/>
+              </a:solidFill>
+              <a:latin typeface="Times New Roman" panose="02020603050405020304" pitchFamily="18" charset="0"/>
+              <a:cs typeface="Times New Roman" panose="02020603050405020304" pitchFamily="18" charset="0"/>
+            </a:endParaRPr>
+          </a:p>
+          <a:p>
+            <a:pPr algn="just">
+              <a:buFont typeface="Wingdings" panose="05000000000000000000" pitchFamily="2" charset="2"/>
+              <a:buChar char="ü"/>
+            </a:pPr>
+            <a:r>
+              <a:rPr lang="pt-BR" sz="2000" dirty="0">
+                <a:solidFill>
+                  <a:schemeClr val="tx1"/>
+                </a:solidFill>
+                <a:latin typeface="Times New Roman" panose="02020603050405020304" pitchFamily="18" charset="0"/>
+                <a:cs typeface="Times New Roman" panose="02020603050405020304" pitchFamily="18" charset="0"/>
+              </a:rPr>
+              <a:t>Tornado			Falcon</a:t>
+            </a:r>
+          </a:p>
+        </p:txBody>
+      </p:sp>
+    </p:spTree>
+    <p:extLst>
+      <p:ext uri="{BB962C8B-B14F-4D97-AF65-F5344CB8AC3E}">
+        <p14:creationId xmlns:p14="http://schemas.microsoft.com/office/powerpoint/2010/main" val="2113130354"/>
+      </p:ext>
+    </p:extLst>
+  </p:cSld>
+  <p:clrMapOvr>
+    <a:masterClrMapping/>
+  </p:clrMapOvr>
+  <p:transition spd="med"/>
+</p:sld>
+</file>
+
+<file path=ppt/slides/slide28.xml><?xml version="1.0" encoding="utf-8"?>
+<p:sld xmlns:a="http://schemas.openxmlformats.org/drawingml/2006/main" xmlns:r="http://schemas.openxmlformats.org/officeDocument/2006/relationships" xmlns:p="http://schemas.openxmlformats.org/presentationml/2006/main">
+  <p:cSld>
+    <p:spTree>
+      <p:nvGrpSpPr>
+        <p:cNvPr id="1" name=""/>
+        <p:cNvGrpSpPr/>
+        <p:nvPr/>
+      </p:nvGrpSpPr>
+      <p:grpSpPr>
+        <a:xfrm>
+          <a:off x="0" y="0"/>
+          <a:ext cx="0" cy="0"/>
+          <a:chOff x="0" y="0"/>
+          <a:chExt cx="0" cy="0"/>
+        </a:xfrm>
+      </p:grpSpPr>
+      <p:sp>
+        <p:nvSpPr>
+          <p:cNvPr id="6" name="Title 1"/>
+          <p:cNvSpPr>
+            <a:spLocks noGrp="1"/>
+          </p:cNvSpPr>
+          <p:nvPr>
+            <p:ph type="title"/>
+          </p:nvPr>
+        </p:nvSpPr>
+        <p:spPr>
+          <a:xfrm>
+            <a:off x="457200" y="205980"/>
+            <a:ext cx="8229600" cy="857251"/>
+          </a:xfrm>
+        </p:spPr>
+        <p:txBody>
+          <a:bodyPr>
+            <a:normAutofit/>
+          </a:bodyPr>
+          <a:lstStyle/>
+          <a:p>
+            <a:r>
+              <a:rPr lang="en-US" b="1" dirty="0">
+                <a:solidFill>
+                  <a:srgbClr val="0070C0"/>
+                </a:solidFill>
+              </a:rPr>
+              <a:t>Python – </a:t>
+            </a:r>
+            <a:r>
+              <a:rPr lang="en-US" b="1" dirty="0" err="1">
+                <a:solidFill>
+                  <a:srgbClr val="0070C0"/>
+                </a:solidFill>
+              </a:rPr>
+              <a:t>Mapa</a:t>
+            </a:r>
+            <a:r>
+              <a:rPr lang="en-US" b="1" dirty="0">
+                <a:solidFill>
+                  <a:srgbClr val="0070C0"/>
+                </a:solidFill>
+              </a:rPr>
+              <a:t> </a:t>
+            </a:r>
+            <a:r>
+              <a:rPr lang="en-US" b="1" dirty="0" err="1">
+                <a:solidFill>
+                  <a:srgbClr val="0070C0"/>
+                </a:solidFill>
+              </a:rPr>
+              <a:t>Programação</a:t>
+            </a:r>
+            <a:endParaRPr lang="en-US" b="1" dirty="0">
+              <a:solidFill>
+                <a:srgbClr val="0070C0"/>
+              </a:solidFill>
+            </a:endParaRPr>
+          </a:p>
+        </p:txBody>
+      </p:sp>
+      <p:sp>
+        <p:nvSpPr>
+          <p:cNvPr id="8" name="Text Placeholder 2"/>
+          <p:cNvSpPr>
+            <a:spLocks noGrp="1"/>
+          </p:cNvSpPr>
+          <p:nvPr>
+            <p:ph type="body" sz="half" idx="1"/>
+          </p:nvPr>
+        </p:nvSpPr>
+        <p:spPr>
+          <a:xfrm>
+            <a:off x="142865" y="1071360"/>
+            <a:ext cx="8865056" cy="3847839"/>
+          </a:xfrm>
+        </p:spPr>
+        <p:txBody>
+          <a:bodyPr>
+            <a:noAutofit/>
+          </a:bodyPr>
+          <a:lstStyle/>
+          <a:p>
+            <a:pPr marL="0" indent="0" algn="ctr">
+              <a:buNone/>
+            </a:pPr>
+            <a:r>
+              <a:rPr lang="pt-BR" b="1" dirty="0">
+                <a:solidFill>
+                  <a:srgbClr val="FF0000"/>
+                </a:solidFill>
+                <a:latin typeface="Times New Roman" panose="02020603050405020304" pitchFamily="18" charset="0"/>
+                <a:cs typeface="Times New Roman" panose="02020603050405020304" pitchFamily="18" charset="0"/>
+              </a:rPr>
+              <a:t>Desenvolvimento</a:t>
+            </a:r>
+            <a:r>
+              <a:rPr lang="pt-BR" dirty="0">
+                <a:solidFill>
+                  <a:schemeClr val="tx1"/>
+                </a:solidFill>
+                <a:latin typeface="Times New Roman" panose="02020603050405020304" pitchFamily="18" charset="0"/>
+                <a:cs typeface="Times New Roman" panose="02020603050405020304" pitchFamily="18" charset="0"/>
+              </a:rPr>
+              <a:t> </a:t>
+            </a:r>
+            <a:r>
+              <a:rPr lang="pt-BR" b="1" dirty="0">
+                <a:solidFill>
+                  <a:srgbClr val="FF0000"/>
+                </a:solidFill>
+                <a:latin typeface="Times New Roman" panose="02020603050405020304" pitchFamily="18" charset="0"/>
+                <a:cs typeface="Times New Roman" panose="02020603050405020304" pitchFamily="18" charset="0"/>
+              </a:rPr>
+              <a:t>App</a:t>
+            </a:r>
+          </a:p>
+          <a:p>
+            <a:pPr algn="just">
+              <a:buFont typeface="Wingdings" panose="05000000000000000000" pitchFamily="2" charset="2"/>
+              <a:buChar char="ü"/>
+            </a:pPr>
+            <a:r>
+              <a:rPr lang="pt-BR" sz="2400" dirty="0" err="1">
+                <a:solidFill>
+                  <a:schemeClr val="tx1"/>
+                </a:solidFill>
+                <a:latin typeface="Times New Roman" panose="02020603050405020304" pitchFamily="18" charset="0"/>
+                <a:cs typeface="Times New Roman" panose="02020603050405020304" pitchFamily="18" charset="0"/>
+              </a:rPr>
+              <a:t>Kivy</a:t>
+            </a:r>
+            <a:endParaRPr lang="pt-BR" sz="2400" dirty="0">
+              <a:solidFill>
+                <a:schemeClr val="tx1"/>
+              </a:solidFill>
+              <a:latin typeface="Times New Roman" panose="02020603050405020304" pitchFamily="18" charset="0"/>
+              <a:cs typeface="Times New Roman" panose="02020603050405020304" pitchFamily="18" charset="0"/>
+            </a:endParaRPr>
+          </a:p>
+          <a:p>
+            <a:pPr algn="just">
+              <a:buFont typeface="Wingdings" panose="05000000000000000000" pitchFamily="2" charset="2"/>
+              <a:buChar char="ü"/>
+            </a:pPr>
+            <a:r>
+              <a:rPr lang="pt-BR" sz="2400" dirty="0" err="1">
+                <a:solidFill>
+                  <a:schemeClr val="tx1"/>
+                </a:solidFill>
+                <a:latin typeface="Times New Roman" panose="02020603050405020304" pitchFamily="18" charset="0"/>
+                <a:cs typeface="Times New Roman" panose="02020603050405020304" pitchFamily="18" charset="0"/>
+              </a:rPr>
+              <a:t>BeeWare</a:t>
+            </a:r>
+            <a:endParaRPr lang="pt-BR" sz="2400" dirty="0">
+              <a:solidFill>
+                <a:schemeClr val="tx1"/>
+              </a:solidFill>
+              <a:latin typeface="Times New Roman" panose="02020603050405020304" pitchFamily="18" charset="0"/>
+              <a:cs typeface="Times New Roman" panose="02020603050405020304" pitchFamily="18" charset="0"/>
+            </a:endParaRPr>
+          </a:p>
+          <a:p>
+            <a:pPr algn="just">
+              <a:buFont typeface="Wingdings" panose="05000000000000000000" pitchFamily="2" charset="2"/>
+              <a:buChar char="ü"/>
+            </a:pPr>
+            <a:r>
+              <a:rPr lang="pt-BR" sz="2400" dirty="0">
+                <a:solidFill>
+                  <a:schemeClr val="tx1"/>
+                </a:solidFill>
+                <a:latin typeface="Times New Roman" panose="02020603050405020304" pitchFamily="18" charset="0"/>
+                <a:cs typeface="Times New Roman" panose="02020603050405020304" pitchFamily="18" charset="0"/>
+              </a:rPr>
+              <a:t>Python-for-Android</a:t>
+            </a:r>
+          </a:p>
+          <a:p>
+            <a:pPr algn="just">
+              <a:buFont typeface="Wingdings" panose="05000000000000000000" pitchFamily="2" charset="2"/>
+              <a:buChar char="ü"/>
+            </a:pPr>
+            <a:r>
+              <a:rPr lang="pt-BR" sz="2400" dirty="0" err="1">
+                <a:solidFill>
+                  <a:schemeClr val="tx1"/>
+                </a:solidFill>
+                <a:latin typeface="Times New Roman" panose="02020603050405020304" pitchFamily="18" charset="0"/>
+                <a:cs typeface="Times New Roman" panose="02020603050405020304" pitchFamily="18" charset="0"/>
+              </a:rPr>
+              <a:t>PyJNius</a:t>
+            </a:r>
+            <a:endParaRPr lang="pt-BR" sz="2400" dirty="0">
+              <a:solidFill>
+                <a:schemeClr val="tx1"/>
+              </a:solidFill>
+              <a:latin typeface="Times New Roman" panose="02020603050405020304" pitchFamily="18" charset="0"/>
+              <a:cs typeface="Times New Roman" panose="02020603050405020304" pitchFamily="18" charset="0"/>
+            </a:endParaRPr>
+          </a:p>
+          <a:p>
+            <a:pPr marL="0" indent="0" algn="just">
+              <a:buNone/>
+            </a:pPr>
+            <a:endParaRPr lang="pt-BR" dirty="0">
+              <a:solidFill>
+                <a:schemeClr val="tx1"/>
+              </a:solidFill>
+              <a:latin typeface="Times New Roman" panose="02020603050405020304" pitchFamily="18" charset="0"/>
+              <a:cs typeface="Times New Roman" panose="02020603050405020304" pitchFamily="18" charset="0"/>
+            </a:endParaRPr>
+          </a:p>
+        </p:txBody>
+      </p:sp>
+    </p:spTree>
+    <p:extLst>
+      <p:ext uri="{BB962C8B-B14F-4D97-AF65-F5344CB8AC3E}">
+        <p14:creationId xmlns:p14="http://schemas.microsoft.com/office/powerpoint/2010/main" val="570378106"/>
+      </p:ext>
+    </p:extLst>
+  </p:cSld>
+  <p:clrMapOvr>
+    <a:masterClrMapping/>
+  </p:clrMapOvr>
+  <p:transition spd="med"/>
+</p:sld>
+</file>
+
+<file path=ppt/slides/slide29.xml><?xml version="1.0" encoding="utf-8"?>
+<p:sld xmlns:a="http://schemas.openxmlformats.org/drawingml/2006/main" xmlns:r="http://schemas.openxmlformats.org/officeDocument/2006/relationships" xmlns:p="http://schemas.openxmlformats.org/presentationml/2006/main">
+  <p:cSld>
+    <p:spTree>
+      <p:nvGrpSpPr>
+        <p:cNvPr id="1" name=""/>
+        <p:cNvGrpSpPr/>
+        <p:nvPr/>
+      </p:nvGrpSpPr>
+      <p:grpSpPr>
+        <a:xfrm>
+          <a:off x="0" y="0"/>
+          <a:ext cx="0" cy="0"/>
+          <a:chOff x="0" y="0"/>
+          <a:chExt cx="0" cy="0"/>
+        </a:xfrm>
+      </p:grpSpPr>
+      <p:sp>
+        <p:nvSpPr>
+          <p:cNvPr id="6" name="Title 1"/>
+          <p:cNvSpPr>
+            <a:spLocks noGrp="1"/>
+          </p:cNvSpPr>
+          <p:nvPr>
+            <p:ph type="title"/>
+          </p:nvPr>
+        </p:nvSpPr>
+        <p:spPr>
+          <a:xfrm>
+            <a:off x="457200" y="205980"/>
+            <a:ext cx="8229600" cy="857251"/>
+          </a:xfrm>
+        </p:spPr>
+        <p:txBody>
+          <a:bodyPr>
+            <a:normAutofit/>
+          </a:bodyPr>
+          <a:lstStyle/>
+          <a:p>
+            <a:r>
+              <a:rPr lang="en-US" b="1" dirty="0">
+                <a:solidFill>
+                  <a:srgbClr val="0070C0"/>
+                </a:solidFill>
+              </a:rPr>
+              <a:t>Python – </a:t>
+            </a:r>
+            <a:r>
+              <a:rPr lang="en-US" b="1" dirty="0" err="1">
+                <a:solidFill>
+                  <a:srgbClr val="0070C0"/>
+                </a:solidFill>
+              </a:rPr>
+              <a:t>Mapa</a:t>
+            </a:r>
+            <a:r>
+              <a:rPr lang="en-US" b="1" dirty="0">
+                <a:solidFill>
+                  <a:srgbClr val="0070C0"/>
+                </a:solidFill>
+              </a:rPr>
+              <a:t> </a:t>
+            </a:r>
+            <a:r>
+              <a:rPr lang="en-US" b="1" dirty="0" err="1">
+                <a:solidFill>
+                  <a:srgbClr val="0070C0"/>
+                </a:solidFill>
+              </a:rPr>
+              <a:t>Programação</a:t>
+            </a:r>
+            <a:endParaRPr lang="en-US" b="1" dirty="0">
+              <a:solidFill>
+                <a:srgbClr val="0070C0"/>
+              </a:solidFill>
+            </a:endParaRPr>
+          </a:p>
+        </p:txBody>
+      </p:sp>
+      <p:sp>
+        <p:nvSpPr>
+          <p:cNvPr id="8" name="Text Placeholder 2"/>
+          <p:cNvSpPr>
+            <a:spLocks noGrp="1"/>
+          </p:cNvSpPr>
+          <p:nvPr>
+            <p:ph type="body" sz="half" idx="1"/>
+          </p:nvPr>
+        </p:nvSpPr>
+        <p:spPr>
+          <a:xfrm>
+            <a:off x="142865" y="1071360"/>
+            <a:ext cx="8865056" cy="3847839"/>
+          </a:xfrm>
+        </p:spPr>
+        <p:txBody>
+          <a:bodyPr>
+            <a:noAutofit/>
+          </a:bodyPr>
+          <a:lstStyle/>
+          <a:p>
+            <a:pPr marL="0" indent="0" algn="ctr">
+              <a:buNone/>
+            </a:pPr>
+            <a:r>
+              <a:rPr lang="pt-BR" b="1" dirty="0">
+                <a:solidFill>
+                  <a:srgbClr val="FF0000"/>
+                </a:solidFill>
+                <a:latin typeface="Times New Roman" panose="02020603050405020304" pitchFamily="18" charset="0"/>
+                <a:cs typeface="Times New Roman" panose="02020603050405020304" pitchFamily="18" charset="0"/>
+              </a:rPr>
+              <a:t>Desenvolvimento</a:t>
+            </a:r>
+            <a:r>
+              <a:rPr lang="pt-BR" dirty="0">
+                <a:solidFill>
+                  <a:schemeClr val="tx1"/>
+                </a:solidFill>
+                <a:latin typeface="Times New Roman" panose="02020603050405020304" pitchFamily="18" charset="0"/>
+                <a:cs typeface="Times New Roman" panose="02020603050405020304" pitchFamily="18" charset="0"/>
+              </a:rPr>
+              <a:t> </a:t>
+            </a:r>
+            <a:r>
+              <a:rPr lang="pt-BR" b="1" dirty="0">
+                <a:solidFill>
+                  <a:srgbClr val="FF0000"/>
+                </a:solidFill>
+                <a:latin typeface="Times New Roman" panose="02020603050405020304" pitchFamily="18" charset="0"/>
+                <a:cs typeface="Times New Roman" panose="02020603050405020304" pitchFamily="18" charset="0"/>
+              </a:rPr>
+              <a:t>Games</a:t>
+            </a:r>
+          </a:p>
+          <a:p>
+            <a:pPr algn="just">
+              <a:buFont typeface="Wingdings" panose="05000000000000000000" pitchFamily="2" charset="2"/>
+              <a:buChar char="ü"/>
+            </a:pPr>
+            <a:r>
+              <a:rPr lang="pt-BR" sz="2400" dirty="0" err="1">
+                <a:solidFill>
+                  <a:schemeClr val="tx1"/>
+                </a:solidFill>
+                <a:latin typeface="Times New Roman" panose="02020603050405020304" pitchFamily="18" charset="0"/>
+                <a:cs typeface="Times New Roman" panose="02020603050405020304" pitchFamily="18" charset="0"/>
+              </a:rPr>
+              <a:t>Pygame</a:t>
+            </a:r>
+            <a:endParaRPr lang="pt-BR" sz="2400" dirty="0">
+              <a:solidFill>
+                <a:schemeClr val="tx1"/>
+              </a:solidFill>
+              <a:latin typeface="Times New Roman" panose="02020603050405020304" pitchFamily="18" charset="0"/>
+              <a:cs typeface="Times New Roman" panose="02020603050405020304" pitchFamily="18" charset="0"/>
+            </a:endParaRPr>
+          </a:p>
+          <a:p>
+            <a:pPr algn="just">
+              <a:buFont typeface="Wingdings" panose="05000000000000000000" pitchFamily="2" charset="2"/>
+              <a:buChar char="ü"/>
+            </a:pPr>
+            <a:r>
+              <a:rPr lang="pt-BR" sz="2400" dirty="0" err="1">
+                <a:solidFill>
+                  <a:schemeClr val="tx1"/>
+                </a:solidFill>
+                <a:latin typeface="Times New Roman" panose="02020603050405020304" pitchFamily="18" charset="0"/>
+                <a:cs typeface="Times New Roman" panose="02020603050405020304" pitchFamily="18" charset="0"/>
+              </a:rPr>
+              <a:t>Pykyra</a:t>
+            </a:r>
+            <a:endParaRPr lang="pt-BR" sz="2400" dirty="0">
+              <a:solidFill>
+                <a:schemeClr val="tx1"/>
+              </a:solidFill>
+              <a:latin typeface="Times New Roman" panose="02020603050405020304" pitchFamily="18" charset="0"/>
+              <a:cs typeface="Times New Roman" panose="02020603050405020304" pitchFamily="18" charset="0"/>
+            </a:endParaRPr>
+          </a:p>
+          <a:p>
+            <a:pPr algn="just">
+              <a:buFont typeface="Wingdings" panose="05000000000000000000" pitchFamily="2" charset="2"/>
+              <a:buChar char="ü"/>
+            </a:pPr>
+            <a:r>
+              <a:rPr lang="pt-BR" sz="2400" dirty="0" err="1">
+                <a:solidFill>
+                  <a:schemeClr val="tx1"/>
+                </a:solidFill>
+                <a:latin typeface="Times New Roman" panose="02020603050405020304" pitchFamily="18" charset="0"/>
+                <a:cs typeface="Times New Roman" panose="02020603050405020304" pitchFamily="18" charset="0"/>
+              </a:rPr>
+              <a:t>Pyglet</a:t>
+            </a:r>
+            <a:endParaRPr lang="pt-BR" sz="2400" dirty="0">
+              <a:solidFill>
+                <a:schemeClr val="tx1"/>
+              </a:solidFill>
+              <a:latin typeface="Times New Roman" panose="02020603050405020304" pitchFamily="18" charset="0"/>
+              <a:cs typeface="Times New Roman" panose="02020603050405020304" pitchFamily="18" charset="0"/>
+            </a:endParaRPr>
+          </a:p>
+          <a:p>
+            <a:pPr algn="just">
+              <a:buFont typeface="Wingdings" panose="05000000000000000000" pitchFamily="2" charset="2"/>
+              <a:buChar char="ü"/>
+            </a:pPr>
+            <a:r>
+              <a:rPr lang="pt-BR" sz="2400" dirty="0">
+                <a:solidFill>
+                  <a:schemeClr val="tx1"/>
+                </a:solidFill>
+                <a:latin typeface="Times New Roman" panose="02020603050405020304" pitchFamily="18" charset="0"/>
+                <a:cs typeface="Times New Roman" panose="02020603050405020304" pitchFamily="18" charset="0"/>
+              </a:rPr>
+              <a:t>Arcade</a:t>
+            </a:r>
+          </a:p>
+          <a:p>
+            <a:pPr algn="just">
+              <a:buFont typeface="Wingdings" panose="05000000000000000000" pitchFamily="2" charset="2"/>
+              <a:buChar char="ü"/>
+            </a:pPr>
+            <a:r>
+              <a:rPr lang="pt-BR" sz="2400" dirty="0" err="1">
+                <a:solidFill>
+                  <a:schemeClr val="tx1"/>
+                </a:solidFill>
+                <a:latin typeface="Times New Roman" panose="02020603050405020304" pitchFamily="18" charset="0"/>
+                <a:cs typeface="Times New Roman" panose="02020603050405020304" pitchFamily="18" charset="0"/>
+              </a:rPr>
+              <a:t>PyOpenGL</a:t>
+            </a:r>
+            <a:endParaRPr lang="pt-BR" sz="2400" dirty="0">
+              <a:solidFill>
+                <a:schemeClr val="tx1"/>
+              </a:solidFill>
+              <a:latin typeface="Times New Roman" panose="02020603050405020304" pitchFamily="18" charset="0"/>
+              <a:cs typeface="Times New Roman" panose="02020603050405020304" pitchFamily="18" charset="0"/>
+            </a:endParaRPr>
+          </a:p>
+          <a:p>
+            <a:pPr algn="just">
+              <a:buFont typeface="Wingdings" panose="05000000000000000000" pitchFamily="2" charset="2"/>
+              <a:buChar char="ü"/>
+            </a:pPr>
+            <a:r>
+              <a:rPr lang="pt-BR" sz="2400" dirty="0">
+                <a:solidFill>
+                  <a:schemeClr val="tx1"/>
+                </a:solidFill>
+                <a:latin typeface="Times New Roman" panose="02020603050405020304" pitchFamily="18" charset="0"/>
+                <a:cs typeface="Times New Roman" panose="02020603050405020304" pitchFamily="18" charset="0"/>
+              </a:rPr>
+              <a:t>Panda3D</a:t>
+            </a:r>
+          </a:p>
+          <a:p>
+            <a:pPr algn="just">
+              <a:buFont typeface="Wingdings" panose="05000000000000000000" pitchFamily="2" charset="2"/>
+              <a:buChar char="ü"/>
+            </a:pPr>
+            <a:r>
+              <a:rPr lang="pt-BR" sz="2400" dirty="0" err="1">
+                <a:solidFill>
+                  <a:schemeClr val="tx1"/>
+                </a:solidFill>
+                <a:latin typeface="Times New Roman" panose="02020603050405020304" pitchFamily="18" charset="0"/>
+                <a:cs typeface="Times New Roman" panose="02020603050405020304" pitchFamily="18" charset="0"/>
+              </a:rPr>
+              <a:t>Ren’Py</a:t>
+            </a:r>
+            <a:endParaRPr lang="pt-BR" sz="2400" dirty="0">
+              <a:solidFill>
+                <a:schemeClr val="tx1"/>
+              </a:solidFill>
+              <a:latin typeface="Times New Roman" panose="02020603050405020304" pitchFamily="18" charset="0"/>
+              <a:cs typeface="Times New Roman" panose="02020603050405020304" pitchFamily="18" charset="0"/>
+            </a:endParaRPr>
+          </a:p>
+          <a:p>
+            <a:pPr algn="just">
+              <a:buFont typeface="Wingdings" panose="05000000000000000000" pitchFamily="2" charset="2"/>
+              <a:buChar char="ü"/>
+            </a:pPr>
+            <a:r>
+              <a:rPr lang="pt-BR" sz="2400" dirty="0">
+                <a:solidFill>
+                  <a:schemeClr val="tx1"/>
+                </a:solidFill>
+                <a:latin typeface="Times New Roman" panose="02020603050405020304" pitchFamily="18" charset="0"/>
+                <a:cs typeface="Times New Roman" panose="02020603050405020304" pitchFamily="18" charset="0"/>
+              </a:rPr>
+              <a:t>Cocos2d</a:t>
+            </a:r>
+          </a:p>
+          <a:p>
+            <a:pPr marL="0" indent="0" algn="just">
+              <a:buNone/>
+            </a:pPr>
+            <a:endParaRPr lang="pt-BR" dirty="0">
+              <a:solidFill>
+                <a:schemeClr val="tx1"/>
+              </a:solidFill>
+              <a:latin typeface="Times New Roman" panose="02020603050405020304" pitchFamily="18" charset="0"/>
+              <a:cs typeface="Times New Roman" panose="02020603050405020304" pitchFamily="18" charset="0"/>
+            </a:endParaRPr>
+          </a:p>
+        </p:txBody>
+      </p:sp>
+    </p:spTree>
+    <p:extLst>
+      <p:ext uri="{BB962C8B-B14F-4D97-AF65-F5344CB8AC3E}">
+        <p14:creationId xmlns:p14="http://schemas.microsoft.com/office/powerpoint/2010/main" val="908969782"/>
+      </p:ext>
+    </p:extLst>
+  </p:cSld>
+  <p:clrMapOvr>
+    <a:masterClrMapping/>
+  </p:clrMapOvr>
+  <p:transition spd="med"/>
+</p:sld>
+</file>
+
+<file path=ppt/slides/slide3.xml><?xml version="1.0" encoding="utf-8"?>
+<p:sld xmlns:a="http://schemas.openxmlformats.org/drawingml/2006/main" xmlns:r="http://schemas.openxmlformats.org/officeDocument/2006/relationships" xmlns:p="http://schemas.openxmlformats.org/presentationml/2006/main">
+  <p:cSld>
+    <p:spTree>
+      <p:nvGrpSpPr>
+        <p:cNvPr id="1" name=""/>
+        <p:cNvGrpSpPr/>
+        <p:nvPr/>
+      </p:nvGrpSpPr>
+      <p:grpSpPr>
+        <a:xfrm>
+          <a:off x="0" y="0"/>
+          <a:ext cx="0" cy="0"/>
+          <a:chOff x="0" y="0"/>
+          <a:chExt cx="0" cy="0"/>
+        </a:xfrm>
+      </p:grpSpPr>
+      <p:sp>
+        <p:nvSpPr>
+          <p:cNvPr id="6" name="Title 1"/>
+          <p:cNvSpPr>
+            <a:spLocks noGrp="1"/>
+          </p:cNvSpPr>
+          <p:nvPr>
+            <p:ph type="title"/>
+          </p:nvPr>
+        </p:nvSpPr>
+        <p:spPr>
+          <a:xfrm>
+            <a:off x="457200" y="205980"/>
+            <a:ext cx="8229600" cy="857251"/>
+          </a:xfrm>
+        </p:spPr>
+        <p:txBody>
+          <a:bodyPr/>
+          <a:lstStyle/>
+          <a:p>
+            <a:r>
+              <a:rPr lang="en-US" b="1" dirty="0">
+                <a:solidFill>
+                  <a:srgbClr val="0070C0"/>
+                </a:solidFill>
+              </a:rPr>
+              <a:t>Python – </a:t>
+            </a:r>
+            <a:r>
+              <a:rPr lang="en-US" b="1" dirty="0" err="1">
+                <a:solidFill>
+                  <a:srgbClr val="0070C0"/>
+                </a:solidFill>
+              </a:rPr>
+              <a:t>Variáveis</a:t>
+            </a:r>
+            <a:r>
+              <a:rPr lang="en-US" b="1" dirty="0">
+                <a:solidFill>
+                  <a:srgbClr val="0070C0"/>
+                </a:solidFill>
+              </a:rPr>
+              <a:t> </a:t>
+            </a:r>
+            <a:r>
+              <a:rPr lang="en-US" b="1" dirty="0" err="1">
+                <a:solidFill>
+                  <a:srgbClr val="0070C0"/>
+                </a:solidFill>
+              </a:rPr>
+              <a:t>Conceito</a:t>
+            </a:r>
+            <a:endParaRPr lang="en-US" b="1" dirty="0">
+              <a:solidFill>
+                <a:srgbClr val="0070C0"/>
+              </a:solidFill>
+            </a:endParaRPr>
+          </a:p>
+        </p:txBody>
+      </p:sp>
+      <p:sp>
+        <p:nvSpPr>
+          <p:cNvPr id="8" name="Text Placeholder 2"/>
+          <p:cNvSpPr>
+            <a:spLocks noGrp="1"/>
+          </p:cNvSpPr>
+          <p:nvPr>
+            <p:ph type="body" sz="half" idx="1"/>
+          </p:nvPr>
+        </p:nvSpPr>
+        <p:spPr>
+          <a:xfrm>
+            <a:off x="142865" y="1200150"/>
+            <a:ext cx="8865056" cy="3445001"/>
+          </a:xfrm>
+        </p:spPr>
+        <p:txBody>
+          <a:bodyPr>
+            <a:noAutofit/>
+          </a:bodyPr>
+          <a:lstStyle/>
+          <a:p>
+            <a:pPr marL="0" indent="0" algn="just">
+              <a:buNone/>
+            </a:pPr>
+            <a:r>
+              <a:rPr lang="pt-BR" b="1" dirty="0">
+                <a:solidFill>
+                  <a:srgbClr val="FF0000"/>
+                </a:solidFill>
+                <a:latin typeface="Times New Roman" panose="02020603050405020304" pitchFamily="18" charset="0"/>
+                <a:cs typeface="Times New Roman" panose="02020603050405020304" pitchFamily="18" charset="0"/>
+              </a:rPr>
+              <a:t>Identificadores / Variáveis </a:t>
+            </a:r>
+            <a:r>
+              <a:rPr lang="pt-BR" dirty="0">
+                <a:solidFill>
+                  <a:schemeClr val="tx1"/>
+                </a:solidFill>
+                <a:latin typeface="Times New Roman" panose="02020603050405020304" pitchFamily="18" charset="0"/>
+                <a:cs typeface="Times New Roman" panose="02020603050405020304" pitchFamily="18" charset="0"/>
+              </a:rPr>
+              <a:t>são um dos recursos mais básicos das linguagens de programação. </a:t>
+            </a:r>
+          </a:p>
+          <a:p>
+            <a:pPr marL="0" indent="0" algn="just">
+              <a:buNone/>
+            </a:pPr>
+            <a:endParaRPr lang="pt-BR" dirty="0">
+              <a:solidFill>
+                <a:schemeClr val="tx1"/>
+              </a:solidFill>
+              <a:latin typeface="Times New Roman" panose="02020603050405020304" pitchFamily="18" charset="0"/>
+              <a:cs typeface="Times New Roman" panose="02020603050405020304" pitchFamily="18" charset="0"/>
+            </a:endParaRPr>
+          </a:p>
+          <a:p>
+            <a:pPr marL="0" indent="0" algn="just">
+              <a:buNone/>
+            </a:pPr>
+            <a:r>
+              <a:rPr lang="pt-BR" dirty="0">
+                <a:solidFill>
+                  <a:schemeClr val="tx1"/>
+                </a:solidFill>
+                <a:latin typeface="Times New Roman" panose="02020603050405020304" pitchFamily="18" charset="0"/>
+                <a:cs typeface="Times New Roman" panose="02020603050405020304" pitchFamily="18" charset="0"/>
+              </a:rPr>
+              <a:t>Utilizadas para armazenar valores em memória, elas nos permitem gravar e ler esses dados com facilidade a partir de um nome definido pelo desenvolvedor.</a:t>
+            </a:r>
+          </a:p>
+        </p:txBody>
+      </p:sp>
+    </p:spTree>
+    <p:extLst>
+      <p:ext uri="{BB962C8B-B14F-4D97-AF65-F5344CB8AC3E}">
+        <p14:creationId xmlns:p14="http://schemas.microsoft.com/office/powerpoint/2010/main" val="1362980025"/>
+      </p:ext>
+    </p:extLst>
+  </p:cSld>
+  <p:clrMapOvr>
+    <a:masterClrMapping/>
+  </p:clrMapOvr>
+  <p:transition spd="med"/>
+</p:sld>
+</file>
+
+<file path=ppt/slides/slide30.xml><?xml version="1.0" encoding="utf-8"?>
+<p:sld xmlns:a="http://schemas.openxmlformats.org/drawingml/2006/main" xmlns:r="http://schemas.openxmlformats.org/officeDocument/2006/relationships" xmlns:p="http://schemas.openxmlformats.org/presentationml/2006/main">
+  <p:cSld>
+    <p:spTree>
+      <p:nvGrpSpPr>
+        <p:cNvPr id="1" name=""/>
+        <p:cNvGrpSpPr/>
+        <p:nvPr/>
+      </p:nvGrpSpPr>
+      <p:grpSpPr>
+        <a:xfrm>
+          <a:off x="0" y="0"/>
+          <a:ext cx="0" cy="0"/>
+          <a:chOff x="0" y="0"/>
+          <a:chExt cx="0" cy="0"/>
+        </a:xfrm>
+      </p:grpSpPr>
+      <p:sp>
+        <p:nvSpPr>
+          <p:cNvPr id="6" name="Title 1"/>
+          <p:cNvSpPr>
+            <a:spLocks noGrp="1"/>
+          </p:cNvSpPr>
+          <p:nvPr>
+            <p:ph type="title"/>
+          </p:nvPr>
+        </p:nvSpPr>
+        <p:spPr>
+          <a:xfrm>
+            <a:off x="457200" y="205980"/>
+            <a:ext cx="8229600" cy="857251"/>
+          </a:xfrm>
+        </p:spPr>
+        <p:txBody>
+          <a:bodyPr>
+            <a:normAutofit/>
+          </a:bodyPr>
+          <a:lstStyle/>
+          <a:p>
+            <a:r>
+              <a:rPr lang="en-US" b="1" dirty="0">
+                <a:solidFill>
+                  <a:srgbClr val="0070C0"/>
+                </a:solidFill>
+              </a:rPr>
+              <a:t>Python – </a:t>
+            </a:r>
+            <a:r>
+              <a:rPr lang="en-US" b="1" dirty="0" err="1">
+                <a:solidFill>
+                  <a:srgbClr val="0070C0"/>
+                </a:solidFill>
+              </a:rPr>
+              <a:t>Mapa</a:t>
+            </a:r>
+            <a:r>
+              <a:rPr lang="en-US" b="1" dirty="0">
+                <a:solidFill>
+                  <a:srgbClr val="0070C0"/>
+                </a:solidFill>
+              </a:rPr>
+              <a:t> </a:t>
+            </a:r>
+            <a:r>
+              <a:rPr lang="en-US" b="1" dirty="0" err="1">
+                <a:solidFill>
+                  <a:srgbClr val="0070C0"/>
+                </a:solidFill>
+              </a:rPr>
+              <a:t>Programação</a:t>
+            </a:r>
+            <a:endParaRPr lang="en-US" b="1" dirty="0">
+              <a:solidFill>
+                <a:srgbClr val="0070C0"/>
+              </a:solidFill>
+            </a:endParaRPr>
+          </a:p>
+        </p:txBody>
+      </p:sp>
+      <p:sp>
+        <p:nvSpPr>
+          <p:cNvPr id="8" name="Text Placeholder 2"/>
+          <p:cNvSpPr>
+            <a:spLocks noGrp="1"/>
+          </p:cNvSpPr>
+          <p:nvPr>
+            <p:ph type="body" sz="half" idx="1"/>
+          </p:nvPr>
+        </p:nvSpPr>
+        <p:spPr>
+          <a:xfrm>
+            <a:off x="142865" y="1071360"/>
+            <a:ext cx="8865056" cy="3847839"/>
+          </a:xfrm>
+        </p:spPr>
+        <p:txBody>
+          <a:bodyPr>
+            <a:noAutofit/>
+          </a:bodyPr>
+          <a:lstStyle/>
+          <a:p>
+            <a:pPr marL="0" indent="0" algn="ctr">
+              <a:buNone/>
+            </a:pPr>
+            <a:r>
+              <a:rPr lang="pt-BR" b="1" dirty="0">
+                <a:solidFill>
+                  <a:srgbClr val="FF0000"/>
+                </a:solidFill>
+                <a:latin typeface="Times New Roman" panose="02020603050405020304" pitchFamily="18" charset="0"/>
+                <a:cs typeface="Times New Roman" panose="02020603050405020304" pitchFamily="18" charset="0"/>
+              </a:rPr>
+              <a:t>Automação Web &amp; </a:t>
+            </a:r>
+            <a:r>
+              <a:rPr lang="pt-BR" b="1" dirty="0" err="1">
+                <a:solidFill>
+                  <a:srgbClr val="FF0000"/>
+                </a:solidFill>
+                <a:latin typeface="Times New Roman" panose="02020603050405020304" pitchFamily="18" charset="0"/>
+                <a:cs typeface="Times New Roman" panose="02020603050405020304" pitchFamily="18" charset="0"/>
+              </a:rPr>
+              <a:t>Scraping</a:t>
+            </a:r>
+            <a:endParaRPr lang="pt-BR" b="1" dirty="0">
+              <a:solidFill>
+                <a:srgbClr val="FF0000"/>
+              </a:solidFill>
+              <a:latin typeface="Times New Roman" panose="02020603050405020304" pitchFamily="18" charset="0"/>
+              <a:cs typeface="Times New Roman" panose="02020603050405020304" pitchFamily="18" charset="0"/>
+            </a:endParaRPr>
+          </a:p>
+          <a:p>
+            <a:pPr algn="just">
+              <a:buFont typeface="Wingdings" panose="05000000000000000000" pitchFamily="2" charset="2"/>
+              <a:buChar char="ü"/>
+            </a:pPr>
+            <a:r>
+              <a:rPr lang="pt-BR" sz="2400" dirty="0" err="1">
+                <a:solidFill>
+                  <a:schemeClr val="tx1"/>
+                </a:solidFill>
+                <a:latin typeface="Times New Roman" panose="02020603050405020304" pitchFamily="18" charset="0"/>
+                <a:cs typeface="Times New Roman" panose="02020603050405020304" pitchFamily="18" charset="0"/>
+              </a:rPr>
+              <a:t>Urllib</a:t>
+            </a:r>
+            <a:endParaRPr lang="pt-BR" sz="2400" dirty="0">
+              <a:solidFill>
+                <a:schemeClr val="tx1"/>
+              </a:solidFill>
+              <a:latin typeface="Times New Roman" panose="02020603050405020304" pitchFamily="18" charset="0"/>
+              <a:cs typeface="Times New Roman" panose="02020603050405020304" pitchFamily="18" charset="0"/>
+            </a:endParaRPr>
+          </a:p>
+          <a:p>
+            <a:pPr algn="just">
+              <a:buFont typeface="Wingdings" panose="05000000000000000000" pitchFamily="2" charset="2"/>
+              <a:buChar char="ü"/>
+            </a:pPr>
+            <a:r>
+              <a:rPr lang="pt-BR" sz="2400" dirty="0" err="1">
+                <a:solidFill>
+                  <a:schemeClr val="tx1"/>
+                </a:solidFill>
+                <a:latin typeface="Times New Roman" panose="02020603050405020304" pitchFamily="18" charset="0"/>
+                <a:cs typeface="Times New Roman" panose="02020603050405020304" pitchFamily="18" charset="0"/>
+              </a:rPr>
+              <a:t>Requests</a:t>
+            </a:r>
+            <a:endParaRPr lang="pt-BR" sz="2400" dirty="0">
+              <a:solidFill>
+                <a:schemeClr val="tx1"/>
+              </a:solidFill>
+              <a:latin typeface="Times New Roman" panose="02020603050405020304" pitchFamily="18" charset="0"/>
+              <a:cs typeface="Times New Roman" panose="02020603050405020304" pitchFamily="18" charset="0"/>
+            </a:endParaRPr>
+          </a:p>
+          <a:p>
+            <a:pPr algn="just">
+              <a:buFont typeface="Wingdings" panose="05000000000000000000" pitchFamily="2" charset="2"/>
+              <a:buChar char="ü"/>
+            </a:pPr>
+            <a:r>
+              <a:rPr lang="pt-BR" sz="2400" dirty="0" err="1">
+                <a:solidFill>
+                  <a:schemeClr val="tx1"/>
+                </a:solidFill>
+                <a:latin typeface="Times New Roman" panose="02020603050405020304" pitchFamily="18" charset="0"/>
+                <a:cs typeface="Times New Roman" panose="02020603050405020304" pitchFamily="18" charset="0"/>
+              </a:rPr>
+              <a:t>Selenium</a:t>
+            </a:r>
+            <a:endParaRPr lang="pt-BR" sz="2400" dirty="0">
+              <a:solidFill>
+                <a:schemeClr val="tx1"/>
+              </a:solidFill>
+              <a:latin typeface="Times New Roman" panose="02020603050405020304" pitchFamily="18" charset="0"/>
+              <a:cs typeface="Times New Roman" panose="02020603050405020304" pitchFamily="18" charset="0"/>
+            </a:endParaRPr>
+          </a:p>
+          <a:p>
+            <a:pPr algn="just">
+              <a:buFont typeface="Wingdings" panose="05000000000000000000" pitchFamily="2" charset="2"/>
+              <a:buChar char="ü"/>
+            </a:pPr>
+            <a:r>
+              <a:rPr lang="pt-BR" sz="2400" dirty="0" err="1">
+                <a:solidFill>
+                  <a:schemeClr val="tx1"/>
+                </a:solidFill>
+                <a:latin typeface="Times New Roman" panose="02020603050405020304" pitchFamily="18" charset="0"/>
+                <a:cs typeface="Times New Roman" panose="02020603050405020304" pitchFamily="18" charset="0"/>
+              </a:rPr>
+              <a:t>Webbot</a:t>
+            </a:r>
+            <a:endParaRPr lang="pt-BR" dirty="0">
+              <a:solidFill>
+                <a:schemeClr val="tx1"/>
+              </a:solidFill>
+              <a:latin typeface="Times New Roman" panose="02020603050405020304" pitchFamily="18" charset="0"/>
+              <a:cs typeface="Times New Roman" panose="02020603050405020304" pitchFamily="18" charset="0"/>
+            </a:endParaRPr>
+          </a:p>
+        </p:txBody>
+      </p:sp>
+    </p:spTree>
+    <p:extLst>
+      <p:ext uri="{BB962C8B-B14F-4D97-AF65-F5344CB8AC3E}">
+        <p14:creationId xmlns:p14="http://schemas.microsoft.com/office/powerpoint/2010/main" val="2156452996"/>
+      </p:ext>
+    </p:extLst>
+  </p:cSld>
+  <p:clrMapOvr>
+    <a:masterClrMapping/>
+  </p:clrMapOvr>
+  <p:transition spd="med"/>
+</p:sld>
+</file>
+
+<file path=ppt/slides/slide31.xml><?xml version="1.0" encoding="utf-8"?>
+<p:sld xmlns:a="http://schemas.openxmlformats.org/drawingml/2006/main" xmlns:r="http://schemas.openxmlformats.org/officeDocument/2006/relationships" xmlns:p="http://schemas.openxmlformats.org/presentationml/2006/main">
+  <p:cSld>
+    <p:spTree>
+      <p:nvGrpSpPr>
+        <p:cNvPr id="1" name=""/>
+        <p:cNvGrpSpPr/>
+        <p:nvPr/>
+      </p:nvGrpSpPr>
+      <p:grpSpPr>
+        <a:xfrm>
+          <a:off x="0" y="0"/>
+          <a:ext cx="0" cy="0"/>
+          <a:chOff x="0" y="0"/>
+          <a:chExt cx="0" cy="0"/>
+        </a:xfrm>
+      </p:grpSpPr>
+      <p:sp>
+        <p:nvSpPr>
+          <p:cNvPr id="6" name="Title 1"/>
+          <p:cNvSpPr>
+            <a:spLocks noGrp="1"/>
+          </p:cNvSpPr>
+          <p:nvPr>
+            <p:ph type="title"/>
+          </p:nvPr>
+        </p:nvSpPr>
+        <p:spPr>
+          <a:xfrm>
+            <a:off x="457200" y="205980"/>
+            <a:ext cx="8229600" cy="857251"/>
+          </a:xfrm>
+        </p:spPr>
+        <p:txBody>
+          <a:bodyPr>
+            <a:normAutofit/>
+          </a:bodyPr>
+          <a:lstStyle/>
+          <a:p>
+            <a:r>
+              <a:rPr lang="en-US" b="1" dirty="0">
+                <a:solidFill>
+                  <a:srgbClr val="0070C0"/>
+                </a:solidFill>
+              </a:rPr>
+              <a:t>Python – </a:t>
+            </a:r>
+            <a:r>
+              <a:rPr lang="en-US" b="1" dirty="0" err="1">
+                <a:solidFill>
+                  <a:srgbClr val="0070C0"/>
+                </a:solidFill>
+              </a:rPr>
+              <a:t>Mapa</a:t>
+            </a:r>
+            <a:r>
+              <a:rPr lang="en-US" b="1" dirty="0">
+                <a:solidFill>
+                  <a:srgbClr val="0070C0"/>
+                </a:solidFill>
+              </a:rPr>
+              <a:t> </a:t>
+            </a:r>
+            <a:r>
+              <a:rPr lang="en-US" b="1" dirty="0" err="1">
+                <a:solidFill>
+                  <a:srgbClr val="0070C0"/>
+                </a:solidFill>
+              </a:rPr>
+              <a:t>Programação</a:t>
+            </a:r>
+            <a:endParaRPr lang="en-US" b="1" dirty="0">
+              <a:solidFill>
+                <a:srgbClr val="0070C0"/>
+              </a:solidFill>
+            </a:endParaRPr>
+          </a:p>
+        </p:txBody>
+      </p:sp>
+      <p:sp>
+        <p:nvSpPr>
+          <p:cNvPr id="8" name="Text Placeholder 2"/>
+          <p:cNvSpPr>
+            <a:spLocks noGrp="1"/>
+          </p:cNvSpPr>
+          <p:nvPr>
+            <p:ph type="body" sz="half" idx="1"/>
+          </p:nvPr>
+        </p:nvSpPr>
+        <p:spPr>
+          <a:xfrm>
+            <a:off x="142865" y="1071360"/>
+            <a:ext cx="8865056" cy="3847839"/>
+          </a:xfrm>
+        </p:spPr>
+        <p:txBody>
+          <a:bodyPr>
+            <a:noAutofit/>
+          </a:bodyPr>
+          <a:lstStyle/>
+          <a:p>
+            <a:pPr marL="0" indent="0" algn="ctr">
+              <a:buNone/>
+            </a:pPr>
+            <a:r>
+              <a:rPr lang="pt-BR" b="1" dirty="0">
+                <a:solidFill>
+                  <a:srgbClr val="FF0000"/>
+                </a:solidFill>
+                <a:latin typeface="Times New Roman" panose="02020603050405020304" pitchFamily="18" charset="0"/>
+                <a:cs typeface="Times New Roman" panose="02020603050405020304" pitchFamily="18" charset="0"/>
+              </a:rPr>
+              <a:t>Automação Tarefas</a:t>
+            </a:r>
+          </a:p>
+          <a:p>
+            <a:pPr algn="just">
+              <a:buFont typeface="Wingdings" panose="05000000000000000000" pitchFamily="2" charset="2"/>
+              <a:buChar char="ü"/>
+            </a:pPr>
+            <a:r>
+              <a:rPr lang="pt-BR" sz="2400" dirty="0">
+                <a:solidFill>
+                  <a:schemeClr val="tx1"/>
+                </a:solidFill>
+                <a:latin typeface="Times New Roman" panose="02020603050405020304" pitchFamily="18" charset="0"/>
+                <a:cs typeface="Times New Roman" panose="02020603050405020304" pitchFamily="18" charset="0"/>
+              </a:rPr>
+              <a:t>OS</a:t>
+            </a:r>
+          </a:p>
+          <a:p>
+            <a:pPr algn="just">
+              <a:buFont typeface="Wingdings" panose="05000000000000000000" pitchFamily="2" charset="2"/>
+              <a:buChar char="ü"/>
+            </a:pPr>
+            <a:r>
+              <a:rPr lang="pt-BR" sz="2400" dirty="0">
+                <a:solidFill>
+                  <a:schemeClr val="tx1"/>
+                </a:solidFill>
+                <a:latin typeface="Times New Roman" panose="02020603050405020304" pitchFamily="18" charset="0"/>
+                <a:cs typeface="Times New Roman" panose="02020603050405020304" pitchFamily="18" charset="0"/>
+              </a:rPr>
+              <a:t>Time</a:t>
+            </a:r>
+          </a:p>
+          <a:p>
+            <a:pPr algn="just">
+              <a:buFont typeface="Wingdings" panose="05000000000000000000" pitchFamily="2" charset="2"/>
+              <a:buChar char="ü"/>
+            </a:pPr>
+            <a:r>
+              <a:rPr lang="pt-BR" sz="2400" dirty="0">
+                <a:solidFill>
+                  <a:schemeClr val="tx1"/>
+                </a:solidFill>
+                <a:latin typeface="Times New Roman" panose="02020603050405020304" pitchFamily="18" charset="0"/>
+                <a:cs typeface="Times New Roman" panose="02020603050405020304" pitchFamily="18" charset="0"/>
+              </a:rPr>
+              <a:t>RPA</a:t>
+            </a:r>
+          </a:p>
+          <a:p>
+            <a:pPr algn="just">
+              <a:buFont typeface="Wingdings" panose="05000000000000000000" pitchFamily="2" charset="2"/>
+              <a:buChar char="ü"/>
+            </a:pPr>
+            <a:r>
+              <a:rPr lang="pt-BR" sz="2400" dirty="0" err="1">
+                <a:solidFill>
+                  <a:schemeClr val="tx1"/>
+                </a:solidFill>
+                <a:latin typeface="Times New Roman" panose="02020603050405020304" pitchFamily="18" charset="0"/>
+                <a:cs typeface="Times New Roman" panose="02020603050405020304" pitchFamily="18" charset="0"/>
+              </a:rPr>
+              <a:t>APScheduler</a:t>
+            </a:r>
+            <a:endParaRPr lang="pt-BR" sz="2400" dirty="0">
+              <a:solidFill>
+                <a:schemeClr val="tx1"/>
+              </a:solidFill>
+              <a:latin typeface="Times New Roman" panose="02020603050405020304" pitchFamily="18" charset="0"/>
+              <a:cs typeface="Times New Roman" panose="02020603050405020304" pitchFamily="18" charset="0"/>
+            </a:endParaRPr>
+          </a:p>
+          <a:p>
+            <a:pPr algn="just">
+              <a:buFont typeface="Wingdings" panose="05000000000000000000" pitchFamily="2" charset="2"/>
+              <a:buChar char="ü"/>
+            </a:pPr>
+            <a:r>
+              <a:rPr lang="pt-BR" sz="2400" dirty="0" err="1">
+                <a:solidFill>
+                  <a:schemeClr val="tx1"/>
+                </a:solidFill>
+                <a:latin typeface="Times New Roman" panose="02020603050405020304" pitchFamily="18" charset="0"/>
+                <a:cs typeface="Times New Roman" panose="02020603050405020304" pitchFamily="18" charset="0"/>
+              </a:rPr>
+              <a:t>Watchdog</a:t>
+            </a:r>
+            <a:endParaRPr lang="pt-BR" sz="2400" dirty="0">
+              <a:solidFill>
+                <a:schemeClr val="tx1"/>
+              </a:solidFill>
+              <a:latin typeface="Times New Roman" panose="02020603050405020304" pitchFamily="18" charset="0"/>
+              <a:cs typeface="Times New Roman" panose="02020603050405020304" pitchFamily="18" charset="0"/>
+            </a:endParaRPr>
+          </a:p>
+          <a:p>
+            <a:pPr algn="just">
+              <a:buFont typeface="Wingdings" panose="05000000000000000000" pitchFamily="2" charset="2"/>
+              <a:buChar char="ü"/>
+            </a:pPr>
+            <a:r>
+              <a:rPr lang="pt-BR" sz="2400" dirty="0" err="1">
+                <a:solidFill>
+                  <a:schemeClr val="tx1"/>
+                </a:solidFill>
+                <a:latin typeface="Times New Roman" panose="02020603050405020304" pitchFamily="18" charset="0"/>
+                <a:cs typeface="Times New Roman" panose="02020603050405020304" pitchFamily="18" charset="0"/>
+              </a:rPr>
+              <a:t>Paramiko</a:t>
+            </a:r>
+            <a:endParaRPr lang="pt-BR" sz="2400" dirty="0">
+              <a:solidFill>
+                <a:schemeClr val="tx1"/>
+              </a:solidFill>
+              <a:latin typeface="Times New Roman" panose="02020603050405020304" pitchFamily="18" charset="0"/>
+              <a:cs typeface="Times New Roman" panose="02020603050405020304" pitchFamily="18" charset="0"/>
+            </a:endParaRPr>
+          </a:p>
+          <a:p>
+            <a:pPr marL="0" indent="0" algn="just">
+              <a:buNone/>
+            </a:pPr>
+            <a:endParaRPr lang="pt-BR" sz="2400" dirty="0">
+              <a:solidFill>
+                <a:schemeClr val="tx1"/>
+              </a:solidFill>
+              <a:latin typeface="Times New Roman" panose="02020603050405020304" pitchFamily="18" charset="0"/>
+              <a:cs typeface="Times New Roman" panose="02020603050405020304" pitchFamily="18" charset="0"/>
+            </a:endParaRPr>
+          </a:p>
+          <a:p>
+            <a:pPr algn="just">
+              <a:buFont typeface="Wingdings" panose="05000000000000000000" pitchFamily="2" charset="2"/>
+              <a:buChar char="ü"/>
+            </a:pPr>
+            <a:endParaRPr lang="pt-BR" dirty="0">
+              <a:solidFill>
+                <a:schemeClr val="tx1"/>
+              </a:solidFill>
+              <a:latin typeface="Times New Roman" panose="02020603050405020304" pitchFamily="18" charset="0"/>
+              <a:cs typeface="Times New Roman" panose="02020603050405020304" pitchFamily="18" charset="0"/>
+            </a:endParaRPr>
+          </a:p>
+        </p:txBody>
+      </p:sp>
+    </p:spTree>
+    <p:extLst>
+      <p:ext uri="{BB962C8B-B14F-4D97-AF65-F5344CB8AC3E}">
+        <p14:creationId xmlns:p14="http://schemas.microsoft.com/office/powerpoint/2010/main" val="1418710008"/>
+      </p:ext>
+    </p:extLst>
+  </p:cSld>
+  <p:clrMapOvr>
+    <a:masterClrMapping/>
+  </p:clrMapOvr>
+  <p:transition spd="med"/>
+</p:sld>
+</file>
+
+<file path=ppt/slides/slide32.xml><?xml version="1.0" encoding="utf-8"?>
+<p:sld xmlns:a="http://schemas.openxmlformats.org/drawingml/2006/main" xmlns:r="http://schemas.openxmlformats.org/officeDocument/2006/relationships" xmlns:p="http://schemas.openxmlformats.org/presentationml/2006/main">
+  <p:cSld>
+    <p:spTree>
+      <p:nvGrpSpPr>
+        <p:cNvPr id="1" name=""/>
+        <p:cNvGrpSpPr/>
+        <p:nvPr/>
+      </p:nvGrpSpPr>
+      <p:grpSpPr>
+        <a:xfrm>
+          <a:off x="0" y="0"/>
+          <a:ext cx="0" cy="0"/>
+          <a:chOff x="0" y="0"/>
+          <a:chExt cx="0" cy="0"/>
+        </a:xfrm>
+      </p:grpSpPr>
+      <p:sp>
+        <p:nvSpPr>
+          <p:cNvPr id="6" name="Title 1"/>
+          <p:cNvSpPr>
+            <a:spLocks noGrp="1"/>
+          </p:cNvSpPr>
+          <p:nvPr>
+            <p:ph type="title"/>
+          </p:nvPr>
+        </p:nvSpPr>
+        <p:spPr>
+          <a:xfrm>
+            <a:off x="457200" y="205980"/>
+            <a:ext cx="8229600" cy="857251"/>
+          </a:xfrm>
+        </p:spPr>
+        <p:txBody>
+          <a:bodyPr>
+            <a:normAutofit/>
+          </a:bodyPr>
+          <a:lstStyle/>
+          <a:p>
+            <a:r>
+              <a:rPr lang="en-US" b="1" dirty="0" err="1">
+                <a:solidFill>
+                  <a:srgbClr val="0070C0"/>
+                </a:solidFill>
+              </a:rPr>
+              <a:t>Leitura</a:t>
+            </a:r>
+            <a:r>
+              <a:rPr lang="en-US" b="1" dirty="0">
+                <a:solidFill>
+                  <a:srgbClr val="0070C0"/>
+                </a:solidFill>
+              </a:rPr>
+              <a:t> </a:t>
+            </a:r>
+            <a:r>
+              <a:rPr lang="en-US" b="1" dirty="0" err="1">
+                <a:solidFill>
+                  <a:srgbClr val="0070C0"/>
+                </a:solidFill>
+              </a:rPr>
+              <a:t>Específica</a:t>
             </a:r>
             <a:endParaRPr lang="en-US" b="1" dirty="0">
               <a:solidFill>
@@ -10252,6 +13482,593 @@
             <a:pPr marL="0" indent="0" algn="just">
               <a:buNone/>
             </a:pPr>
+            <a:endParaRPr lang="pt-BR" dirty="0">
+              <a:latin typeface="Times New Roman" panose="02020603050405020304" pitchFamily="18" charset="0"/>
+              <a:cs typeface="Times New Roman" panose="02020603050405020304" pitchFamily="18" charset="0"/>
+            </a:endParaRPr>
+          </a:p>
+          <a:p>
+            <a:pPr marL="0" indent="0" algn="just">
+              <a:buNone/>
+            </a:pPr>
+            <a:r>
+              <a:rPr lang="pt-BR" dirty="0">
+                <a:latin typeface="Times New Roman" panose="02020603050405020304" pitchFamily="18" charset="0"/>
+                <a:cs typeface="Times New Roman" panose="02020603050405020304" pitchFamily="18" charset="0"/>
+              </a:rPr>
+              <a:t>[1] Site:</a:t>
+            </a:r>
+          </a:p>
+          <a:p>
+            <a:pPr marL="0" indent="0" algn="just">
+              <a:buNone/>
+            </a:pPr>
+            <a:r>
+              <a:rPr lang="pt-BR" dirty="0">
+                <a:latin typeface="Times New Roman" panose="02020603050405020304" pitchFamily="18" charset="0"/>
+                <a:cs typeface="Times New Roman" panose="02020603050405020304" pitchFamily="18" charset="0"/>
+                <a:hlinkClick r:id="rId3"/>
+              </a:rPr>
+              <a:t>https://www.w3schools.com/python/python_variables.asp</a:t>
+            </a:r>
+            <a:endParaRPr lang="pt-BR" dirty="0">
+              <a:latin typeface="Times New Roman" panose="02020603050405020304" pitchFamily="18" charset="0"/>
+              <a:cs typeface="Times New Roman" panose="02020603050405020304" pitchFamily="18" charset="0"/>
+            </a:endParaRPr>
+          </a:p>
+          <a:p>
+            <a:pPr marL="0" indent="0" algn="just">
+              <a:buNone/>
+            </a:pPr>
+            <a:endParaRPr lang="pt-BR" dirty="0">
+              <a:latin typeface="Times New Roman" panose="02020603050405020304" pitchFamily="18" charset="0"/>
+              <a:cs typeface="Times New Roman" panose="02020603050405020304" pitchFamily="18" charset="0"/>
+            </a:endParaRPr>
+          </a:p>
+          <a:p>
+            <a:pPr marL="0" indent="0" algn="just">
+              <a:buNone/>
+            </a:pPr>
+            <a:endParaRPr lang="pt-BR" dirty="0">
+              <a:latin typeface="Times New Roman" panose="02020603050405020304" pitchFamily="18" charset="0"/>
+              <a:cs typeface="Times New Roman" panose="02020603050405020304" pitchFamily="18" charset="0"/>
+            </a:endParaRPr>
+          </a:p>
+          <a:p>
+            <a:pPr marL="0" indent="0" algn="just">
+              <a:buNone/>
+            </a:pPr>
+            <a:r>
+              <a:rPr lang="pt-BR" dirty="0">
+                <a:latin typeface="Times New Roman" panose="02020603050405020304" pitchFamily="18" charset="0"/>
+                <a:cs typeface="Times New Roman" panose="02020603050405020304" pitchFamily="18" charset="0"/>
+              </a:rPr>
+              <a:t>[2] Site: </a:t>
+            </a:r>
+            <a:r>
+              <a:rPr lang="pt-BR" dirty="0">
+                <a:latin typeface="Times New Roman" panose="02020603050405020304" pitchFamily="18" charset="0"/>
+                <a:cs typeface="Times New Roman" panose="02020603050405020304" pitchFamily="18" charset="0"/>
+                <a:hlinkClick r:id="rId4"/>
+              </a:rPr>
+              <a:t>https://docs.python.org/pt-br/3/tutorial/</a:t>
+            </a:r>
+            <a:endParaRPr lang="pt-BR" dirty="0">
+              <a:latin typeface="Times New Roman" panose="02020603050405020304" pitchFamily="18" charset="0"/>
+              <a:cs typeface="Times New Roman" panose="02020603050405020304" pitchFamily="18" charset="0"/>
+            </a:endParaRPr>
+          </a:p>
+          <a:p>
+            <a:pPr marL="0" indent="0" algn="just">
+              <a:buNone/>
+            </a:pPr>
+            <a:endParaRPr lang="pt-BR" dirty="0">
+              <a:latin typeface="Times New Roman" panose="02020603050405020304" pitchFamily="18" charset="0"/>
+              <a:cs typeface="Times New Roman" panose="02020603050405020304" pitchFamily="18" charset="0"/>
+            </a:endParaRPr>
+          </a:p>
+          <a:p>
+            <a:pPr marL="0" indent="0" algn="just">
+              <a:buNone/>
+            </a:pPr>
+            <a:endParaRPr lang="pt-BR" dirty="0">
+              <a:latin typeface="Times New Roman" panose="02020603050405020304" pitchFamily="18" charset="0"/>
+              <a:cs typeface="Times New Roman" panose="02020603050405020304" pitchFamily="18" charset="0"/>
+            </a:endParaRPr>
+          </a:p>
+          <a:p>
+            <a:pPr marL="0" indent="0" algn="just">
+              <a:buNone/>
+            </a:pPr>
+            <a:endParaRPr lang="pt-BR" dirty="0">
+              <a:latin typeface="Times New Roman" panose="02020603050405020304" pitchFamily="18" charset="0"/>
+              <a:cs typeface="Times New Roman" panose="02020603050405020304" pitchFamily="18" charset="0"/>
+            </a:endParaRPr>
+          </a:p>
+          <a:p>
+            <a:pPr marL="0" indent="0" algn="just">
+              <a:buNone/>
+            </a:pPr>
+            <a:endParaRPr lang="pt-BR" dirty="0">
+              <a:latin typeface="Times New Roman" panose="02020603050405020304" pitchFamily="18" charset="0"/>
+              <a:cs typeface="Times New Roman" panose="02020603050405020304" pitchFamily="18" charset="0"/>
+            </a:endParaRPr>
+          </a:p>
+          <a:p>
+            <a:pPr marL="0" indent="0" algn="just">
+              <a:buNone/>
+            </a:pPr>
+            <a:endParaRPr lang="pt-BR" dirty="0">
+              <a:latin typeface="Calibri" panose="020F0502020204030204" pitchFamily="34" charset="0"/>
+            </a:endParaRPr>
+          </a:p>
+        </p:txBody>
+      </p:sp>
+    </p:spTree>
+    <p:extLst>
+      <p:ext uri="{BB962C8B-B14F-4D97-AF65-F5344CB8AC3E}">
+        <p14:creationId xmlns:p14="http://schemas.microsoft.com/office/powerpoint/2010/main" val="2747596967"/>
+      </p:ext>
+    </p:extLst>
+  </p:cSld>
+  <p:clrMapOvr>
+    <a:masterClrMapping/>
+  </p:clrMapOvr>
+  <p:transition spd="med"/>
+</p:sld>
+</file>
+
+<file path=ppt/slides/slide33.xml><?xml version="1.0" encoding="utf-8"?>
+<p:sld xmlns:a="http://schemas.openxmlformats.org/drawingml/2006/main" xmlns:r="http://schemas.openxmlformats.org/officeDocument/2006/relationships" xmlns:p="http://schemas.openxmlformats.org/presentationml/2006/main">
+  <p:cSld>
+    <p:spTree>
+      <p:nvGrpSpPr>
+        <p:cNvPr id="1" name=""/>
+        <p:cNvGrpSpPr/>
+        <p:nvPr/>
+      </p:nvGrpSpPr>
+      <p:grpSpPr>
+        <a:xfrm>
+          <a:off x="0" y="0"/>
+          <a:ext cx="0" cy="0"/>
+          <a:chOff x="0" y="0"/>
+          <a:chExt cx="0" cy="0"/>
+        </a:xfrm>
+      </p:grpSpPr>
+      <p:sp>
+        <p:nvSpPr>
+          <p:cNvPr id="6" name="Title 1"/>
+          <p:cNvSpPr>
+            <a:spLocks noGrp="1"/>
+          </p:cNvSpPr>
+          <p:nvPr>
+            <p:ph type="title"/>
+          </p:nvPr>
+        </p:nvSpPr>
+        <p:spPr>
+          <a:xfrm>
+            <a:off x="457200" y="205980"/>
+            <a:ext cx="8229600" cy="857251"/>
+          </a:xfrm>
+        </p:spPr>
+        <p:txBody>
+          <a:bodyPr>
+            <a:normAutofit/>
+          </a:bodyPr>
+          <a:lstStyle/>
+          <a:p>
+            <a:r>
+              <a:rPr lang="en-US" b="1" dirty="0" err="1">
+                <a:solidFill>
+                  <a:srgbClr val="0070C0"/>
+                </a:solidFill>
+              </a:rPr>
+              <a:t>Aprenda</a:t>
+            </a:r>
+            <a:r>
+              <a:rPr lang="en-US" b="1" dirty="0">
+                <a:solidFill>
+                  <a:srgbClr val="0070C0"/>
+                </a:solidFill>
+              </a:rPr>
+              <a:t>+</a:t>
+            </a:r>
+          </a:p>
+        </p:txBody>
+      </p:sp>
+      <p:sp>
+        <p:nvSpPr>
+          <p:cNvPr id="8" name="Text Placeholder 2"/>
+          <p:cNvSpPr>
+            <a:spLocks noGrp="1"/>
+          </p:cNvSpPr>
+          <p:nvPr>
+            <p:ph type="body" sz="half" idx="1"/>
+          </p:nvPr>
+        </p:nvSpPr>
+        <p:spPr>
+          <a:xfrm>
+            <a:off x="142865" y="1200151"/>
+            <a:ext cx="8865056" cy="3394472"/>
+          </a:xfrm>
+        </p:spPr>
+        <p:txBody>
+          <a:bodyPr>
+            <a:noAutofit/>
+          </a:bodyPr>
+          <a:lstStyle/>
+          <a:p>
+            <a:pPr marL="0" indent="0" algn="just">
+              <a:buNone/>
+            </a:pPr>
+            <a:endParaRPr lang="pt-BR" sz="2000" dirty="0">
+              <a:latin typeface="Times New Roman" panose="02020603050405020304" pitchFamily="18" charset="0"/>
+              <a:cs typeface="Times New Roman" panose="02020603050405020304" pitchFamily="18" charset="0"/>
+            </a:endParaRPr>
+          </a:p>
+          <a:p>
+            <a:pPr marL="0" indent="0" algn="just">
+              <a:buNone/>
+            </a:pPr>
+            <a:r>
+              <a:rPr lang="pt-BR" sz="2000" dirty="0">
+                <a:latin typeface="Times New Roman" panose="02020603050405020304" pitchFamily="18" charset="0"/>
+                <a:cs typeface="Times New Roman" panose="02020603050405020304" pitchFamily="18" charset="0"/>
+              </a:rPr>
+              <a:t>[1] </a:t>
+            </a:r>
+            <a:r>
+              <a:rPr lang="pt-BR" sz="2000" dirty="0">
+                <a:latin typeface="Times New Roman" panose="02020603050405020304" pitchFamily="18" charset="0"/>
+                <a:cs typeface="Times New Roman" panose="02020603050405020304" pitchFamily="18" charset="0"/>
+                <a:hlinkClick r:id="rId3"/>
+              </a:rPr>
+              <a:t>https://www.programiz.com/python-programming/variables-constants-literals</a:t>
+            </a:r>
+            <a:endParaRPr lang="pt-BR" sz="2000" dirty="0">
+              <a:latin typeface="Times New Roman" panose="02020603050405020304" pitchFamily="18" charset="0"/>
+              <a:cs typeface="Times New Roman" panose="02020603050405020304" pitchFamily="18" charset="0"/>
+            </a:endParaRPr>
+          </a:p>
+          <a:p>
+            <a:pPr marL="0" indent="0" algn="just">
+              <a:buNone/>
+            </a:pPr>
+            <a:endParaRPr lang="pt-BR" sz="2000" dirty="0">
+              <a:latin typeface="Times New Roman" panose="02020603050405020304" pitchFamily="18" charset="0"/>
+              <a:cs typeface="Times New Roman" panose="02020603050405020304" pitchFamily="18" charset="0"/>
+            </a:endParaRPr>
+          </a:p>
+          <a:p>
+            <a:pPr marL="0" indent="0" algn="just">
+              <a:buNone/>
+            </a:pPr>
+            <a:endParaRPr lang="pt-BR" sz="2000" dirty="0">
+              <a:latin typeface="Times New Roman" panose="02020603050405020304" pitchFamily="18" charset="0"/>
+              <a:cs typeface="Times New Roman" panose="02020603050405020304" pitchFamily="18" charset="0"/>
+            </a:endParaRPr>
+          </a:p>
+          <a:p>
+            <a:pPr marL="0" indent="0" algn="just">
+              <a:buNone/>
+            </a:pPr>
+            <a:r>
+              <a:rPr lang="pt-BR" sz="2000" dirty="0">
+                <a:latin typeface="Times New Roman" panose="02020603050405020304" pitchFamily="18" charset="0"/>
+                <a:cs typeface="Times New Roman" panose="02020603050405020304" pitchFamily="18" charset="0"/>
+              </a:rPr>
+              <a:t>[2] </a:t>
+            </a:r>
+            <a:r>
+              <a:rPr lang="pt-BR" sz="2000" dirty="0">
+                <a:latin typeface="Times New Roman" panose="02020603050405020304" pitchFamily="18" charset="0"/>
+                <a:cs typeface="Times New Roman" panose="02020603050405020304" pitchFamily="18" charset="0"/>
+                <a:hlinkClick r:id="rId4"/>
+              </a:rPr>
+              <a:t>https://www.programiz.com/python-programming/examples/swap-variables</a:t>
+            </a:r>
+            <a:endParaRPr lang="pt-BR" sz="2000" dirty="0">
+              <a:latin typeface="Times New Roman" panose="02020603050405020304" pitchFamily="18" charset="0"/>
+              <a:cs typeface="Times New Roman" panose="02020603050405020304" pitchFamily="18" charset="0"/>
+            </a:endParaRPr>
+          </a:p>
+          <a:p>
+            <a:pPr marL="0" indent="0" algn="just">
+              <a:buNone/>
+            </a:pPr>
+            <a:endParaRPr lang="pt-BR" sz="2000" dirty="0">
+              <a:latin typeface="Times New Roman" panose="02020603050405020304" pitchFamily="18" charset="0"/>
+              <a:cs typeface="Times New Roman" panose="02020603050405020304" pitchFamily="18" charset="0"/>
+            </a:endParaRPr>
+          </a:p>
+          <a:p>
+            <a:pPr marL="0" indent="0" algn="just">
+              <a:buNone/>
+            </a:pPr>
+            <a:endParaRPr lang="pt-BR" sz="2000" dirty="0">
+              <a:latin typeface="Times New Roman" panose="02020603050405020304" pitchFamily="18" charset="0"/>
+              <a:cs typeface="Times New Roman" panose="02020603050405020304" pitchFamily="18" charset="0"/>
+            </a:endParaRPr>
+          </a:p>
+          <a:p>
+            <a:pPr marL="0" indent="0" algn="just">
+              <a:buNone/>
+            </a:pPr>
+            <a:endParaRPr lang="pt-BR" sz="2000" dirty="0">
+              <a:latin typeface="Times New Roman" panose="02020603050405020304" pitchFamily="18" charset="0"/>
+              <a:cs typeface="Times New Roman" panose="02020603050405020304" pitchFamily="18" charset="0"/>
+            </a:endParaRPr>
+          </a:p>
+          <a:p>
+            <a:pPr marL="0" indent="0" algn="just">
+              <a:buNone/>
+            </a:pPr>
+            <a:endParaRPr lang="pt-BR" sz="2000" dirty="0">
+              <a:latin typeface="Calibri" panose="020F0502020204030204" pitchFamily="34" charset="0"/>
+            </a:endParaRPr>
+          </a:p>
+        </p:txBody>
+      </p:sp>
+    </p:spTree>
+    <p:extLst>
+      <p:ext uri="{BB962C8B-B14F-4D97-AF65-F5344CB8AC3E}">
+        <p14:creationId xmlns:p14="http://schemas.microsoft.com/office/powerpoint/2010/main" val="3680270425"/>
+      </p:ext>
+    </p:extLst>
+  </p:cSld>
+  <p:clrMapOvr>
+    <a:masterClrMapping/>
+  </p:clrMapOvr>
+  <p:transition spd="med"/>
+</p:sld>
+</file>
+
+<file path=ppt/slides/slide34.xml><?xml version="1.0" encoding="utf-8"?>
+<p:sld xmlns:a="http://schemas.openxmlformats.org/drawingml/2006/main" xmlns:r="http://schemas.openxmlformats.org/officeDocument/2006/relationships" xmlns:p="http://schemas.openxmlformats.org/presentationml/2006/main">
+  <p:cSld>
+    <p:spTree>
+      <p:nvGrpSpPr>
+        <p:cNvPr id="1" name=""/>
+        <p:cNvGrpSpPr/>
+        <p:nvPr/>
+      </p:nvGrpSpPr>
+      <p:grpSpPr>
+        <a:xfrm>
+          <a:off x="0" y="0"/>
+          <a:ext cx="0" cy="0"/>
+          <a:chOff x="0" y="0"/>
+          <a:chExt cx="0" cy="0"/>
+        </a:xfrm>
+      </p:grpSpPr>
+      <p:sp>
+        <p:nvSpPr>
+          <p:cNvPr id="6" name="Title 1"/>
+          <p:cNvSpPr>
+            <a:spLocks noGrp="1"/>
+          </p:cNvSpPr>
+          <p:nvPr>
+            <p:ph type="title"/>
+          </p:nvPr>
+        </p:nvSpPr>
+        <p:spPr>
+          <a:xfrm>
+            <a:off x="457200" y="205980"/>
+            <a:ext cx="8229600" cy="857251"/>
+          </a:xfrm>
+        </p:spPr>
+        <p:txBody>
+          <a:bodyPr>
+            <a:normAutofit/>
+          </a:bodyPr>
+          <a:lstStyle/>
+          <a:p>
+            <a:r>
+              <a:rPr lang="en-US" b="1" dirty="0" err="1">
+                <a:solidFill>
+                  <a:srgbClr val="0070C0"/>
+                </a:solidFill>
+              </a:rPr>
+              <a:t>Dinâmica</a:t>
+            </a:r>
+            <a:r>
+              <a:rPr lang="en-US" b="1" dirty="0">
+                <a:solidFill>
+                  <a:srgbClr val="0070C0"/>
+                </a:solidFill>
+              </a:rPr>
+              <a:t>/</a:t>
+            </a:r>
+            <a:r>
+              <a:rPr lang="en-US" b="1" dirty="0" err="1">
+                <a:solidFill>
+                  <a:srgbClr val="0070C0"/>
+                </a:solidFill>
+              </a:rPr>
+              <a:t>Atividades</a:t>
+            </a:r>
+            <a:endParaRPr lang="en-US" b="1" dirty="0">
+              <a:solidFill>
+                <a:srgbClr val="0070C0"/>
+              </a:solidFill>
+            </a:endParaRPr>
+          </a:p>
+        </p:txBody>
+      </p:sp>
+      <p:sp>
+        <p:nvSpPr>
+          <p:cNvPr id="8" name="Text Placeholder 2"/>
+          <p:cNvSpPr>
+            <a:spLocks noGrp="1"/>
+          </p:cNvSpPr>
+          <p:nvPr>
+            <p:ph type="body" sz="half" idx="1"/>
+          </p:nvPr>
+        </p:nvSpPr>
+        <p:spPr>
+          <a:xfrm>
+            <a:off x="139472" y="1063230"/>
+            <a:ext cx="8865056" cy="3606305"/>
+          </a:xfrm>
+        </p:spPr>
+        <p:txBody>
+          <a:bodyPr>
+            <a:noAutofit/>
+          </a:bodyPr>
+          <a:lstStyle/>
+          <a:p>
+            <a:pPr algn="just">
+              <a:buFontTx/>
+              <a:buChar char="-"/>
+            </a:pPr>
+            <a:r>
+              <a:rPr lang="pt-BR" dirty="0">
+                <a:latin typeface="Times New Roman" panose="02020603050405020304" pitchFamily="18" charset="0"/>
+                <a:cs typeface="Times New Roman" panose="02020603050405020304" pitchFamily="18" charset="0"/>
+              </a:rPr>
+              <a:t>Exercícios de Fixação</a:t>
+            </a:r>
+          </a:p>
+          <a:p>
+            <a:pPr marL="0" indent="0" algn="just">
+              <a:buNone/>
+            </a:pPr>
+            <a:r>
+              <a:rPr lang="pt-BR" dirty="0">
+                <a:latin typeface="Times New Roman" panose="02020603050405020304" pitchFamily="18" charset="0"/>
+                <a:cs typeface="Times New Roman" panose="02020603050405020304" pitchFamily="18" charset="0"/>
+              </a:rPr>
+              <a:t>	</a:t>
+            </a:r>
+            <a:r>
+              <a:rPr lang="pt-BR" b="1" dirty="0">
+                <a:solidFill>
+                  <a:srgbClr val="FF0000"/>
+                </a:solidFill>
+                <a:latin typeface="Times New Roman" panose="02020603050405020304" pitchFamily="18" charset="0"/>
+                <a:cs typeface="Times New Roman" panose="02020603050405020304" pitchFamily="18" charset="0"/>
+              </a:rPr>
+              <a:t>Desafios em Sala de Aula</a:t>
+            </a:r>
+            <a:r>
+              <a:rPr lang="pt-BR" dirty="0">
+                <a:latin typeface="Times New Roman" panose="02020603050405020304" pitchFamily="18" charset="0"/>
+                <a:cs typeface="Times New Roman" panose="02020603050405020304" pitchFamily="18" charset="0"/>
+              </a:rPr>
+              <a:t>.</a:t>
+            </a:r>
+          </a:p>
+        </p:txBody>
+      </p:sp>
+    </p:spTree>
+    <p:extLst>
+      <p:ext uri="{BB962C8B-B14F-4D97-AF65-F5344CB8AC3E}">
+        <p14:creationId xmlns:p14="http://schemas.microsoft.com/office/powerpoint/2010/main" val="2470652989"/>
+      </p:ext>
+    </p:extLst>
+  </p:cSld>
+  <p:clrMapOvr>
+    <a:masterClrMapping/>
+  </p:clrMapOvr>
+  <p:transition spd="med"/>
+</p:sld>
+</file>
+
+<file path=ppt/slides/slide35.xml><?xml version="1.0" encoding="utf-8"?>
+<p:sld xmlns:a="http://schemas.openxmlformats.org/drawingml/2006/main" xmlns:r="http://schemas.openxmlformats.org/officeDocument/2006/relationships" xmlns:p="http://schemas.openxmlformats.org/presentationml/2006/main">
+  <p:cSld>
+    <p:spTree>
+      <p:nvGrpSpPr>
+        <p:cNvPr id="1" name=""/>
+        <p:cNvGrpSpPr/>
+        <p:nvPr/>
+      </p:nvGrpSpPr>
+      <p:grpSpPr>
+        <a:xfrm>
+          <a:off x="0" y="0"/>
+          <a:ext cx="0" cy="0"/>
+          <a:chOff x="0" y="0"/>
+          <a:chExt cx="0" cy="0"/>
+        </a:xfrm>
+      </p:grpSpPr>
+      <p:sp>
+        <p:nvSpPr>
+          <p:cNvPr id="6" name="Title 1"/>
+          <p:cNvSpPr>
+            <a:spLocks noGrp="1"/>
+          </p:cNvSpPr>
+          <p:nvPr>
+            <p:ph type="title"/>
+          </p:nvPr>
+        </p:nvSpPr>
+        <p:spPr>
+          <a:xfrm>
+            <a:off x="457200" y="205980"/>
+            <a:ext cx="8229600" cy="857251"/>
+          </a:xfrm>
+        </p:spPr>
+        <p:txBody>
+          <a:bodyPr>
+            <a:normAutofit/>
+          </a:bodyPr>
+          <a:lstStyle/>
+          <a:p>
+            <a:r>
+              <a:rPr lang="en-US" b="1" dirty="0" err="1">
+                <a:solidFill>
+                  <a:srgbClr val="0070C0"/>
+                </a:solidFill>
+              </a:rPr>
+              <a:t>Referências</a:t>
+            </a:r>
+            <a:r>
+              <a:rPr lang="en-US" b="1" dirty="0">
+                <a:solidFill>
+                  <a:srgbClr val="0070C0"/>
+                </a:solidFill>
+              </a:rPr>
+              <a:t> </a:t>
+            </a:r>
+            <a:r>
+              <a:rPr lang="en-US" b="1" dirty="0" err="1">
+                <a:solidFill>
+                  <a:srgbClr val="0070C0"/>
+                </a:solidFill>
+              </a:rPr>
+              <a:t>Bibliográficas</a:t>
+            </a:r>
+            <a:endParaRPr lang="en-US" b="1" dirty="0">
+              <a:solidFill>
+                <a:srgbClr val="0070C0"/>
+              </a:solidFill>
+            </a:endParaRPr>
+          </a:p>
+        </p:txBody>
+      </p:sp>
+      <p:sp>
+        <p:nvSpPr>
+          <p:cNvPr id="8" name="Text Placeholder 2"/>
+          <p:cNvSpPr>
+            <a:spLocks noGrp="1"/>
+          </p:cNvSpPr>
+          <p:nvPr>
+            <p:ph type="body" sz="half" idx="1"/>
+          </p:nvPr>
+        </p:nvSpPr>
+        <p:spPr>
+          <a:xfrm>
+            <a:off x="142865" y="1200151"/>
+            <a:ext cx="8865056" cy="3394472"/>
+          </a:xfrm>
+        </p:spPr>
+        <p:txBody>
+          <a:bodyPr>
+            <a:noAutofit/>
+          </a:bodyPr>
+          <a:lstStyle/>
+          <a:p>
+            <a:pPr marL="0" indent="0" algn="just">
+              <a:buNone/>
+            </a:pPr>
             <a:r>
               <a:rPr lang="pt-BR" sz="1800" dirty="0">
                 <a:latin typeface="Times New Roman" panose="02020603050405020304" pitchFamily="18" charset="0"/>
@@ -10311,7 +14128,7 @@
 </p:sld>
 </file>
 
-<file path=ppt/slides/slide28.xml><?xml version="1.0" encoding="utf-8"?>
+<file path=ppt/slides/slide36.xml><?xml version="1.0" encoding="utf-8"?>
 <p:sld xmlns:a="http://schemas.openxmlformats.org/drawingml/2006/main" xmlns:r="http://schemas.openxmlformats.org/officeDocument/2006/relationships" xmlns:p="http://schemas.openxmlformats.org/presentationml/2006/main">
   <p:cSld>
     <p:spTree>
@@ -10762,172 +14579,6 @@
 </p:sld>
 </file>
 
-<file path=ppt/slides/slide3.xml><?xml version="1.0" encoding="utf-8"?>
-<p:sld xmlns:a="http://schemas.openxmlformats.org/drawingml/2006/main" xmlns:r="http://schemas.openxmlformats.org/officeDocument/2006/relationships" xmlns:p="http://schemas.openxmlformats.org/presentationml/2006/main">
-  <p:cSld>
-    <p:spTree>
-      <p:nvGrpSpPr>
-        <p:cNvPr id="1" name=""/>
-        <p:cNvGrpSpPr/>
-        <p:nvPr/>
-      </p:nvGrpSpPr>
-      <p:grpSpPr>
-        <a:xfrm>
-          <a:off x="0" y="0"/>
-          <a:ext cx="0" cy="0"/>
-          <a:chOff x="0" y="0"/>
-          <a:chExt cx="0" cy="0"/>
-        </a:xfrm>
-      </p:grpSpPr>
-      <p:sp>
-        <p:nvSpPr>
-          <p:cNvPr id="6" name="Title 1"/>
-          <p:cNvSpPr>
-            <a:spLocks noGrp="1"/>
-          </p:cNvSpPr>
-          <p:nvPr>
-            <p:ph type="title"/>
-          </p:nvPr>
-        </p:nvSpPr>
-        <p:spPr>
-          <a:xfrm>
-            <a:off x="457200" y="205980"/>
-            <a:ext cx="8229600" cy="857251"/>
-          </a:xfrm>
-        </p:spPr>
-        <p:txBody>
-          <a:bodyPr/>
-          <a:lstStyle/>
-          <a:p>
-            <a:r>
-              <a:rPr lang="en-US" b="1" dirty="0">
-                <a:solidFill>
-                  <a:srgbClr val="0070C0"/>
-                </a:solidFill>
-              </a:rPr>
-              <a:t>Python – </a:t>
-            </a:r>
-            <a:r>
-              <a:rPr lang="en-US" b="1" dirty="0" err="1">
-                <a:solidFill>
-                  <a:srgbClr val="0070C0"/>
-                </a:solidFill>
-              </a:rPr>
-              <a:t>Variáveis</a:t>
-            </a:r>
-            <a:r>
-              <a:rPr lang="en-US" b="1" dirty="0">
-                <a:solidFill>
-                  <a:srgbClr val="0070C0"/>
-                </a:solidFill>
-              </a:rPr>
-              <a:t> </a:t>
-            </a:r>
-            <a:r>
-              <a:rPr lang="en-US" b="1" dirty="0" err="1">
-                <a:solidFill>
-                  <a:srgbClr val="0070C0"/>
-                </a:solidFill>
-              </a:rPr>
-              <a:t>Conceito</a:t>
-            </a:r>
-            <a:endParaRPr lang="en-US" b="1" dirty="0">
-              <a:solidFill>
-                <a:srgbClr val="0070C0"/>
-              </a:solidFill>
-            </a:endParaRPr>
-          </a:p>
-        </p:txBody>
-      </p:sp>
-      <p:sp>
-        <p:nvSpPr>
-          <p:cNvPr id="8" name="Text Placeholder 2"/>
-          <p:cNvSpPr>
-            <a:spLocks noGrp="1"/>
-          </p:cNvSpPr>
-          <p:nvPr>
-            <p:ph type="body" sz="half" idx="1"/>
-          </p:nvPr>
-        </p:nvSpPr>
-        <p:spPr>
-          <a:xfrm>
-            <a:off x="142865" y="1200150"/>
-            <a:ext cx="8865056" cy="3445001"/>
-          </a:xfrm>
-        </p:spPr>
-        <p:txBody>
-          <a:bodyPr>
-            <a:noAutofit/>
-          </a:bodyPr>
-          <a:lstStyle/>
-          <a:p>
-            <a:pPr marL="0" indent="0" algn="just">
-              <a:buNone/>
-            </a:pPr>
-            <a:r>
-              <a:rPr lang="pt-BR" b="1" dirty="0">
-                <a:solidFill>
-                  <a:srgbClr val="FF0000"/>
-                </a:solidFill>
-                <a:latin typeface="Times New Roman" panose="02020603050405020304" pitchFamily="18" charset="0"/>
-                <a:cs typeface="Times New Roman" panose="02020603050405020304" pitchFamily="18" charset="0"/>
-              </a:rPr>
-              <a:t>Identificadores / Variáveis </a:t>
-            </a:r>
-            <a:r>
-              <a:rPr lang="pt-BR" dirty="0">
-                <a:solidFill>
-                  <a:schemeClr val="tx1"/>
-                </a:solidFill>
-                <a:latin typeface="Times New Roman" panose="02020603050405020304" pitchFamily="18" charset="0"/>
-                <a:cs typeface="Times New Roman" panose="02020603050405020304" pitchFamily="18" charset="0"/>
-              </a:rPr>
-              <a:t>são um dos recursos mais básicos das linguagens de programação. </a:t>
-            </a:r>
-          </a:p>
-          <a:p>
-            <a:pPr marL="0" indent="0" algn="just">
-              <a:buNone/>
-            </a:pPr>
-            <a:endParaRPr lang="pt-BR" dirty="0">
-              <a:solidFill>
-                <a:schemeClr val="tx1"/>
-              </a:solidFill>
-              <a:latin typeface="Times New Roman" panose="02020603050405020304" pitchFamily="18" charset="0"/>
-              <a:cs typeface="Times New Roman" panose="02020603050405020304" pitchFamily="18" charset="0"/>
-            </a:endParaRPr>
-          </a:p>
-          <a:p>
-            <a:pPr marL="0" indent="0" algn="just">
-              <a:buNone/>
-            </a:pPr>
-            <a:r>
-              <a:rPr lang="pt-BR" dirty="0">
-                <a:solidFill>
-                  <a:schemeClr val="tx1"/>
-                </a:solidFill>
-                <a:latin typeface="Times New Roman" panose="02020603050405020304" pitchFamily="18" charset="0"/>
-                <a:cs typeface="Times New Roman" panose="02020603050405020304" pitchFamily="18" charset="0"/>
-              </a:rPr>
-              <a:t>Utilizadas para armazenar valores em memória, elas nos permitem gravar e ler esses dados com facilidade a partir de um nome definido pelo desenvolvedor.</a:t>
-            </a:r>
-          </a:p>
-        </p:txBody>
-      </p:sp>
-    </p:spTree>
-    <p:extLst>
-      <p:ext uri="{BB962C8B-B14F-4D97-AF65-F5344CB8AC3E}">
-        <p14:creationId xmlns:p14="http://schemas.microsoft.com/office/powerpoint/2010/main" val="1362980025"/>
-      </p:ext>
-    </p:extLst>
-  </p:cSld>
-  <p:clrMapOvr>
-    <a:masterClrMapping/>
-  </p:clrMapOvr>
-  <p:transition spd="med"/>
-</p:sld>
-</file>
-
 <file path=ppt/slides/slide4.xml><?xml version="1.0" encoding="utf-8"?>
 <p:sld xmlns:a="http://schemas.openxmlformats.org/drawingml/2006/main" xmlns:r="http://schemas.openxmlformats.org/officeDocument/2006/relationships" xmlns:p="http://schemas.openxmlformats.org/presentationml/2006/main">
   <p:cSld>
@@ -12315,6 +15966,21 @@
               <a:buNone/>
             </a:pPr>
             <a:r>
+              <a:rPr lang="pt-BR" sz="2700" dirty="0">
+                <a:solidFill>
+                  <a:schemeClr val="tx1"/>
+                </a:solidFill>
+                <a:latin typeface="Times New Roman" panose="02020603050405020304" pitchFamily="18" charset="0"/>
+                <a:cs typeface="Times New Roman" panose="02020603050405020304" pitchFamily="18" charset="0"/>
+              </a:rPr>
+              <a:t>x = 21</a:t>
+            </a:r>
+          </a:p>
+          <a:p>
+            <a:pPr marL="0" indent="0" algn="just">
+              <a:buNone/>
+            </a:pPr>
+            <a:r>
               <a:rPr lang="pt-BR" sz="2700" dirty="0" err="1">
                 <a:solidFill>
                   <a:schemeClr val="tx1"/>
@@ -12333,21 +15999,6 @@
                 <a:cs typeface="Times New Roman" panose="02020603050405020304" pitchFamily="18" charset="0"/>
               </a:rPr>
               <a:t> = x</a:t>
-            </a:r>
-          </a:p>
-          <a:p>
-            <a:pPr marL="0" indent="0" algn="just">
-              <a:buNone/>
-            </a:pPr>
-            <a:r>
-              <a:rPr lang="pt-BR" sz="2700" dirty="0">
-                <a:solidFill>
-                  <a:schemeClr val="tx1"/>
-                </a:solidFill>
-                <a:latin typeface="Times New Roman" panose="02020603050405020304" pitchFamily="18" charset="0"/>
-                <a:cs typeface="Times New Roman" panose="02020603050405020304" pitchFamily="18" charset="0"/>
-              </a:rPr>
-              <a:t>x = y</a:t>
             </a:r>
           </a:p>
           <a:p>
@@ -12471,6 +16122,16 @@
               <a:buNone/>
             </a:pPr>
             <a:r>
+              <a:rPr lang="pt-BR" sz="2700" b="1" dirty="0">
+                <a:solidFill>
+                  <a:schemeClr val="tx1"/>
+                </a:solidFill>
+                <a:latin typeface="Times New Roman" panose="02020603050405020304" pitchFamily="18" charset="0"/>
+                <a:cs typeface="Times New Roman" panose="02020603050405020304" pitchFamily="18" charset="0"/>
+              </a:rPr>
+              <a:t>print</a:t>
+            </a:r>
+            <a:r>
               <a:rPr lang="pt-BR" sz="2700" dirty="0">
                 <a:solidFill>
                   <a:schemeClr val="tx1"/>
@@ -12478,7 +16139,7 @@
                 <a:latin typeface="Times New Roman" panose="02020603050405020304" pitchFamily="18" charset="0"/>
                 <a:cs typeface="Times New Roman" panose="02020603050405020304" pitchFamily="18" charset="0"/>
               </a:rPr>
-              <a:t>print('The </a:t>
+              <a:t>('The </a:t>
             </a:r>
             <a:r>
               <a:rPr lang="pt-BR" sz="2700" dirty="0" err="1">
@@ -12541,6 +16202,51 @@
               <a:t> swapping: {}'.</a:t>
             </a:r>
             <a:r>
+              <a:rPr lang="pt-BR" sz="2700" b="1" dirty="0" err="1">
+                <a:solidFill>
+                  <a:schemeClr val="tx1"/>
+                </a:solidFill>
+                <a:latin typeface="Times New Roman" panose="02020603050405020304" pitchFamily="18" charset="0"/>
+                <a:cs typeface="Times New Roman" panose="02020603050405020304" pitchFamily="18" charset="0"/>
+              </a:rPr>
+              <a:t>format</a:t>
+            </a:r>
+            <a:r>
+              <a:rPr lang="pt-BR" sz="2700" dirty="0">
+                <a:solidFill>
+                  <a:schemeClr val="tx1"/>
+                </a:solidFill>
+                <a:latin typeface="Times New Roman" panose="02020603050405020304" pitchFamily="18" charset="0"/>
+                <a:cs typeface="Times New Roman" panose="02020603050405020304" pitchFamily="18" charset="0"/>
+              </a:rPr>
+              <a:t>(x))</a:t>
+            </a:r>
+          </a:p>
+          <a:p>
+            <a:pPr marL="0" indent="0" algn="just">
+              <a:buNone/>
+            </a:pPr>
+            <a:r>
+              <a:rPr lang="pt-BR" sz="2700" b="1" dirty="0">
+                <a:solidFill>
+                  <a:schemeClr val="tx1"/>
+                </a:solidFill>
+                <a:latin typeface="Times New Roman" panose="02020603050405020304" pitchFamily="18" charset="0"/>
+                <a:cs typeface="Times New Roman" panose="02020603050405020304" pitchFamily="18" charset="0"/>
+              </a:rPr>
+              <a:t>print</a:t>
+            </a:r>
+            <a:r>
+              <a:rPr lang="pt-BR" sz="2700" dirty="0">
+                <a:solidFill>
+                  <a:schemeClr val="tx1"/>
+                </a:solidFill>
+                <a:latin typeface="Times New Roman" panose="02020603050405020304" pitchFamily="18" charset="0"/>
+                <a:cs typeface="Times New Roman" panose="02020603050405020304" pitchFamily="18" charset="0"/>
+              </a:rPr>
+              <a:t>('The </a:t>
+            </a:r>
+            <a:r>
               <a:rPr lang="pt-BR" sz="2700" dirty="0" err="1">
                 <a:solidFill>
                   <a:schemeClr val="tx1"/>
@@ -12548,7 +16254,7 @@
                 <a:latin typeface="Times New Roman" panose="02020603050405020304" pitchFamily="18" charset="0"/>
                 <a:cs typeface="Times New Roman" panose="02020603050405020304" pitchFamily="18" charset="0"/>
               </a:rPr>
-              <a:t>format</a:t>
+              <a:t>value</a:t>
             </a:r>
             <a:r>
               <a:rPr lang="pt-BR" sz="2700" dirty="0">
@@ -12558,13 +16264,18 @@
                 <a:latin typeface="Times New Roman" panose="02020603050405020304" pitchFamily="18" charset="0"/>
                 <a:cs typeface="Times New Roman" panose="02020603050405020304" pitchFamily="18" charset="0"/>
               </a:rPr>
-              <a:t>(x))</a:t>
-            </a:r>
-          </a:p>
-          <a:p>
-            <a:pPr marL="0" indent="0" algn="just">
-              <a:buNone/>
-            </a:pPr>
+              <a:t> </a:t>
+            </a:r>
+            <a:r>
+              <a:rPr lang="pt-BR" sz="2700" dirty="0" err="1">
+                <a:solidFill>
+                  <a:schemeClr val="tx1"/>
+                </a:solidFill>
+                <a:latin typeface="Times New Roman" panose="02020603050405020304" pitchFamily="18" charset="0"/>
+                <a:cs typeface="Times New Roman" panose="02020603050405020304" pitchFamily="18" charset="0"/>
+              </a:rPr>
+              <a:t>of</a:t>
+            </a:r>
             <a:r>
               <a:rPr lang="pt-BR" sz="2700" dirty="0">
                 <a:solidFill>
@@ -12573,7 +16284,7 @@
                 <a:latin typeface="Times New Roman" panose="02020603050405020304" pitchFamily="18" charset="0"/>
                 <a:cs typeface="Times New Roman" panose="02020603050405020304" pitchFamily="18" charset="0"/>
               </a:rPr>
-              <a:t>print('The </a:t>
+              <a:t> y </a:t>
             </a:r>
             <a:r>
               <a:rPr lang="pt-BR" sz="2700" dirty="0" err="1">
@@ -12583,7 +16294,7 @@
                 <a:latin typeface="Times New Roman" panose="02020603050405020304" pitchFamily="18" charset="0"/>
                 <a:cs typeface="Times New Roman" panose="02020603050405020304" pitchFamily="18" charset="0"/>
               </a:rPr>
-              <a:t>value</a:t>
+              <a:t>after</a:t>
             </a:r>
             <a:r>
               <a:rPr lang="pt-BR" sz="2700" dirty="0">
@@ -12593,50 +16304,10 @@
                 <a:latin typeface="Times New Roman" panose="02020603050405020304" pitchFamily="18" charset="0"/>
                 <a:cs typeface="Times New Roman" panose="02020603050405020304" pitchFamily="18" charset="0"/>
               </a:rPr>
-              <a:t> </a:t>
-            </a:r>
-            <a:r>
-              <a:rPr lang="pt-BR" sz="2700" dirty="0" err="1">
-                <a:solidFill>
-                  <a:schemeClr val="tx1"/>
-                </a:solidFill>
-                <a:latin typeface="Times New Roman" panose="02020603050405020304" pitchFamily="18" charset="0"/>
-                <a:cs typeface="Times New Roman" panose="02020603050405020304" pitchFamily="18" charset="0"/>
-              </a:rPr>
-              <a:t>of</a:t>
-            </a:r>
-            <a:r>
-              <a:rPr lang="pt-BR" sz="2700" dirty="0">
-                <a:solidFill>
-                  <a:schemeClr val="tx1"/>
-                </a:solidFill>
-                <a:latin typeface="Times New Roman" panose="02020603050405020304" pitchFamily="18" charset="0"/>
-                <a:cs typeface="Times New Roman" panose="02020603050405020304" pitchFamily="18" charset="0"/>
-              </a:rPr>
-              <a:t> y </a:t>
-            </a:r>
-            <a:r>
-              <a:rPr lang="pt-BR" sz="2700" dirty="0" err="1">
-                <a:solidFill>
-                  <a:schemeClr val="tx1"/>
-                </a:solidFill>
-                <a:latin typeface="Times New Roman" panose="02020603050405020304" pitchFamily="18" charset="0"/>
-                <a:cs typeface="Times New Roman" panose="02020603050405020304" pitchFamily="18" charset="0"/>
-              </a:rPr>
-              <a:t>after</a:t>
-            </a:r>
-            <a:r>
-              <a:rPr lang="pt-BR" sz="2700" dirty="0">
-                <a:solidFill>
-                  <a:schemeClr val="tx1"/>
-                </a:solidFill>
-                <a:latin typeface="Times New Roman" panose="02020603050405020304" pitchFamily="18" charset="0"/>
-                <a:cs typeface="Times New Roman" panose="02020603050405020304" pitchFamily="18" charset="0"/>
-              </a:rPr>
               <a:t> swapping: {}'.</a:t>
             </a:r>
             <a:r>
-              <a:rPr lang="pt-BR" sz="2700" dirty="0" err="1">
+              <a:rPr lang="pt-BR" sz="2700" b="1" dirty="0" err="1">
                 <a:solidFill>
                   <a:schemeClr val="tx1"/>
                 </a:solidFill>
@@ -13120,7 +16791,7 @@
               <a:t>- armazena </a:t>
             </a:r>
             <a:r>
-              <a:rPr lang="pt-BR" dirty="0" err="1">
+              <a:rPr lang="pt-BR" b="1" dirty="0" err="1">
                 <a:solidFill>
                   <a:schemeClr val="tx1"/>
                 </a:solidFill>
@@ -13137,7 +16808,27 @@
                 <a:latin typeface="Times New Roman" panose="02020603050405020304" pitchFamily="18" charset="0"/>
                 <a:cs typeface="Times New Roman" panose="02020603050405020304" pitchFamily="18" charset="0"/>
               </a:rPr>
-              <a:t> ou False.</a:t>
+              <a:t> ou </a:t>
+            </a:r>
+            <a:r>
+              <a:rPr lang="pt-BR" b="1" dirty="0">
+                <a:solidFill>
+                  <a:schemeClr val="tx1"/>
+                </a:solidFill>
+                <a:latin typeface="Times New Roman" panose="02020603050405020304" pitchFamily="18" charset="0"/>
+                <a:cs typeface="Times New Roman" panose="02020603050405020304" pitchFamily="18" charset="0"/>
+              </a:rPr>
+              <a:t>False</a:t>
+            </a:r>
+            <a:r>
+              <a:rPr lang="pt-BR" dirty="0">
+                <a:solidFill>
+                  <a:schemeClr val="tx1"/>
+                </a:solidFill>
+                <a:latin typeface="Times New Roman" panose="02020603050405020304" pitchFamily="18" charset="0"/>
+                <a:cs typeface="Times New Roman" panose="02020603050405020304" pitchFamily="18" charset="0"/>
+              </a:rPr>
+              <a:t>.</a:t>
             </a:r>
           </a:p>
           <a:p>

--- a/01 Classes/Aula 02 Programação Python - Variáveis e Expressões.pptx
+++ b/01 Classes/Aula 02 Programação Python - Variáveis e Expressões.pptx
@@ -10815,8 +10815,8 @@
         </p:nvSpPr>
         <p:spPr>
           <a:xfrm>
-            <a:off x="148605" y="1063231"/>
-            <a:ext cx="5242142" cy="2246765"/>
+            <a:off x="148604" y="1063231"/>
+            <a:ext cx="5550737" cy="2246765"/>
           </a:xfrm>
           <a:prstGeom prst="rect">
             <a:avLst/>
@@ -10871,27 +10871,7 @@
                 <a:latin typeface="Times New Roman" panose="02020603050405020304" pitchFamily="18" charset="0"/>
                 <a:cs typeface="Times New Roman" panose="02020603050405020304" pitchFamily="18" charset="0"/>
               </a:rPr>
-              <a:t>Variáveis/Identificadores (</a:t>
-            </a:r>
-            <a:r>
-              <a:rPr lang="pt-BR" sz="2000" b="1" dirty="0" err="1">
-                <a:solidFill>
-                  <a:srgbClr val="FF0000"/>
-                </a:solidFill>
-                <a:latin typeface="Times New Roman" panose="02020603050405020304" pitchFamily="18" charset="0"/>
-                <a:cs typeface="Times New Roman" panose="02020603050405020304" pitchFamily="18" charset="0"/>
-              </a:rPr>
-              <a:t>type</a:t>
-            </a:r>
-            <a:r>
-              <a:rPr lang="pt-BR" sz="2000" dirty="0">
-                <a:solidFill>
-                  <a:schemeClr val="tx1"/>
-                </a:solidFill>
-                <a:latin typeface="Times New Roman" panose="02020603050405020304" pitchFamily="18" charset="0"/>
-                <a:cs typeface="Times New Roman" panose="02020603050405020304" pitchFamily="18" charset="0"/>
-              </a:rPr>
-              <a:t>)</a:t>
+              <a:t>Variáveis/Identificadores</a:t>
             </a:r>
           </a:p>
           <a:p>
@@ -10916,7 +10896,17 @@
                 <a:latin typeface="Times New Roman" panose="02020603050405020304" pitchFamily="18" charset="0"/>
                 <a:cs typeface="Times New Roman" panose="02020603050405020304" pitchFamily="18" charset="0"/>
               </a:rPr>
-              <a:t>tipagem dinâmica</a:t>
+              <a:t>tipagem dinâmica - </a:t>
+            </a:r>
+            <a:r>
+              <a:rPr lang="pt-BR" sz="2000" b="1" dirty="0" err="1">
+                <a:solidFill>
+                  <a:srgbClr val="FF0000"/>
+                </a:solidFill>
+                <a:latin typeface="Times New Roman" panose="02020603050405020304" pitchFamily="18" charset="0"/>
+                <a:cs typeface="Times New Roman" panose="02020603050405020304" pitchFamily="18" charset="0"/>
+              </a:rPr>
+              <a:t>type</a:t>
             </a:r>
             <a:r>
               <a:rPr lang="pt-BR" sz="2000" dirty="0">
@@ -10941,12 +10931,22 @@
                 <a:latin typeface="Times New Roman" panose="02020603050405020304" pitchFamily="18" charset="0"/>
                 <a:cs typeface="Times New Roman" panose="02020603050405020304" pitchFamily="18" charset="0"/>
               </a:rPr>
-              <a:t>Estrutura de Dados: Listas, </a:t>
-            </a:r>
-            <a:r>
-              <a:rPr lang="pt-BR" sz="2000" dirty="0" err="1">
-                <a:solidFill>
-                  <a:schemeClr val="tx1"/>
+              <a:t>Estrutura de Dados: </a:t>
+            </a:r>
+            <a:r>
+              <a:rPr lang="pt-BR" sz="2000" b="1" dirty="0">
+                <a:solidFill>
+                  <a:srgbClr val="FF0000"/>
+                </a:solidFill>
+                <a:latin typeface="Times New Roman" panose="02020603050405020304" pitchFamily="18" charset="0"/>
+                <a:cs typeface="Times New Roman" panose="02020603050405020304" pitchFamily="18" charset="0"/>
+              </a:rPr>
+              <a:t>Listas, </a:t>
+            </a:r>
+            <a:r>
+              <a:rPr lang="pt-BR" sz="2000" b="1" dirty="0" err="1">
+                <a:solidFill>
+                  <a:srgbClr val="FF0000"/>
                 </a:solidFill>
                 <a:latin typeface="Times New Roman" panose="02020603050405020304" pitchFamily="18" charset="0"/>
                 <a:cs typeface="Times New Roman" panose="02020603050405020304" pitchFamily="18" charset="0"/>
@@ -10954,9 +10954,9 @@
               <a:t>Tuplas</a:t>
             </a:r>
             <a:r>
-              <a:rPr lang="pt-BR" sz="2000" dirty="0">
-                <a:solidFill>
-                  <a:schemeClr val="tx1"/>
+              <a:rPr lang="pt-BR" sz="2000" b="1" dirty="0">
+                <a:solidFill>
+                  <a:srgbClr val="FF0000"/>
                 </a:solidFill>
                 <a:latin typeface="Times New Roman" panose="02020603050405020304" pitchFamily="18" charset="0"/>
                 <a:cs typeface="Times New Roman" panose="02020603050405020304" pitchFamily="18" charset="0"/>
@@ -10964,9 +10964,9 @@
               <a:t>, </a:t>
             </a:r>
             <a:r>
-              <a:rPr lang="pt-BR" sz="2000" dirty="0" err="1">
-                <a:solidFill>
-                  <a:schemeClr val="tx1"/>
+              <a:rPr lang="pt-BR" sz="2000" b="1" dirty="0" err="1">
+                <a:solidFill>
+                  <a:srgbClr val="FF0000"/>
                 </a:solidFill>
                 <a:latin typeface="Times New Roman" panose="02020603050405020304" pitchFamily="18" charset="0"/>
                 <a:cs typeface="Times New Roman" panose="02020603050405020304" pitchFamily="18" charset="0"/>
@@ -10974,9 +10974,9 @@
               <a:t>Dics</a:t>
             </a:r>
             <a:r>
-              <a:rPr lang="pt-BR" sz="2000" dirty="0">
-                <a:solidFill>
-                  <a:schemeClr val="tx1"/>
+              <a:rPr lang="pt-BR" sz="2000" b="1" dirty="0">
+                <a:solidFill>
+                  <a:srgbClr val="FF0000"/>
                 </a:solidFill>
                 <a:latin typeface="Times New Roman" panose="02020603050405020304" pitchFamily="18" charset="0"/>
                 <a:cs typeface="Times New Roman" panose="02020603050405020304" pitchFamily="18" charset="0"/>
@@ -10996,7 +10996,47 @@
                 <a:latin typeface="Times New Roman" panose="02020603050405020304" pitchFamily="18" charset="0"/>
                 <a:cs typeface="Times New Roman" panose="02020603050405020304" pitchFamily="18" charset="0"/>
               </a:rPr>
-              <a:t>Entrada / Saídas</a:t>
+              <a:t>Entrada (</a:t>
+            </a:r>
+            <a:r>
+              <a:rPr lang="pt-BR" sz="2000" b="1" dirty="0">
+                <a:solidFill>
+                  <a:srgbClr val="FF0000"/>
+                </a:solidFill>
+                <a:latin typeface="Times New Roman" panose="02020603050405020304" pitchFamily="18" charset="0"/>
+                <a:cs typeface="Times New Roman" panose="02020603050405020304" pitchFamily="18" charset="0"/>
+              </a:rPr>
+              <a:t>atribuição e/ou input</a:t>
+            </a:r>
+            <a:r>
+              <a:rPr lang="pt-BR" sz="2000" dirty="0">
+                <a:solidFill>
+                  <a:schemeClr val="tx1"/>
+                </a:solidFill>
+                <a:latin typeface="Times New Roman" panose="02020603050405020304" pitchFamily="18" charset="0"/>
+                <a:cs typeface="Times New Roman" panose="02020603050405020304" pitchFamily="18" charset="0"/>
+              </a:rPr>
+              <a:t>) / Saídas (</a:t>
+            </a:r>
+            <a:r>
+              <a:rPr lang="pt-BR" sz="2000" b="1" dirty="0">
+                <a:solidFill>
+                  <a:srgbClr val="FF0000"/>
+                </a:solidFill>
+                <a:latin typeface="Times New Roman" panose="02020603050405020304" pitchFamily="18" charset="0"/>
+                <a:cs typeface="Times New Roman" panose="02020603050405020304" pitchFamily="18" charset="0"/>
+              </a:rPr>
+              <a:t>print</a:t>
+            </a:r>
+            <a:r>
+              <a:rPr lang="pt-BR" sz="2000" dirty="0">
+                <a:solidFill>
+                  <a:schemeClr val="tx1"/>
+                </a:solidFill>
+                <a:latin typeface="Times New Roman" panose="02020603050405020304" pitchFamily="18" charset="0"/>
+                <a:cs typeface="Times New Roman" panose="02020603050405020304" pitchFamily="18" charset="0"/>
+              </a:rPr>
+              <a:t>)</a:t>
             </a:r>
           </a:p>
           <a:p>
@@ -11130,7 +11170,7 @@
                 <a:latin typeface="Times New Roman" panose="02020603050405020304" pitchFamily="18" charset="0"/>
                 <a:cs typeface="Times New Roman" panose="02020603050405020304" pitchFamily="18" charset="0"/>
               </a:rPr>
-              <a:t>Funções</a:t>
+              <a:t>Funções / Recursividade</a:t>
             </a:r>
           </a:p>
           <a:p>
@@ -11162,7 +11202,27 @@
                 <a:latin typeface="Times New Roman" panose="02020603050405020304" pitchFamily="18" charset="0"/>
                 <a:cs typeface="Times New Roman" panose="02020603050405020304" pitchFamily="18" charset="0"/>
               </a:rPr>
-              <a:t>Classes</a:t>
+              <a:t>Classes (</a:t>
+            </a:r>
+            <a:r>
+              <a:rPr lang="pt-BR" sz="2000" b="1" dirty="0">
+                <a:solidFill>
+                  <a:srgbClr val="FF0000"/>
+                </a:solidFill>
+                <a:latin typeface="Times New Roman" panose="02020603050405020304" pitchFamily="18" charset="0"/>
+                <a:cs typeface="Times New Roman" panose="02020603050405020304" pitchFamily="18" charset="0"/>
+              </a:rPr>
+              <a:t>Orientação a Objetos</a:t>
+            </a:r>
+            <a:r>
+              <a:rPr lang="pt-BR" sz="2000" dirty="0">
+                <a:solidFill>
+                  <a:schemeClr val="tx1"/>
+                </a:solidFill>
+                <a:latin typeface="Times New Roman" panose="02020603050405020304" pitchFamily="18" charset="0"/>
+                <a:cs typeface="Times New Roman" panose="02020603050405020304" pitchFamily="18" charset="0"/>
+              </a:rPr>
+              <a:t>)</a:t>
             </a:r>
           </a:p>
           <a:p>
@@ -11178,7 +11238,27 @@
                 <a:latin typeface="Times New Roman" panose="02020603050405020304" pitchFamily="18" charset="0"/>
                 <a:cs typeface="Times New Roman" panose="02020603050405020304" pitchFamily="18" charset="0"/>
               </a:rPr>
-              <a:t>Módulos/Pacotes</a:t>
+              <a:t>Módulos/Pacotes (</a:t>
+            </a:r>
+            <a:r>
+              <a:rPr lang="pt-BR" sz="2000" b="1" dirty="0" err="1">
+                <a:solidFill>
+                  <a:srgbClr val="FF0000"/>
+                </a:solidFill>
+                <a:latin typeface="Times New Roman" panose="02020603050405020304" pitchFamily="18" charset="0"/>
+                <a:cs typeface="Times New Roman" panose="02020603050405020304" pitchFamily="18" charset="0"/>
+              </a:rPr>
+              <a:t>import</a:t>
+            </a:r>
+            <a:r>
+              <a:rPr lang="pt-BR" sz="2000" dirty="0">
+                <a:solidFill>
+                  <a:schemeClr val="tx1"/>
+                </a:solidFill>
+                <a:latin typeface="Times New Roman" panose="02020603050405020304" pitchFamily="18" charset="0"/>
+                <a:cs typeface="Times New Roman" panose="02020603050405020304" pitchFamily="18" charset="0"/>
+              </a:rPr>
+              <a:t>)</a:t>
             </a:r>
           </a:p>
           <a:p>
@@ -11194,7 +11274,37 @@
                 <a:latin typeface="Times New Roman" panose="02020603050405020304" pitchFamily="18" charset="0"/>
                 <a:cs typeface="Times New Roman" panose="02020603050405020304" pitchFamily="18" charset="0"/>
               </a:rPr>
-              <a:t>Ambientes Virtuais</a:t>
+              <a:t>Ambientes Virtuais (</a:t>
+            </a:r>
+            <a:r>
+              <a:rPr lang="pt-BR" sz="2000" b="1" dirty="0">
+                <a:solidFill>
+                  <a:srgbClr val="FF0000"/>
+                </a:solidFill>
+                <a:latin typeface="Times New Roman" panose="02020603050405020304" pitchFamily="18" charset="0"/>
+                <a:cs typeface="Times New Roman" panose="02020603050405020304" pitchFamily="18" charset="0"/>
+              </a:rPr>
+              <a:t>Conf. Variáveis, </a:t>
+            </a:r>
+            <a:r>
+              <a:rPr lang="pt-BR" sz="2000" b="1" dirty="0" err="1">
+                <a:solidFill>
+                  <a:srgbClr val="FF0000"/>
+                </a:solidFill>
+                <a:latin typeface="Times New Roman" panose="02020603050405020304" pitchFamily="18" charset="0"/>
+                <a:cs typeface="Times New Roman" panose="02020603050405020304" pitchFamily="18" charset="0"/>
+              </a:rPr>
+              <a:t>etc</a:t>
+            </a:r>
+            <a:r>
+              <a:rPr lang="pt-BR" sz="2000" dirty="0">
+                <a:solidFill>
+                  <a:schemeClr val="tx1"/>
+                </a:solidFill>
+                <a:latin typeface="Times New Roman" panose="02020603050405020304" pitchFamily="18" charset="0"/>
+                <a:cs typeface="Times New Roman" panose="02020603050405020304" pitchFamily="18" charset="0"/>
+              </a:rPr>
+              <a:t>)</a:t>
             </a:r>
           </a:p>
           <a:p>
@@ -11213,9 +11323,9 @@
               <a:t>Erros e Exceções (</a:t>
             </a:r>
             <a:r>
-              <a:rPr lang="pt-BR" sz="2000" dirty="0" err="1">
-                <a:solidFill>
-                  <a:schemeClr val="tx1"/>
+              <a:rPr lang="pt-BR" sz="2000" b="1" dirty="0" err="1">
+                <a:solidFill>
+                  <a:srgbClr val="FF0000"/>
                 </a:solidFill>
                 <a:latin typeface="Times New Roman" panose="02020603050405020304" pitchFamily="18" charset="0"/>
                 <a:cs typeface="Times New Roman" panose="02020603050405020304" pitchFamily="18" charset="0"/>
@@ -11223,42 +11333,45 @@
               <a:t>try</a:t>
             </a:r>
             <a:r>
+              <a:rPr lang="pt-BR" sz="2000" b="1" dirty="0">
+                <a:solidFill>
+                  <a:srgbClr val="FF0000"/>
+                </a:solidFill>
+                <a:latin typeface="Times New Roman" panose="02020603050405020304" pitchFamily="18" charset="0"/>
+                <a:cs typeface="Times New Roman" panose="02020603050405020304" pitchFamily="18" charset="0"/>
+              </a:rPr>
+              <a:t>: ... </a:t>
+            </a:r>
+            <a:r>
+              <a:rPr lang="pt-BR" sz="2000" b="1" dirty="0" err="1">
+                <a:solidFill>
+                  <a:srgbClr val="FF0000"/>
+                </a:solidFill>
+                <a:latin typeface="Times New Roman" panose="02020603050405020304" pitchFamily="18" charset="0"/>
+                <a:cs typeface="Times New Roman" panose="02020603050405020304" pitchFamily="18" charset="0"/>
+              </a:rPr>
+              <a:t>except</a:t>
+            </a:r>
+            <a:r>
+              <a:rPr lang="pt-BR" sz="2000" b="1" dirty="0">
+                <a:solidFill>
+                  <a:srgbClr val="FF0000"/>
+                </a:solidFill>
+                <a:latin typeface="Times New Roman" panose="02020603050405020304" pitchFamily="18" charset="0"/>
+                <a:cs typeface="Times New Roman" panose="02020603050405020304" pitchFamily="18" charset="0"/>
+              </a:rPr>
+              <a:t>:</a:t>
+            </a:r>
+            <a:r>
               <a:rPr lang="pt-BR" sz="2000" dirty="0">
                 <a:solidFill>
-                  <a:schemeClr val="tx1"/>
-                </a:solidFill>
-                <a:latin typeface="Times New Roman" panose="02020603050405020304" pitchFamily="18" charset="0"/>
-                <a:cs typeface="Times New Roman" panose="02020603050405020304" pitchFamily="18" charset="0"/>
-              </a:rPr>
-              <a:t>: ... </a:t>
-            </a:r>
-            <a:r>
-              <a:rPr lang="pt-BR" sz="2000" dirty="0" err="1">
-                <a:solidFill>
-                  <a:schemeClr val="tx1"/>
-                </a:solidFill>
-                <a:latin typeface="Times New Roman" panose="02020603050405020304" pitchFamily="18" charset="0"/>
-                <a:cs typeface="Times New Roman" panose="02020603050405020304" pitchFamily="18" charset="0"/>
-              </a:rPr>
-              <a:t>excpet</a:t>
-            </a:r>
-            <a:r>
-              <a:rPr lang="pt-BR" sz="2000">
-                <a:solidFill>
-                  <a:schemeClr val="tx1"/>
-                </a:solidFill>
-                <a:latin typeface="Times New Roman" panose="02020603050405020304" pitchFamily="18" charset="0"/>
-                <a:cs typeface="Times New Roman" panose="02020603050405020304" pitchFamily="18" charset="0"/>
-              </a:rPr>
-              <a:t>:  </a:t>
-            </a:r>
-            <a:endParaRPr lang="pt-BR" sz="2000" dirty="0">
-              <a:solidFill>
-                <a:schemeClr val="tx1"/>
-              </a:solidFill>
-              <a:latin typeface="Times New Roman" panose="02020603050405020304" pitchFamily="18" charset="0"/>
-              <a:cs typeface="Times New Roman" panose="02020603050405020304" pitchFamily="18" charset="0"/>
-            </a:endParaRPr>
+                  <a:srgbClr val="FF0000"/>
+                </a:solidFill>
+                <a:latin typeface="Times New Roman" panose="02020603050405020304" pitchFamily="18" charset="0"/>
+                <a:cs typeface="Times New Roman" panose="02020603050405020304" pitchFamily="18" charset="0"/>
+              </a:rPr>
+              <a:t>)  </a:t>
+            </a:r>
           </a:p>
           <a:p>
             <a:pPr marL="457200" indent="-457200" algn="just">

--- a/01 Classes/Aula 02 Programação Python - Variáveis e Expressões.pptx
+++ b/01 Classes/Aula 02 Programação Python - Variáveis e Expressões.pptx
@@ -6027,8 +6027,8 @@
         </p:nvSpPr>
         <p:spPr>
           <a:xfrm>
-            <a:off x="142865" y="1200150"/>
-            <a:ext cx="8865056" cy="3847839"/>
+            <a:off x="142865" y="984250"/>
+            <a:ext cx="8865056" cy="3953270"/>
           </a:xfrm>
         </p:spPr>
         <p:txBody>
@@ -6041,6 +6041,16 @@
               <a:buNone/>
             </a:pPr>
             <a:r>
+              <a:rPr lang="pt-BR" sz="2400" dirty="0">
+                <a:solidFill>
+                  <a:schemeClr val="tx1"/>
+                </a:solidFill>
+                <a:latin typeface="Times New Roman" panose="02020603050405020304" pitchFamily="18" charset="0"/>
+                <a:cs typeface="Times New Roman" panose="02020603050405020304" pitchFamily="18" charset="0"/>
+              </a:rPr>
+              <a:t>cidade = ‘Salvador’ </a:t>
+            </a:r>
+            <a:r>
               <a:rPr lang="pt-BR" sz="2400" b="1" dirty="0">
                 <a:solidFill>
                   <a:schemeClr val="tx1"/>
@@ -6048,7 +6058,7 @@
                 <a:latin typeface="Times New Roman" panose="02020603050405020304" pitchFamily="18" charset="0"/>
                 <a:cs typeface="Times New Roman" panose="02020603050405020304" pitchFamily="18" charset="0"/>
               </a:rPr>
-              <a:t>Exemplo:</a:t>
+              <a:t>			# Exemplos:</a:t>
             </a:r>
             <a:r>
               <a:rPr lang="pt-BR" sz="2400" dirty="0">
@@ -6073,7 +6083,7 @@
                 <a:latin typeface="Times New Roman" panose="02020603050405020304" pitchFamily="18" charset="0"/>
                 <a:cs typeface="Times New Roman" panose="02020603050405020304" pitchFamily="18" charset="0"/>
               </a:rPr>
-              <a:t>cidade = ‘Salvador'</a:t>
+              <a:t>n = 18</a:t>
             </a:r>
           </a:p>
           <a:p>
@@ -6088,7 +6098,7 @@
                 <a:latin typeface="Times New Roman" panose="02020603050405020304" pitchFamily="18" charset="0"/>
                 <a:cs typeface="Times New Roman" panose="02020603050405020304" pitchFamily="18" charset="0"/>
               </a:rPr>
-              <a:t>n = 18</a:t>
+              <a:t>pi = 3.14159265</a:t>
             </a:r>
           </a:p>
           <a:p>
@@ -6096,14 +6106,24 @@
               <a:buNone/>
             </a:pPr>
             <a:r>
-              <a:rPr lang="pt-BR" sz="2400" dirty="0">
-                <a:solidFill>
-                  <a:schemeClr val="tx1"/>
-                </a:solidFill>
-                <a:latin typeface="Times New Roman" panose="02020603050405020304" pitchFamily="18" charset="0"/>
-                <a:cs typeface="Times New Roman" panose="02020603050405020304" pitchFamily="18" charset="0"/>
-              </a:rPr>
-              <a:t>pi = 3.14159265</a:t>
+              <a:rPr lang="en-US" sz="2400" dirty="0" err="1">
+                <a:solidFill>
+                  <a:schemeClr val="tx1"/>
+                </a:solidFill>
+                <a:latin typeface="Times New Roman" panose="02020603050405020304" pitchFamily="18" charset="0"/>
+                <a:cs typeface="Times New Roman" panose="02020603050405020304" pitchFamily="18" charset="0"/>
+              </a:rPr>
+              <a:t>resposta</a:t>
+            </a:r>
+            <a:r>
+              <a:rPr lang="en-US" sz="2400" dirty="0">
+                <a:solidFill>
+                  <a:schemeClr val="tx1"/>
+                </a:solidFill>
+                <a:latin typeface="Times New Roman" panose="02020603050405020304" pitchFamily="18" charset="0"/>
+                <a:cs typeface="Times New Roman" panose="02020603050405020304" pitchFamily="18" charset="0"/>
+              </a:rPr>
+              <a:t> = True</a:t>
             </a:r>
           </a:p>
           <a:p>
@@ -6123,6 +6143,16 @@
               <a:buNone/>
             </a:pPr>
             <a:r>
+              <a:rPr lang="en-US" sz="2400" b="1" dirty="0">
+                <a:solidFill>
+                  <a:schemeClr val="tx1"/>
+                </a:solidFill>
+                <a:latin typeface="Times New Roman" panose="02020603050405020304" pitchFamily="18" charset="0"/>
+                <a:cs typeface="Times New Roman" panose="02020603050405020304" pitchFamily="18" charset="0"/>
+              </a:rPr>
+              <a:t>print</a:t>
+            </a:r>
+            <a:r>
               <a:rPr lang="en-US" sz="2400" dirty="0">
                 <a:solidFill>
                   <a:schemeClr val="tx1"/>
@@ -6130,7 +6160,7 @@
                 <a:latin typeface="Times New Roman" panose="02020603050405020304" pitchFamily="18" charset="0"/>
                 <a:cs typeface="Times New Roman" panose="02020603050405020304" pitchFamily="18" charset="0"/>
               </a:rPr>
-              <a:t>type (</a:t>
+              <a:t>(type (</a:t>
             </a:r>
             <a:r>
               <a:rPr lang="en-US" sz="2400" dirty="0" err="1">
@@ -6150,7 +6180,27 @@
                 <a:latin typeface="Times New Roman" panose="02020603050405020304" pitchFamily="18" charset="0"/>
                 <a:cs typeface="Times New Roman" panose="02020603050405020304" pitchFamily="18" charset="0"/>
               </a:rPr>
-              <a:t>) # &lt;class 'str'&gt;</a:t>
+              <a:t>)) # &lt;class </a:t>
+            </a:r>
+            <a:r>
+              <a:rPr lang="en-US" sz="2400" b="1" dirty="0">
+                <a:solidFill>
+                  <a:schemeClr val="tx1"/>
+                </a:solidFill>
+                <a:latin typeface="Times New Roman" panose="02020603050405020304" pitchFamily="18" charset="0"/>
+                <a:cs typeface="Times New Roman" panose="02020603050405020304" pitchFamily="18" charset="0"/>
+              </a:rPr>
+              <a:t>'str</a:t>
+            </a:r>
+            <a:r>
+              <a:rPr lang="en-US" sz="2400" dirty="0">
+                <a:solidFill>
+                  <a:schemeClr val="tx1"/>
+                </a:solidFill>
+                <a:latin typeface="Times New Roman" panose="02020603050405020304" pitchFamily="18" charset="0"/>
+                <a:cs typeface="Times New Roman" panose="02020603050405020304" pitchFamily="18" charset="0"/>
+              </a:rPr>
+              <a:t>'&gt;</a:t>
             </a:r>
           </a:p>
           <a:p>
@@ -6158,6 +6208,16 @@
               <a:buNone/>
             </a:pPr>
             <a:r>
+              <a:rPr lang="en-US" sz="2400" b="1" dirty="0">
+                <a:solidFill>
+                  <a:schemeClr val="tx1"/>
+                </a:solidFill>
+                <a:latin typeface="Times New Roman" panose="02020603050405020304" pitchFamily="18" charset="0"/>
+                <a:cs typeface="Times New Roman" panose="02020603050405020304" pitchFamily="18" charset="0"/>
+              </a:rPr>
+              <a:t>print</a:t>
+            </a:r>
+            <a:r>
               <a:rPr lang="en-US" sz="2400" dirty="0">
                 <a:solidFill>
                   <a:schemeClr val="tx1"/>
@@ -6165,7 +6225,27 @@
                 <a:latin typeface="Times New Roman" panose="02020603050405020304" pitchFamily="18" charset="0"/>
                 <a:cs typeface="Times New Roman" panose="02020603050405020304" pitchFamily="18" charset="0"/>
               </a:rPr>
-              <a:t>type (n) # &lt;class 'int'&gt;</a:t>
+              <a:t>(type (n)) # &lt;class </a:t>
+            </a:r>
+            <a:r>
+              <a:rPr lang="en-US" sz="2400" b="1" dirty="0">
+                <a:solidFill>
+                  <a:schemeClr val="tx1"/>
+                </a:solidFill>
+                <a:latin typeface="Times New Roman" panose="02020603050405020304" pitchFamily="18" charset="0"/>
+                <a:cs typeface="Times New Roman" panose="02020603050405020304" pitchFamily="18" charset="0"/>
+              </a:rPr>
+              <a:t>'int</a:t>
+            </a:r>
+            <a:r>
+              <a:rPr lang="en-US" sz="2400" dirty="0">
+                <a:solidFill>
+                  <a:schemeClr val="tx1"/>
+                </a:solidFill>
+                <a:latin typeface="Times New Roman" panose="02020603050405020304" pitchFamily="18" charset="0"/>
+                <a:cs typeface="Times New Roman" panose="02020603050405020304" pitchFamily="18" charset="0"/>
+              </a:rPr>
+              <a:t>’&gt;</a:t>
             </a:r>
           </a:p>
           <a:p>
@@ -6173,6 +6253,16 @@
               <a:buNone/>
             </a:pPr>
             <a:r>
+              <a:rPr lang="en-US" sz="2400" b="1" dirty="0">
+                <a:solidFill>
+                  <a:schemeClr val="tx1"/>
+                </a:solidFill>
+                <a:latin typeface="Times New Roman" panose="02020603050405020304" pitchFamily="18" charset="0"/>
+                <a:cs typeface="Times New Roman" panose="02020603050405020304" pitchFamily="18" charset="0"/>
+              </a:rPr>
+              <a:t>print</a:t>
+            </a:r>
+            <a:r>
               <a:rPr lang="en-US" sz="2400" dirty="0">
                 <a:solidFill>
                   <a:schemeClr val="tx1"/>
@@ -6180,7 +6270,27 @@
                 <a:latin typeface="Times New Roman" panose="02020603050405020304" pitchFamily="18" charset="0"/>
                 <a:cs typeface="Times New Roman" panose="02020603050405020304" pitchFamily="18" charset="0"/>
               </a:rPr>
-              <a:t>type (pi) # &lt;class 'float'&gt;</a:t>
+              <a:t>(type (pi)) # &lt;class </a:t>
+            </a:r>
+            <a:r>
+              <a:rPr lang="en-US" sz="2400" b="1" dirty="0">
+                <a:solidFill>
+                  <a:schemeClr val="tx1"/>
+                </a:solidFill>
+                <a:latin typeface="Times New Roman" panose="02020603050405020304" pitchFamily="18" charset="0"/>
+                <a:cs typeface="Times New Roman" panose="02020603050405020304" pitchFamily="18" charset="0"/>
+              </a:rPr>
+              <a:t>'float</a:t>
+            </a:r>
+            <a:r>
+              <a:rPr lang="en-US" sz="2400" dirty="0">
+                <a:solidFill>
+                  <a:schemeClr val="tx1"/>
+                </a:solidFill>
+                <a:latin typeface="Times New Roman" panose="02020603050405020304" pitchFamily="18" charset="0"/>
+                <a:cs typeface="Times New Roman" panose="02020603050405020304" pitchFamily="18" charset="0"/>
+              </a:rPr>
+              <a:t>'&gt;</a:t>
             </a:r>
             <a:endParaRPr lang="pt-BR" sz="2400" dirty="0">
               <a:solidFill>
@@ -6189,6 +6299,71 @@
               <a:latin typeface="Times New Roman" panose="02020603050405020304" pitchFamily="18" charset="0"/>
               <a:cs typeface="Times New Roman" panose="02020603050405020304" pitchFamily="18" charset="0"/>
             </a:endParaRPr>
+          </a:p>
+          <a:p>
+            <a:pPr marL="0" indent="0" algn="just">
+              <a:buNone/>
+            </a:pPr>
+            <a:r>
+              <a:rPr lang="en-US" sz="2400" b="1" dirty="0">
+                <a:solidFill>
+                  <a:schemeClr val="tx1"/>
+                </a:solidFill>
+                <a:latin typeface="Times New Roman" panose="02020603050405020304" pitchFamily="18" charset="0"/>
+                <a:cs typeface="Times New Roman" panose="02020603050405020304" pitchFamily="18" charset="0"/>
+              </a:rPr>
+              <a:t>print</a:t>
+            </a:r>
+            <a:r>
+              <a:rPr lang="en-US" sz="2400" dirty="0">
+                <a:solidFill>
+                  <a:schemeClr val="tx1"/>
+                </a:solidFill>
+                <a:latin typeface="Times New Roman" panose="02020603050405020304" pitchFamily="18" charset="0"/>
+                <a:cs typeface="Times New Roman" panose="02020603050405020304" pitchFamily="18" charset="0"/>
+              </a:rPr>
+              <a:t>(type (</a:t>
+            </a:r>
+            <a:r>
+              <a:rPr lang="en-US" sz="2400" dirty="0" err="1">
+                <a:solidFill>
+                  <a:schemeClr val="tx1"/>
+                </a:solidFill>
+                <a:latin typeface="Times New Roman" panose="02020603050405020304" pitchFamily="18" charset="0"/>
+                <a:cs typeface="Times New Roman" panose="02020603050405020304" pitchFamily="18" charset="0"/>
+              </a:rPr>
+              <a:t>resposta</a:t>
+            </a:r>
+            <a:r>
+              <a:rPr lang="en-US" sz="2400" dirty="0">
+                <a:solidFill>
+                  <a:schemeClr val="tx1"/>
+                </a:solidFill>
+                <a:latin typeface="Times New Roman" panose="02020603050405020304" pitchFamily="18" charset="0"/>
+                <a:cs typeface="Times New Roman" panose="02020603050405020304" pitchFamily="18" charset="0"/>
+              </a:rPr>
+              <a:t>)) # &lt;class ‘</a:t>
+            </a:r>
+            <a:r>
+              <a:rPr lang="en-US" sz="2400" b="1" dirty="0">
+                <a:solidFill>
+                  <a:schemeClr val="tx1"/>
+                </a:solidFill>
+                <a:latin typeface="Times New Roman" panose="02020603050405020304" pitchFamily="18" charset="0"/>
+                <a:cs typeface="Times New Roman" panose="02020603050405020304" pitchFamily="18" charset="0"/>
+              </a:rPr>
+              <a:t>bool</a:t>
+            </a:r>
+            <a:r>
+              <a:rPr lang="en-US" sz="2400" dirty="0">
+                <a:solidFill>
+                  <a:schemeClr val="tx1"/>
+                </a:solidFill>
+                <a:latin typeface="Times New Roman" panose="02020603050405020304" pitchFamily="18" charset="0"/>
+                <a:cs typeface="Times New Roman" panose="02020603050405020304" pitchFamily="18" charset="0"/>
+              </a:rPr>
+              <a:t>'&gt;</a:t>
+            </a:r>
           </a:p>
         </p:txBody>
       </p:sp>
@@ -6866,7 +7041,27 @@
                 <a:latin typeface="Times New Roman" panose="02020603050405020304" pitchFamily="18" charset="0"/>
                 <a:cs typeface="Times New Roman" panose="02020603050405020304" pitchFamily="18" charset="0"/>
               </a:rPr>
-              <a:t>    print("Variável global: ", VAR_GLOBAL)</a:t>
+              <a:t>    </a:t>
+            </a:r>
+            <a:r>
+              <a:rPr lang="pt-BR" sz="1500" b="1" dirty="0">
+                <a:solidFill>
+                  <a:schemeClr val="tx1"/>
+                </a:solidFill>
+                <a:latin typeface="Times New Roman" panose="02020603050405020304" pitchFamily="18" charset="0"/>
+                <a:cs typeface="Times New Roman" panose="02020603050405020304" pitchFamily="18" charset="0"/>
+              </a:rPr>
+              <a:t>print</a:t>
+            </a:r>
+            <a:r>
+              <a:rPr lang="pt-BR" sz="1500" dirty="0">
+                <a:solidFill>
+                  <a:schemeClr val="tx1"/>
+                </a:solidFill>
+                <a:latin typeface="Times New Roman" panose="02020603050405020304" pitchFamily="18" charset="0"/>
+                <a:cs typeface="Times New Roman" panose="02020603050405020304" pitchFamily="18" charset="0"/>
+              </a:rPr>
+              <a:t>("Variável global: ", VAR_GLOBAL)</a:t>
             </a:r>
           </a:p>
           <a:p>
@@ -6881,7 +7076,27 @@
                 <a:latin typeface="Times New Roman" panose="02020603050405020304" pitchFamily="18" charset="0"/>
                 <a:cs typeface="Times New Roman" panose="02020603050405020304" pitchFamily="18" charset="0"/>
               </a:rPr>
-              <a:t>    print("Variável local: ", VAR_LOCAL)</a:t>
+              <a:t>    </a:t>
+            </a:r>
+            <a:r>
+              <a:rPr lang="pt-BR" sz="1500" b="1" dirty="0">
+                <a:solidFill>
+                  <a:schemeClr val="tx1"/>
+                </a:solidFill>
+                <a:latin typeface="Times New Roman" panose="02020603050405020304" pitchFamily="18" charset="0"/>
+                <a:cs typeface="Times New Roman" panose="02020603050405020304" pitchFamily="18" charset="0"/>
+              </a:rPr>
+              <a:t>print</a:t>
+            </a:r>
+            <a:r>
+              <a:rPr lang="pt-BR" sz="1500" dirty="0">
+                <a:solidFill>
+                  <a:schemeClr val="tx1"/>
+                </a:solidFill>
+                <a:latin typeface="Times New Roman" panose="02020603050405020304" pitchFamily="18" charset="0"/>
+                <a:cs typeface="Times New Roman" panose="02020603050405020304" pitchFamily="18" charset="0"/>
+              </a:rPr>
+              <a:t>("Variável local: ", VAR_LOCAL)</a:t>
             </a:r>
           </a:p>
           <a:p>
@@ -6901,6 +7116,16 @@
               <a:buNone/>
             </a:pPr>
             <a:r>
+              <a:rPr lang="pt-BR" sz="1500" b="1" dirty="0">
+                <a:solidFill>
+                  <a:schemeClr val="tx1"/>
+                </a:solidFill>
+                <a:latin typeface="Times New Roman" panose="02020603050405020304" pitchFamily="18" charset="0"/>
+                <a:cs typeface="Times New Roman" panose="02020603050405020304" pitchFamily="18" charset="0"/>
+              </a:rPr>
+              <a:t>print</a:t>
+            </a:r>
+            <a:r>
               <a:rPr lang="pt-BR" sz="1500" dirty="0">
                 <a:solidFill>
                   <a:schemeClr val="tx1"/>
@@ -6908,7 +7133,7 @@
                 <a:latin typeface="Times New Roman" panose="02020603050405020304" pitchFamily="18" charset="0"/>
                 <a:cs typeface="Times New Roman" panose="02020603050405020304" pitchFamily="18" charset="0"/>
               </a:rPr>
-              <a:t>print("Executando a função </a:t>
+              <a:t>("Executando a função </a:t>
             </a:r>
             <a:r>
               <a:rPr lang="pt-BR" sz="1500" dirty="0" err="1">
@@ -6985,6 +7210,16 @@
               <a:buNone/>
             </a:pPr>
             <a:r>
+              <a:rPr lang="pt-BR" sz="1500" b="1" dirty="0">
+                <a:solidFill>
+                  <a:schemeClr val="tx1"/>
+                </a:solidFill>
+                <a:latin typeface="Times New Roman" panose="02020603050405020304" pitchFamily="18" charset="0"/>
+                <a:cs typeface="Times New Roman" panose="02020603050405020304" pitchFamily="18" charset="0"/>
+              </a:rPr>
+              <a:t>print</a:t>
+            </a:r>
+            <a:r>
               <a:rPr lang="pt-BR" sz="1500" dirty="0">
                 <a:solidFill>
                   <a:schemeClr val="tx1"/>
@@ -6992,7 +7227,7 @@
                 <a:latin typeface="Times New Roman" panose="02020603050405020304" pitchFamily="18" charset="0"/>
                 <a:cs typeface="Times New Roman" panose="02020603050405020304" pitchFamily="18" charset="0"/>
               </a:rPr>
-              <a:t>print("\</a:t>
+              <a:t>("\</a:t>
             </a:r>
             <a:r>
               <a:rPr lang="pt-BR" sz="1500" dirty="0" err="1">
@@ -7020,6 +7255,16 @@
               <a:buNone/>
             </a:pPr>
             <a:r>
+              <a:rPr lang="pt-BR" sz="1500" b="1" dirty="0">
+                <a:solidFill>
+                  <a:schemeClr val="tx1"/>
+                </a:solidFill>
+                <a:latin typeface="Times New Roman" panose="02020603050405020304" pitchFamily="18" charset="0"/>
+                <a:cs typeface="Times New Roman" panose="02020603050405020304" pitchFamily="18" charset="0"/>
+              </a:rPr>
+              <a:t>print</a:t>
+            </a:r>
+            <a:r>
               <a:rPr lang="pt-BR" sz="1500" dirty="0">
                 <a:solidFill>
                   <a:schemeClr val="tx1"/>
@@ -7027,7 +7272,7 @@
                 <a:latin typeface="Times New Roman" panose="02020603050405020304" pitchFamily="18" charset="0"/>
                 <a:cs typeface="Times New Roman" panose="02020603050405020304" pitchFamily="18" charset="0"/>
               </a:rPr>
-              <a:t>print("Variável global: ", VAR_GLOBAL)</a:t>
+              <a:t>("Variável global: ", VAR_GLOBAL)</a:t>
             </a:r>
           </a:p>
           <a:p>
@@ -7035,6 +7280,16 @@
               <a:buNone/>
             </a:pPr>
             <a:r>
+              <a:rPr lang="pt-BR" sz="1500" b="1" dirty="0">
+                <a:solidFill>
+                  <a:schemeClr val="tx1"/>
+                </a:solidFill>
+                <a:latin typeface="Times New Roman" panose="02020603050405020304" pitchFamily="18" charset="0"/>
+                <a:cs typeface="Times New Roman" panose="02020603050405020304" pitchFamily="18" charset="0"/>
+              </a:rPr>
+              <a:t>print</a:t>
+            </a:r>
+            <a:r>
               <a:rPr lang="pt-BR" sz="1500" dirty="0">
                 <a:solidFill>
                   <a:schemeClr val="tx1"/>
@@ -7042,7 +7297,7 @@
                 <a:latin typeface="Times New Roman" panose="02020603050405020304" pitchFamily="18" charset="0"/>
                 <a:cs typeface="Times New Roman" panose="02020603050405020304" pitchFamily="18" charset="0"/>
               </a:rPr>
-              <a:t>print("Variável local: ", VAR_LOCAL)</a:t>
+              <a:t>("Variável local: ", VAR_LOCAL)</a:t>
             </a:r>
           </a:p>
         </p:txBody>
@@ -10815,8 +11070,8 @@
         </p:nvSpPr>
         <p:spPr>
           <a:xfrm>
-            <a:off x="148604" y="1063231"/>
-            <a:ext cx="5550737" cy="2246765"/>
+            <a:off x="148604" y="936231"/>
+            <a:ext cx="8068296" cy="3970314"/>
           </a:xfrm>
           <a:prstGeom prst="rect">
             <a:avLst/>
@@ -10849,14 +11104,34 @@
               <a:buAutoNum type="arabicPeriod"/>
             </a:pPr>
             <a:r>
-              <a:rPr lang="pt-BR" sz="2000" dirty="0">
-                <a:solidFill>
-                  <a:schemeClr val="tx1"/>
-                </a:solidFill>
-                <a:latin typeface="Times New Roman" panose="02020603050405020304" pitchFamily="18" charset="0"/>
-                <a:cs typeface="Times New Roman" panose="02020603050405020304" pitchFamily="18" charset="0"/>
-              </a:rPr>
-              <a:t>Operadores</a:t>
+              <a:rPr lang="pt-BR" dirty="0">
+                <a:solidFill>
+                  <a:schemeClr val="tx1"/>
+                </a:solidFill>
+                <a:latin typeface="Times New Roman" panose="02020603050405020304" pitchFamily="18" charset="0"/>
+                <a:cs typeface="Times New Roman" panose="02020603050405020304" pitchFamily="18" charset="0"/>
+              </a:rPr>
+              <a:t>Paradigmas</a:t>
+            </a:r>
+            <a:r>
+              <a:rPr lang="pt-BR">
+                <a:solidFill>
+                  <a:schemeClr val="tx1"/>
+                </a:solidFill>
+                <a:latin typeface="Times New Roman" panose="02020603050405020304" pitchFamily="18" charset="0"/>
+                <a:cs typeface="Times New Roman" panose="02020603050405020304" pitchFamily="18" charset="0"/>
+              </a:rPr>
+              <a:t>/Domínios/Interpretador</a:t>
+            </a:r>
+            <a:r>
+              <a:rPr lang="pt-BR" dirty="0">
+                <a:solidFill>
+                  <a:schemeClr val="tx1"/>
+                </a:solidFill>
+                <a:latin typeface="Times New Roman" panose="02020603050405020304" pitchFamily="18" charset="0"/>
+                <a:cs typeface="Times New Roman" panose="02020603050405020304" pitchFamily="18" charset="0"/>
+              </a:rPr>
+              <a:t>/Expressões/Operadores/Tabela Verdade</a:t>
             </a:r>
           </a:p>
           <a:p>
@@ -10864,14 +11139,14 @@
               <a:buAutoNum type="arabicPeriod"/>
             </a:pPr>
             <a:r>
-              <a:rPr lang="pt-BR" sz="2000" dirty="0">
-                <a:solidFill>
-                  <a:schemeClr val="tx1"/>
-                </a:solidFill>
-                <a:latin typeface="Times New Roman" panose="02020603050405020304" pitchFamily="18" charset="0"/>
-                <a:cs typeface="Times New Roman" panose="02020603050405020304" pitchFamily="18" charset="0"/>
-              </a:rPr>
-              <a:t>Variáveis/Identificadores</a:t>
+              <a:rPr lang="pt-BR" dirty="0">
+                <a:solidFill>
+                  <a:schemeClr val="tx1"/>
+                </a:solidFill>
+                <a:latin typeface="Times New Roman" panose="02020603050405020304" pitchFamily="18" charset="0"/>
+                <a:cs typeface="Times New Roman" panose="02020603050405020304" pitchFamily="18" charset="0"/>
+              </a:rPr>
+              <a:t>Constantes/Variáveis/Identificadores</a:t>
             </a:r>
           </a:p>
           <a:p>
@@ -10879,7 +11154,7 @@
               <a:buAutoNum type="arabicPeriod"/>
             </a:pPr>
             <a:r>
-              <a:rPr lang="pt-BR" sz="2000" dirty="0">
+              <a:rPr lang="pt-BR" dirty="0">
                 <a:solidFill>
                   <a:schemeClr val="tx1"/>
                 </a:solidFill>
@@ -10889,7 +11164,7 @@
               <a:t>Tipos de Dados (</a:t>
             </a:r>
             <a:r>
-              <a:rPr lang="pt-BR" sz="2000" b="1" dirty="0">
+              <a:rPr lang="pt-BR" b="1" dirty="0">
                 <a:solidFill>
                   <a:schemeClr val="tx1"/>
                 </a:solidFill>
@@ -10899,7 +11174,7 @@
               <a:t>tipagem dinâmica - </a:t>
             </a:r>
             <a:r>
-              <a:rPr lang="pt-BR" sz="2000" b="1" dirty="0" err="1">
+              <a:rPr lang="pt-BR" b="1" dirty="0" err="1">
                 <a:solidFill>
                   <a:srgbClr val="FF0000"/>
                 </a:solidFill>
@@ -10909,7 +11184,7 @@
               <a:t>type</a:t>
             </a:r>
             <a:r>
-              <a:rPr lang="pt-BR" sz="2000" dirty="0">
+              <a:rPr lang="pt-BR" dirty="0">
                 <a:solidFill>
                   <a:schemeClr val="tx1"/>
                 </a:solidFill>
@@ -10924,7 +11199,7 @@
               <a:buAutoNum type="arabicPeriod"/>
             </a:pPr>
             <a:r>
-              <a:rPr lang="pt-BR" sz="2000" dirty="0">
+              <a:rPr lang="pt-BR" dirty="0">
                 <a:solidFill>
                   <a:schemeClr val="tx1"/>
                 </a:solidFill>
@@ -10934,47 +11209,27 @@
               <a:t>Estrutura de Dados: </a:t>
             </a:r>
             <a:r>
-              <a:rPr lang="pt-BR" sz="2000" b="1" dirty="0">
+              <a:rPr lang="pt-BR" b="1" dirty="0">
                 <a:solidFill>
                   <a:srgbClr val="FF0000"/>
                 </a:solidFill>
                 <a:latin typeface="Times New Roman" panose="02020603050405020304" pitchFamily="18" charset="0"/>
                 <a:cs typeface="Times New Roman" panose="02020603050405020304" pitchFamily="18" charset="0"/>
               </a:rPr>
-              <a:t>Listas, </a:t>
-            </a:r>
-            <a:r>
-              <a:rPr lang="pt-BR" sz="2000" b="1" dirty="0" err="1">
+              <a:t>Listas, Tuplas, </a:t>
+            </a:r>
+            <a:r>
+              <a:rPr lang="pt-BR" b="1" dirty="0" err="1">
                 <a:solidFill>
                   <a:srgbClr val="FF0000"/>
                 </a:solidFill>
                 <a:latin typeface="Times New Roman" panose="02020603050405020304" pitchFamily="18" charset="0"/>
                 <a:cs typeface="Times New Roman" panose="02020603050405020304" pitchFamily="18" charset="0"/>
               </a:rPr>
-              <a:t>Tuplas</a:t>
-            </a:r>
-            <a:r>
-              <a:rPr lang="pt-BR" sz="2000" b="1" dirty="0">
-                <a:solidFill>
-                  <a:srgbClr val="FF0000"/>
-                </a:solidFill>
-                <a:latin typeface="Times New Roman" panose="02020603050405020304" pitchFamily="18" charset="0"/>
-                <a:cs typeface="Times New Roman" panose="02020603050405020304" pitchFamily="18" charset="0"/>
-              </a:rPr>
-              <a:t>, </a:t>
-            </a:r>
-            <a:r>
-              <a:rPr lang="pt-BR" sz="2000" b="1" dirty="0" err="1">
-                <a:solidFill>
-                  <a:srgbClr val="FF0000"/>
-                </a:solidFill>
-                <a:latin typeface="Times New Roman" panose="02020603050405020304" pitchFamily="18" charset="0"/>
-                <a:cs typeface="Times New Roman" panose="02020603050405020304" pitchFamily="18" charset="0"/>
-              </a:rPr>
               <a:t>Dics</a:t>
             </a:r>
             <a:r>
-              <a:rPr lang="pt-BR" sz="2000" b="1" dirty="0">
+              <a:rPr lang="pt-BR" b="1" dirty="0">
                 <a:solidFill>
                   <a:srgbClr val="FF0000"/>
                 </a:solidFill>
@@ -10989,17 +11244,17 @@
               <a:buAutoNum type="arabicPeriod"/>
             </a:pPr>
             <a:r>
-              <a:rPr lang="pt-BR" sz="2000" dirty="0">
-                <a:solidFill>
-                  <a:schemeClr val="tx1"/>
-                </a:solidFill>
-                <a:latin typeface="Times New Roman" panose="02020603050405020304" pitchFamily="18" charset="0"/>
-                <a:cs typeface="Times New Roman" panose="02020603050405020304" pitchFamily="18" charset="0"/>
-              </a:rPr>
-              <a:t>Entrada (</a:t>
-            </a:r>
-            <a:r>
-              <a:rPr lang="pt-BR" sz="2000" b="1" dirty="0">
+              <a:rPr lang="pt-BR" dirty="0">
+                <a:solidFill>
+                  <a:schemeClr val="tx1"/>
+                </a:solidFill>
+                <a:latin typeface="Times New Roman" panose="02020603050405020304" pitchFamily="18" charset="0"/>
+                <a:cs typeface="Times New Roman" panose="02020603050405020304" pitchFamily="18" charset="0"/>
+              </a:rPr>
+              <a:t>Entrada de Dados: (</a:t>
+            </a:r>
+            <a:r>
+              <a:rPr lang="pt-BR" b="1" dirty="0">
                 <a:solidFill>
                   <a:srgbClr val="FF0000"/>
                 </a:solidFill>
@@ -11009,17 +11264,17 @@
               <a:t>atribuição e/ou input</a:t>
             </a:r>
             <a:r>
-              <a:rPr lang="pt-BR" sz="2000" dirty="0">
-                <a:solidFill>
-                  <a:schemeClr val="tx1"/>
-                </a:solidFill>
-                <a:latin typeface="Times New Roman" panose="02020603050405020304" pitchFamily="18" charset="0"/>
-                <a:cs typeface="Times New Roman" panose="02020603050405020304" pitchFamily="18" charset="0"/>
-              </a:rPr>
-              <a:t>) / Saídas (</a:t>
-            </a:r>
-            <a:r>
-              <a:rPr lang="pt-BR" sz="2000" b="1" dirty="0">
+              <a:rPr lang="pt-BR" dirty="0">
+                <a:solidFill>
+                  <a:schemeClr val="tx1"/>
+                </a:solidFill>
+                <a:latin typeface="Times New Roman" panose="02020603050405020304" pitchFamily="18" charset="0"/>
+                <a:cs typeface="Times New Roman" panose="02020603050405020304" pitchFamily="18" charset="0"/>
+              </a:rPr>
+              <a:t>) / Saídas de Dados (</a:t>
+            </a:r>
+            <a:r>
+              <a:rPr lang="pt-BR" b="1" dirty="0">
                 <a:solidFill>
                   <a:srgbClr val="FF0000"/>
                 </a:solidFill>
@@ -11029,7 +11284,7 @@
               <a:t>print</a:t>
             </a:r>
             <a:r>
-              <a:rPr lang="pt-BR" sz="2000" dirty="0">
+              <a:rPr lang="pt-BR" dirty="0">
                 <a:solidFill>
                   <a:schemeClr val="tx1"/>
                 </a:solidFill>
@@ -11044,7 +11299,82 @@
               <a:buAutoNum type="arabicPeriod"/>
             </a:pPr>
             <a:r>
-              <a:rPr lang="pt-BR" sz="2000" dirty="0">
+              <a:rPr lang="pt-BR" dirty="0">
+                <a:solidFill>
+                  <a:schemeClr val="tx1"/>
+                </a:solidFill>
+                <a:latin typeface="Times New Roman" panose="02020603050405020304" pitchFamily="18" charset="0"/>
+                <a:cs typeface="Times New Roman" panose="02020603050405020304" pitchFamily="18" charset="0"/>
+              </a:rPr>
+              <a:t>Condicionais: </a:t>
+            </a:r>
+            <a:r>
+              <a:rPr lang="pt-BR" b="1" dirty="0" err="1">
+                <a:solidFill>
+                  <a:schemeClr val="tx1"/>
+                </a:solidFill>
+                <a:latin typeface="Times New Roman" panose="02020603050405020304" pitchFamily="18" charset="0"/>
+                <a:cs typeface="Times New Roman" panose="02020603050405020304" pitchFamily="18" charset="0"/>
+              </a:rPr>
+              <a:t>if</a:t>
+            </a:r>
+            <a:r>
+              <a:rPr lang="pt-BR" dirty="0">
+                <a:solidFill>
+                  <a:schemeClr val="tx1"/>
+                </a:solidFill>
+                <a:latin typeface="Times New Roman" panose="02020603050405020304" pitchFamily="18" charset="0"/>
+                <a:cs typeface="Times New Roman" panose="02020603050405020304" pitchFamily="18" charset="0"/>
+              </a:rPr>
+              <a:t> e </a:t>
+            </a:r>
+            <a:r>
+              <a:rPr lang="pt-BR" b="1" dirty="0" err="1">
+                <a:solidFill>
+                  <a:schemeClr val="tx1"/>
+                </a:solidFill>
+                <a:latin typeface="Times New Roman" panose="02020603050405020304" pitchFamily="18" charset="0"/>
+                <a:cs typeface="Times New Roman" panose="02020603050405020304" pitchFamily="18" charset="0"/>
+              </a:rPr>
+              <a:t>if</a:t>
+            </a:r>
+            <a:r>
+              <a:rPr lang="pt-BR" dirty="0">
+                <a:solidFill>
+                  <a:schemeClr val="tx1"/>
+                </a:solidFill>
+                <a:latin typeface="Times New Roman" panose="02020603050405020304" pitchFamily="18" charset="0"/>
+                <a:cs typeface="Times New Roman" panose="02020603050405020304" pitchFamily="18" charset="0"/>
+              </a:rPr>
+              <a:t> ... </a:t>
+            </a:r>
+            <a:r>
+              <a:rPr lang="pt-BR" b="1" dirty="0" err="1">
+                <a:solidFill>
+                  <a:schemeClr val="tx1"/>
+                </a:solidFill>
+                <a:latin typeface="Times New Roman" panose="02020603050405020304" pitchFamily="18" charset="0"/>
+                <a:cs typeface="Times New Roman" panose="02020603050405020304" pitchFamily="18" charset="0"/>
+              </a:rPr>
+              <a:t>else</a:t>
+            </a:r>
+            <a:r>
+              <a:rPr lang="pt-BR" dirty="0">
+                <a:solidFill>
+                  <a:schemeClr val="tx1"/>
+                </a:solidFill>
+                <a:latin typeface="Times New Roman" panose="02020603050405020304" pitchFamily="18" charset="0"/>
+                <a:cs typeface="Times New Roman" panose="02020603050405020304" pitchFamily="18" charset="0"/>
+              </a:rPr>
+              <a:t> ...</a:t>
+            </a:r>
+          </a:p>
+          <a:p>
+            <a:pPr marL="457200" indent="-457200" algn="just">
+              <a:buAutoNum type="arabicPeriod"/>
+            </a:pPr>
+            <a:r>
+              <a:rPr lang="pt-BR" dirty="0">
                 <a:solidFill>
                   <a:schemeClr val="tx1"/>
                 </a:solidFill>
@@ -11054,7 +11384,7 @@
               <a:t>Loops: </a:t>
             </a:r>
             <a:r>
-              <a:rPr lang="pt-BR" sz="2000" b="1" dirty="0">
+              <a:rPr lang="pt-BR" b="1" dirty="0">
                 <a:solidFill>
                   <a:schemeClr val="tx1"/>
                 </a:solidFill>
@@ -11064,7 +11394,7 @@
               <a:t>for / </a:t>
             </a:r>
             <a:r>
-              <a:rPr lang="pt-BR" sz="2000" b="1" dirty="0" err="1">
+              <a:rPr lang="pt-BR" b="1" dirty="0" err="1">
                 <a:solidFill>
                   <a:schemeClr val="tx1"/>
                 </a:solidFill>
@@ -11073,7 +11403,7 @@
               </a:rPr>
               <a:t>while</a:t>
             </a:r>
-            <a:endParaRPr lang="pt-BR" sz="2000" b="1" dirty="0">
+            <a:endParaRPr lang="pt-BR" b="1" dirty="0">
               <a:solidFill>
                 <a:schemeClr val="tx1"/>
               </a:solidFill>
@@ -11082,88 +11412,11 @@
             </a:endParaRPr>
           </a:p>
           <a:p>
-            <a:pPr marL="0" marR="0" indent="0" algn="l" defTabSz="457200" rtl="0" fontAlgn="auto" latinLnBrk="0" hangingPunct="0">
-              <a:lnSpc>
-                <a:spcPct val="100000"/>
-              </a:lnSpc>
-              <a:spcBef>
-                <a:spcPts val="0"/>
-              </a:spcBef>
-              <a:spcAft>
-                <a:spcPts val="0"/>
-              </a:spcAft>
-              <a:buClrTx/>
-              <a:buSzTx/>
-              <a:buFontTx/>
-              <a:buNone/>
-            </a:pPr>
-            <a:endParaRPr kumimoji="0" lang="pt-BR" sz="2000" b="0" i="0" u="none" strike="noStrike" cap="none" spc="0" normalizeH="0" baseline="0" dirty="0">
-              <a:ln>
-                <a:noFill/>
-              </a:ln>
-              <a:solidFill>
-                <a:srgbClr val="000000"/>
-              </a:solidFill>
-              <a:effectLst/>
-              <a:uFillTx/>
-              <a:latin typeface="+mj-lt"/>
-              <a:ea typeface="+mj-ea"/>
-              <a:cs typeface="+mj-cs"/>
-              <a:sym typeface="Calibri"/>
-            </a:endParaRPr>
-          </a:p>
-        </p:txBody>
-      </p:sp>
-      <p:sp>
-        <p:nvSpPr>
-          <p:cNvPr id="3" name="CaixaDeTexto 2">
-            <a:extLst>
-              <a:ext uri="{FF2B5EF4-FFF2-40B4-BE49-F238E27FC236}">
-                <a16:creationId xmlns:a16="http://schemas.microsoft.com/office/drawing/2014/main" id="{09B598B0-E094-2699-739E-6A07CD5EE4F7}"/>
-              </a:ext>
-            </a:extLst>
-          </p:cNvPr>
-          <p:cNvSpPr txBox="1"/>
-          <p:nvPr/>
-        </p:nvSpPr>
-        <p:spPr>
-          <a:xfrm>
-            <a:off x="148605" y="2907597"/>
-            <a:ext cx="5242142" cy="2554541"/>
-          </a:xfrm>
-          <a:prstGeom prst="rect">
-            <a:avLst/>
-          </a:prstGeom>
-          <a:noFill/>
-          <a:ln w="12700" cap="flat">
-            <a:noFill/>
-            <a:miter lim="400000"/>
-          </a:ln>
-        </p:spPr>
-        <p:style>
-          <a:lnRef idx="0">
-            <a:scrgbClr r="0" g="0" b="0"/>
-          </a:lnRef>
-          <a:fillRef idx="0">
-            <a:scrgbClr r="0" g="0" b="0"/>
-          </a:fillRef>
-          <a:effectRef idx="0">
-            <a:scrgbClr r="0" g="0" b="0"/>
-          </a:effectRef>
-          <a:fontRef idx="none"/>
-        </p:style>
-        <p:txBody>
-          <a:bodyPr rot="0" spcFirstLastPara="1" vertOverflow="overflow" horzOverflow="overflow" vert="horz" wrap="square" lIns="45718" tIns="45718" rIns="45718" bIns="45718" numCol="1" spcCol="38100" rtlCol="0" anchor="t">
-            <a:spAutoFit/>
-          </a:bodyPr>
-          <a:lstStyle/>
-          <a:p>
             <a:pPr marL="457200" indent="-457200" algn="just">
-              <a:buFont typeface="+mj-lt"/>
-              <a:buAutoNum type="arabicPeriod" startAt="7"/>
-            </a:pPr>
-            <a:r>
-              <a:rPr lang="pt-BR" sz="2000" dirty="0">
+              <a:buAutoNum type="arabicPeriod"/>
+            </a:pPr>
+            <a:r>
+              <a:rPr lang="pt-BR" dirty="0">
                 <a:solidFill>
                   <a:schemeClr val="tx1"/>
                 </a:solidFill>
@@ -11175,11 +11428,10 @@
           </a:p>
           <a:p>
             <a:pPr marL="457200" indent="-457200" algn="just">
-              <a:buFont typeface="+mj-lt"/>
-              <a:buAutoNum type="arabicPeriod" startAt="7"/>
-            </a:pPr>
-            <a:r>
-              <a:rPr lang="pt-BR" sz="2000" dirty="0">
+              <a:buAutoNum type="arabicPeriod"/>
+            </a:pPr>
+            <a:r>
+              <a:rPr lang="pt-BR" dirty="0">
                 <a:solidFill>
                   <a:schemeClr val="tx1"/>
                 </a:solidFill>
@@ -11191,11 +11443,10 @@
           </a:p>
           <a:p>
             <a:pPr marL="457200" indent="-457200" algn="just">
-              <a:buFont typeface="+mj-lt"/>
-              <a:buAutoNum type="arabicPeriod" startAt="7"/>
-            </a:pPr>
-            <a:r>
-              <a:rPr lang="pt-BR" sz="2000" dirty="0">
+              <a:buAutoNum type="arabicPeriod"/>
+            </a:pPr>
+            <a:r>
+              <a:rPr lang="pt-BR" dirty="0">
                 <a:solidFill>
                   <a:schemeClr val="tx1"/>
                 </a:solidFill>
@@ -11205,7 +11456,7 @@
               <a:t>Classes (</a:t>
             </a:r>
             <a:r>
-              <a:rPr lang="pt-BR" sz="2000" b="1" dirty="0">
+              <a:rPr lang="pt-BR" b="1" dirty="0">
                 <a:solidFill>
                   <a:srgbClr val="FF0000"/>
                 </a:solidFill>
@@ -11215,7 +11466,7 @@
               <a:t>Orientação a Objetos</a:t>
             </a:r>
             <a:r>
-              <a:rPr lang="pt-BR" sz="2000" dirty="0">
+              <a:rPr lang="pt-BR" dirty="0">
                 <a:solidFill>
                   <a:schemeClr val="tx1"/>
                 </a:solidFill>
@@ -11227,11 +11478,10 @@
           </a:p>
           <a:p>
             <a:pPr marL="457200" indent="-457200" algn="just">
-              <a:buFont typeface="+mj-lt"/>
-              <a:buAutoNum type="arabicPeriod" startAt="7"/>
-            </a:pPr>
-            <a:r>
-              <a:rPr lang="pt-BR" sz="2000" dirty="0">
+              <a:buAutoNum type="arabicPeriod"/>
+            </a:pPr>
+            <a:r>
+              <a:rPr lang="pt-BR" dirty="0">
                 <a:solidFill>
                   <a:schemeClr val="tx1"/>
                 </a:solidFill>
@@ -11241,7 +11491,7 @@
               <a:t>Módulos/Pacotes (</a:t>
             </a:r>
             <a:r>
-              <a:rPr lang="pt-BR" sz="2000" b="1" dirty="0" err="1">
+              <a:rPr lang="pt-BR" b="1" dirty="0" err="1">
                 <a:solidFill>
                   <a:srgbClr val="FF0000"/>
                 </a:solidFill>
@@ -11251,7 +11501,7 @@
               <a:t>import</a:t>
             </a:r>
             <a:r>
-              <a:rPr lang="pt-BR" sz="2000" dirty="0">
+              <a:rPr lang="pt-BR" dirty="0">
                 <a:solidFill>
                   <a:schemeClr val="tx1"/>
                 </a:solidFill>
@@ -11263,11 +11513,10 @@
           </a:p>
           <a:p>
             <a:pPr marL="457200" indent="-457200" algn="just">
-              <a:buFont typeface="+mj-lt"/>
-              <a:buAutoNum type="arabicPeriod" startAt="7"/>
-            </a:pPr>
-            <a:r>
-              <a:rPr lang="pt-BR" sz="2000" dirty="0">
+              <a:buAutoNum type="arabicPeriod"/>
+            </a:pPr>
+            <a:r>
+              <a:rPr lang="pt-BR" dirty="0">
                 <a:solidFill>
                   <a:schemeClr val="tx1"/>
                 </a:solidFill>
@@ -11277,7 +11526,7 @@
               <a:t>Ambientes Virtuais (</a:t>
             </a:r>
             <a:r>
-              <a:rPr lang="pt-BR" sz="2000" b="1" dirty="0">
+              <a:rPr lang="pt-BR" b="1" dirty="0">
                 <a:solidFill>
                   <a:srgbClr val="FF0000"/>
                 </a:solidFill>
@@ -11287,7 +11536,7 @@
               <a:t>Conf. Variáveis, </a:t>
             </a:r>
             <a:r>
-              <a:rPr lang="pt-BR" sz="2000" b="1" dirty="0" err="1">
+              <a:rPr lang="pt-BR" b="1" dirty="0" err="1">
                 <a:solidFill>
                   <a:srgbClr val="FF0000"/>
                 </a:solidFill>
@@ -11297,7 +11546,7 @@
               <a:t>etc</a:t>
             </a:r>
             <a:r>
-              <a:rPr lang="pt-BR" sz="2000" dirty="0">
+              <a:rPr lang="pt-BR" dirty="0">
                 <a:solidFill>
                   <a:schemeClr val="tx1"/>
                 </a:solidFill>
@@ -11309,11 +11558,10 @@
           </a:p>
           <a:p>
             <a:pPr marL="457200" indent="-457200" algn="just">
-              <a:buFont typeface="+mj-lt"/>
-              <a:buAutoNum type="arabicPeriod" startAt="7"/>
-            </a:pPr>
-            <a:r>
-              <a:rPr lang="pt-BR" sz="2000" dirty="0">
+              <a:buAutoNum type="arabicPeriod"/>
+            </a:pPr>
+            <a:r>
+              <a:rPr lang="pt-BR" dirty="0">
                 <a:solidFill>
                   <a:schemeClr val="tx1"/>
                 </a:solidFill>
@@ -11323,7 +11571,7 @@
               <a:t>Erros e Exceções (</a:t>
             </a:r>
             <a:r>
-              <a:rPr lang="pt-BR" sz="2000" b="1" dirty="0" err="1">
+              <a:rPr lang="pt-BR" b="1" dirty="0" err="1">
                 <a:solidFill>
                   <a:srgbClr val="FF0000"/>
                 </a:solidFill>
@@ -11333,7 +11581,7 @@
               <a:t>try</a:t>
             </a:r>
             <a:r>
-              <a:rPr lang="pt-BR" sz="2000" b="1" dirty="0">
+              <a:rPr lang="pt-BR" b="1" dirty="0">
                 <a:solidFill>
                   <a:srgbClr val="FF0000"/>
                 </a:solidFill>
@@ -11343,7 +11591,7 @@
               <a:t>: ... </a:t>
             </a:r>
             <a:r>
-              <a:rPr lang="pt-BR" sz="2000" b="1" dirty="0" err="1">
+              <a:rPr lang="pt-BR" b="1" dirty="0" err="1">
                 <a:solidFill>
                   <a:srgbClr val="FF0000"/>
                 </a:solidFill>
@@ -11353,7 +11601,7 @@
               <a:t>except</a:t>
             </a:r>
             <a:r>
-              <a:rPr lang="pt-BR" sz="2000" b="1" dirty="0">
+              <a:rPr lang="pt-BR" b="1" dirty="0">
                 <a:solidFill>
                   <a:srgbClr val="FF0000"/>
                 </a:solidFill>
@@ -11363,23 +11611,32 @@
               <a:t>:</a:t>
             </a:r>
             <a:r>
-              <a:rPr lang="pt-BR" sz="2000" dirty="0">
+              <a:rPr lang="pt-BR" dirty="0">
+                <a:solidFill>
+                  <a:schemeClr val="tx1"/>
+                </a:solidFill>
+                <a:latin typeface="Times New Roman" panose="02020603050405020304" pitchFamily="18" charset="0"/>
+                <a:cs typeface="Times New Roman" panose="02020603050405020304" pitchFamily="18" charset="0"/>
+              </a:rPr>
+              <a:t>)</a:t>
+            </a:r>
+            <a:r>
+              <a:rPr lang="pt-BR" dirty="0">
                 <a:solidFill>
                   <a:srgbClr val="FF0000"/>
                 </a:solidFill>
                 <a:latin typeface="Times New Roman" panose="02020603050405020304" pitchFamily="18" charset="0"/>
                 <a:cs typeface="Times New Roman" panose="02020603050405020304" pitchFamily="18" charset="0"/>
               </a:rPr>
-              <a:t>)  </a:t>
+              <a:t> </a:t>
             </a:r>
           </a:p>
           <a:p>
             <a:pPr marL="457200" indent="-457200" algn="just">
-              <a:buFont typeface="+mj-lt"/>
-              <a:buAutoNum type="arabicPeriod" startAt="7"/>
-            </a:pPr>
-            <a:r>
-              <a:rPr lang="pt-BR" sz="2000" dirty="0">
+              <a:buAutoNum type="arabicPeriod"/>
+            </a:pPr>
+            <a:r>
+              <a:rPr lang="pt-BR" dirty="0">
                 <a:solidFill>
                   <a:schemeClr val="tx1"/>
                 </a:solidFill>
@@ -11388,24 +11645,7 @@
               </a:rPr>
               <a:t>Conexão com Banco de Dados</a:t>
             </a:r>
-          </a:p>
-          <a:p>
-            <a:pPr marL="0" marR="0" indent="0" algn="l" defTabSz="457200" rtl="0" fontAlgn="auto" latinLnBrk="0" hangingPunct="0">
-              <a:lnSpc>
-                <a:spcPct val="100000"/>
-              </a:lnSpc>
-              <a:spcBef>
-                <a:spcPts val="0"/>
-              </a:spcBef>
-              <a:spcAft>
-                <a:spcPts val="0"/>
-              </a:spcAft>
-              <a:buClrTx/>
-              <a:buSzTx/>
-              <a:buFontTx/>
-              <a:buNone/>
-            </a:pPr>
-            <a:endParaRPr kumimoji="0" lang="pt-BR" sz="2000" b="0" i="0" u="none" strike="noStrike" cap="none" spc="0" normalizeH="0" baseline="0" dirty="0">
+            <a:endParaRPr kumimoji="0" lang="pt-BR" b="0" i="0" u="none" strike="noStrike" cap="none" spc="0" normalizeH="0" baseline="0" dirty="0">
               <a:ln>
                 <a:noFill/>
               </a:ln>
@@ -15605,7 +15845,7 @@
               <a:t># </a:t>
             </a:r>
             <a:r>
-              <a:rPr lang="pt-BR" dirty="0" err="1">
+              <a:rPr lang="pt-BR" b="1" dirty="0" err="1">
                 <a:solidFill>
                   <a:schemeClr val="tx1"/>
                 </a:solidFill>
@@ -15615,7 +15855,7 @@
               <a:t>To</a:t>
             </a:r>
             <a:r>
-              <a:rPr lang="pt-BR" dirty="0">
+              <a:rPr lang="pt-BR" b="1" dirty="0">
                 <a:solidFill>
                   <a:schemeClr val="tx1"/>
                 </a:solidFill>
@@ -15625,7 +15865,7 @@
               <a:t> take inputs </a:t>
             </a:r>
             <a:r>
-              <a:rPr lang="pt-BR" dirty="0" err="1">
+              <a:rPr lang="pt-BR" b="1" dirty="0" err="1">
                 <a:solidFill>
                   <a:schemeClr val="tx1"/>
                 </a:solidFill>
@@ -15635,7 +15875,7 @@
               <a:t>from</a:t>
             </a:r>
             <a:r>
-              <a:rPr lang="pt-BR" dirty="0">
+              <a:rPr lang="pt-BR" b="1" dirty="0">
                 <a:solidFill>
                   <a:schemeClr val="tx1"/>
                 </a:solidFill>
@@ -15645,7 +15885,7 @@
               <a:t> </a:t>
             </a:r>
             <a:r>
-              <a:rPr lang="pt-BR" dirty="0" err="1">
+              <a:rPr lang="pt-BR" b="1" dirty="0" err="1">
                 <a:solidFill>
                   <a:schemeClr val="tx1"/>
                 </a:solidFill>
@@ -15655,7 +15895,7 @@
               <a:t>the</a:t>
             </a:r>
             <a:r>
-              <a:rPr lang="pt-BR" dirty="0">
+              <a:rPr lang="pt-BR" b="1" dirty="0">
                 <a:solidFill>
                   <a:schemeClr val="tx1"/>
                 </a:solidFill>
@@ -15665,7 +15905,7 @@
               <a:t> </a:t>
             </a:r>
             <a:r>
-              <a:rPr lang="pt-BR" dirty="0" err="1">
+              <a:rPr lang="pt-BR" b="1" dirty="0" err="1">
                 <a:solidFill>
                   <a:schemeClr val="tx1"/>
                 </a:solidFill>
@@ -15674,7 +15914,7 @@
               </a:rPr>
               <a:t>user</a:t>
             </a:r>
-            <a:endParaRPr lang="pt-BR" dirty="0">
+            <a:endParaRPr lang="pt-BR" b="1" dirty="0">
               <a:solidFill>
                 <a:schemeClr val="tx1"/>
               </a:solidFill>
@@ -15694,7 +15934,7 @@
                 <a:latin typeface="Times New Roman" panose="02020603050405020304" pitchFamily="18" charset="0"/>
                 <a:cs typeface="Times New Roman" panose="02020603050405020304" pitchFamily="18" charset="0"/>
               </a:rPr>
-              <a:t># x = input('</a:t>
+              <a:t>x = input('</a:t>
             </a:r>
             <a:r>
               <a:rPr lang="pt-BR" dirty="0" err="1">
@@ -15754,7 +15994,7 @@
                 <a:latin typeface="Times New Roman" panose="02020603050405020304" pitchFamily="18" charset="0"/>
                 <a:cs typeface="Times New Roman" panose="02020603050405020304" pitchFamily="18" charset="0"/>
               </a:rPr>
-              <a:t> x: ‘)</a:t>
+              <a:t> x: ')</a:t>
             </a:r>
           </a:p>
           <a:p>
@@ -15769,7 +16009,7 @@
                 <a:latin typeface="Times New Roman" panose="02020603050405020304" pitchFamily="18" charset="0"/>
                 <a:cs typeface="Times New Roman" panose="02020603050405020304" pitchFamily="18" charset="0"/>
               </a:rPr>
-              <a:t># y = input('</a:t>
+              <a:t>y = input('</a:t>
             </a:r>
             <a:r>
               <a:rPr lang="pt-BR" dirty="0" err="1">
